--- a/발표자료.pptx
+++ b/발표자료.pptx
@@ -9,10 +9,11 @@
     <p:sldId id="270" r:id="rId3"/>
     <p:sldId id="271" r:id="rId4"/>
     <p:sldId id="261" r:id="rId5"/>
-    <p:sldId id="267" r:id="rId6"/>
-    <p:sldId id="268" r:id="rId7"/>
-    <p:sldId id="269" r:id="rId8"/>
-    <p:sldId id="272" r:id="rId9"/>
+    <p:sldId id="273" r:id="rId6"/>
+    <p:sldId id="267" r:id="rId7"/>
+    <p:sldId id="268" r:id="rId8"/>
+    <p:sldId id="269" r:id="rId9"/>
+    <p:sldId id="272" r:id="rId10"/>
   </p:sldIdLst>
   <p:sldSz cx="12192000" cy="6858000"/>
   <p:notesSz cx="6858000" cy="9144000"/>
@@ -255,7 +256,7 @@
                 </a:solidFill>
               </a:rPr>
               <a:pPr/>
-              <a:t>2021-11-21</a:t>
+              <a:t>2021-11-24</a:t>
             </a:fld>
             <a:endParaRPr lang="ko-KR" altLang="en-US">
               <a:solidFill>
@@ -455,7 +456,7 @@
                 </a:solidFill>
               </a:rPr>
               <a:pPr/>
-              <a:t>2021-11-21</a:t>
+              <a:t>2021-11-24</a:t>
             </a:fld>
             <a:endParaRPr lang="ko-KR" altLang="en-US">
               <a:solidFill>
@@ -665,7 +666,7 @@
                 </a:solidFill>
               </a:rPr>
               <a:pPr/>
-              <a:t>2021-11-21</a:t>
+              <a:t>2021-11-24</a:t>
             </a:fld>
             <a:endParaRPr lang="ko-KR" altLang="en-US">
               <a:solidFill>
@@ -865,7 +866,7 @@
                 </a:solidFill>
               </a:rPr>
               <a:pPr/>
-              <a:t>2021-11-21</a:t>
+              <a:t>2021-11-24</a:t>
             </a:fld>
             <a:endParaRPr lang="ko-KR" altLang="en-US">
               <a:solidFill>
@@ -1142,7 +1143,7 @@
                 </a:solidFill>
               </a:rPr>
               <a:pPr/>
-              <a:t>2021-11-21</a:t>
+              <a:t>2021-11-24</a:t>
             </a:fld>
             <a:endParaRPr lang="ko-KR" altLang="en-US">
               <a:solidFill>
@@ -1403,7 +1404,7 @@
                 </a:solidFill>
               </a:rPr>
               <a:pPr/>
-              <a:t>2021-11-21</a:t>
+              <a:t>2021-11-24</a:t>
             </a:fld>
             <a:endParaRPr lang="ko-KR" altLang="en-US">
               <a:solidFill>
@@ -1799,7 +1800,7 @@
                 </a:solidFill>
               </a:rPr>
               <a:pPr/>
-              <a:t>2021-11-21</a:t>
+              <a:t>2021-11-24</a:t>
             </a:fld>
             <a:endParaRPr lang="ko-KR" altLang="en-US">
               <a:solidFill>
@@ -1948,7 +1949,7 @@
                 </a:solidFill>
               </a:rPr>
               <a:pPr/>
-              <a:t>2021-11-21</a:t>
+              <a:t>2021-11-24</a:t>
             </a:fld>
             <a:endParaRPr lang="ko-KR" altLang="en-US">
               <a:solidFill>
@@ -2075,7 +2076,7 @@
                 </a:solidFill>
               </a:rPr>
               <a:pPr/>
-              <a:t>2021-11-21</a:t>
+              <a:t>2021-11-24</a:t>
             </a:fld>
             <a:endParaRPr lang="ko-KR" altLang="en-US">
               <a:solidFill>
@@ -2382,7 +2383,7 @@
                 </a:solidFill>
               </a:rPr>
               <a:pPr/>
-              <a:t>2021-11-21</a:t>
+              <a:t>2021-11-24</a:t>
             </a:fld>
             <a:endParaRPr lang="ko-KR" altLang="en-US">
               <a:solidFill>
@@ -2666,7 +2667,7 @@
                 </a:solidFill>
               </a:rPr>
               <a:pPr/>
-              <a:t>2021-11-21</a:t>
+              <a:t>2021-11-24</a:t>
             </a:fld>
             <a:endParaRPr lang="ko-KR" altLang="en-US">
               <a:solidFill>
@@ -2909,7 +2910,7 @@
                 </a:solidFill>
               </a:rPr>
               <a:pPr/>
-              <a:t>2021-11-21</a:t>
+              <a:t>2021-11-24</a:t>
             </a:fld>
             <a:endParaRPr lang="ko-KR" altLang="en-US">
               <a:solidFill>
@@ -6853,6 +6854,4319 @@
 </file>
 
 <file path=ppt/slides/slide5.xml><?xml version="1.0" encoding="utf-8"?>
+<p:sld xmlns:a="http://schemas.openxmlformats.org/drawingml/2006/main" xmlns:r="http://schemas.openxmlformats.org/officeDocument/2006/relationships" xmlns:p="http://schemas.openxmlformats.org/presentationml/2006/main">
+  <p:cSld>
+    <p:bg>
+      <p:bgPr>
+        <a:solidFill>
+          <a:srgbClr val="303F9F"/>
+        </a:solidFill>
+        <a:effectLst/>
+      </p:bgPr>
+    </p:bg>
+    <p:spTree>
+      <p:nvGrpSpPr>
+        <p:cNvPr id="1" name=""/>
+        <p:cNvGrpSpPr/>
+        <p:nvPr/>
+      </p:nvGrpSpPr>
+      <p:grpSpPr>
+        <a:xfrm>
+          <a:off x="0" y="0"/>
+          <a:ext cx="0" cy="0"/>
+          <a:chOff x="0" y="0"/>
+          <a:chExt cx="0" cy="0"/>
+        </a:xfrm>
+      </p:grpSpPr>
+      <p:grpSp>
+        <p:nvGrpSpPr>
+          <p:cNvPr id="12" name="그룹 11"/>
+          <p:cNvGrpSpPr/>
+          <p:nvPr/>
+        </p:nvGrpSpPr>
+        <p:grpSpPr>
+          <a:xfrm>
+            <a:off x="464457" y="391886"/>
+            <a:ext cx="11350172" cy="6466115"/>
+            <a:chOff x="464457" y="391886"/>
+            <a:chExt cx="11350172" cy="6466115"/>
+          </a:xfrm>
+        </p:grpSpPr>
+        <p:sp>
+          <p:nvSpPr>
+            <p:cNvPr id="5" name="양쪽 모서리가 둥근 사각형 4"/>
+            <p:cNvSpPr/>
+            <p:nvPr/>
+          </p:nvSpPr>
+          <p:spPr>
+            <a:xfrm>
+              <a:off x="464457" y="391886"/>
+              <a:ext cx="11350172" cy="6466114"/>
+            </a:xfrm>
+            <a:prstGeom prst="round2SameRect">
+              <a:avLst>
+                <a:gd name="adj1" fmla="val 5121"/>
+                <a:gd name="adj2" fmla="val 0"/>
+              </a:avLst>
+            </a:prstGeom>
+            <a:solidFill>
+              <a:schemeClr val="accent1">
+                <a:lumMod val="60000"/>
+                <a:lumOff val="40000"/>
+              </a:schemeClr>
+            </a:solidFill>
+            <a:ln w="22225">
+              <a:solidFill>
+                <a:schemeClr val="bg1"/>
+              </a:solidFill>
+            </a:ln>
+          </p:spPr>
+          <p:style>
+            <a:lnRef idx="2">
+              <a:schemeClr val="accent1">
+                <a:shade val="50000"/>
+              </a:schemeClr>
+            </a:lnRef>
+            <a:fillRef idx="1">
+              <a:schemeClr val="accent1"/>
+            </a:fillRef>
+            <a:effectRef idx="0">
+              <a:schemeClr val="accent1"/>
+            </a:effectRef>
+            <a:fontRef idx="minor">
+              <a:schemeClr val="lt1"/>
+            </a:fontRef>
+          </p:style>
+          <p:txBody>
+            <a:bodyPr rtlCol="0" anchor="t"/>
+            <a:lstStyle/>
+            <a:p>
+              <a:pPr lvl="2" latinLnBrk="0">
+                <a:lnSpc>
+                  <a:spcPct val="150000"/>
+                </a:lnSpc>
+                <a:defRPr/>
+              </a:pPr>
+              <a:r>
+                <a:rPr lang="en-US" altLang="ko-KR" sz="2400" b="1" i="1" kern="0" dirty="0">
+                  <a:solidFill>
+                    <a:srgbClr val="303F9F"/>
+                  </a:solidFill>
+                  <a:latin typeface="나눔스퀘어 Bold" panose="020B0600000101010101" pitchFamily="50" charset="-127"/>
+                  <a:ea typeface="나눔스퀘어 Bold" panose="020B0600000101010101" pitchFamily="50" charset="-127"/>
+                </a:rPr>
+                <a:t>Development </a:t>
+              </a:r>
+              <a:r>
+                <a:rPr lang="en-US" altLang="ko-KR" sz="2400" b="1" i="1" kern="0" dirty="0">
+                  <a:solidFill>
+                    <a:prstClr val="white"/>
+                  </a:solidFill>
+                  <a:latin typeface="나눔스퀘어 Bold" panose="020B0600000101010101" pitchFamily="50" charset="-127"/>
+                  <a:ea typeface="나눔스퀘어 Bold" panose="020B0600000101010101" pitchFamily="50" charset="-127"/>
+                </a:rPr>
+                <a:t>Method </a:t>
+              </a:r>
+            </a:p>
+            <a:p>
+              <a:pPr lvl="2" latinLnBrk="0">
+                <a:lnSpc>
+                  <a:spcPct val="150000"/>
+                </a:lnSpc>
+                <a:defRPr/>
+              </a:pPr>
+              <a:endParaRPr lang="en-US" altLang="ko-KR" sz="2400" b="1" i="1" kern="0" dirty="0">
+                <a:solidFill>
+                  <a:srgbClr val="303F9F"/>
+                </a:solidFill>
+                <a:latin typeface="나눔스퀘어 Bold" panose="020B0600000101010101" pitchFamily="50" charset="-127"/>
+                <a:ea typeface="나눔스퀘어 Bold" panose="020B0600000101010101" pitchFamily="50" charset="-127"/>
+              </a:endParaRPr>
+            </a:p>
+          </p:txBody>
+        </p:sp>
+        <p:sp>
+          <p:nvSpPr>
+            <p:cNvPr id="6" name="양쪽 모서리가 둥근 사각형 5"/>
+            <p:cNvSpPr/>
+            <p:nvPr/>
+          </p:nvSpPr>
+          <p:spPr>
+            <a:xfrm>
+              <a:off x="464457" y="1320801"/>
+              <a:ext cx="11350172" cy="5537200"/>
+            </a:xfrm>
+            <a:prstGeom prst="round2SameRect">
+              <a:avLst>
+                <a:gd name="adj1" fmla="val 6572"/>
+                <a:gd name="adj2" fmla="val 0"/>
+              </a:avLst>
+            </a:prstGeom>
+            <a:solidFill>
+              <a:schemeClr val="bg1"/>
+            </a:solidFill>
+            <a:ln w="22225">
+              <a:solidFill>
+                <a:schemeClr val="bg1"/>
+              </a:solidFill>
+            </a:ln>
+          </p:spPr>
+          <p:style>
+            <a:lnRef idx="2">
+              <a:schemeClr val="accent1">
+                <a:shade val="50000"/>
+              </a:schemeClr>
+            </a:lnRef>
+            <a:fillRef idx="1">
+              <a:schemeClr val="accent1"/>
+            </a:fillRef>
+            <a:effectRef idx="0">
+              <a:schemeClr val="accent1"/>
+            </a:effectRef>
+            <a:fontRef idx="minor">
+              <a:schemeClr val="lt1"/>
+            </a:fontRef>
+          </p:style>
+          <p:txBody>
+            <a:bodyPr rtlCol="0" anchor="ctr"/>
+            <a:lstStyle/>
+            <a:p>
+              <a:pPr algn="ctr"/>
+              <a:endParaRPr lang="ko-KR" altLang="en-US">
+                <a:solidFill>
+                  <a:prstClr val="white"/>
+                </a:solidFill>
+              </a:endParaRPr>
+            </a:p>
+          </p:txBody>
+        </p:sp>
+        <p:sp>
+          <p:nvSpPr>
+            <p:cNvPr id="7" name="자유형 6"/>
+            <p:cNvSpPr/>
+            <p:nvPr/>
+          </p:nvSpPr>
+          <p:spPr>
+            <a:xfrm>
+              <a:off x="909660" y="749801"/>
+              <a:ext cx="112689" cy="197593"/>
+            </a:xfrm>
+            <a:custGeom>
+              <a:avLst/>
+              <a:gdLst>
+                <a:gd name="connsiteX0" fmla="*/ 80683 w 89647"/>
+                <a:gd name="connsiteY0" fmla="*/ 0 h 161365"/>
+                <a:gd name="connsiteX1" fmla="*/ 0 w 89647"/>
+                <a:gd name="connsiteY1" fmla="*/ 89647 h 161365"/>
+                <a:gd name="connsiteX2" fmla="*/ 89647 w 89647"/>
+                <a:gd name="connsiteY2" fmla="*/ 161365 h 161365"/>
+                <a:gd name="connsiteX0" fmla="*/ 80683 w 89647"/>
+                <a:gd name="connsiteY0" fmla="*/ 0 h 161365"/>
+                <a:gd name="connsiteX1" fmla="*/ 0 w 89647"/>
+                <a:gd name="connsiteY1" fmla="*/ 80122 h 161365"/>
+                <a:gd name="connsiteX2" fmla="*/ 89647 w 89647"/>
+                <a:gd name="connsiteY2" fmla="*/ 161365 h 161365"/>
+                <a:gd name="connsiteX0" fmla="*/ 80683 w 89647"/>
+                <a:gd name="connsiteY0" fmla="*/ 0 h 161365"/>
+                <a:gd name="connsiteX1" fmla="*/ 0 w 89647"/>
+                <a:gd name="connsiteY1" fmla="*/ 89647 h 161365"/>
+                <a:gd name="connsiteX2" fmla="*/ 89647 w 89647"/>
+                <a:gd name="connsiteY2" fmla="*/ 161365 h 161365"/>
+                <a:gd name="connsiteX0" fmla="*/ 83064 w 92028"/>
+                <a:gd name="connsiteY0" fmla="*/ 0 h 161365"/>
+                <a:gd name="connsiteX1" fmla="*/ 0 w 92028"/>
+                <a:gd name="connsiteY1" fmla="*/ 87266 h 161365"/>
+                <a:gd name="connsiteX2" fmla="*/ 92028 w 92028"/>
+                <a:gd name="connsiteY2" fmla="*/ 161365 h 161365"/>
+              </a:gdLst>
+              <a:ahLst/>
+              <a:cxnLst>
+                <a:cxn ang="0">
+                  <a:pos x="connsiteX0" y="connsiteY0"/>
+                </a:cxn>
+                <a:cxn ang="0">
+                  <a:pos x="connsiteX1" y="connsiteY1"/>
+                </a:cxn>
+                <a:cxn ang="0">
+                  <a:pos x="connsiteX2" y="connsiteY2"/>
+                </a:cxn>
+              </a:cxnLst>
+              <a:rect l="l" t="t" r="r" b="b"/>
+              <a:pathLst>
+                <a:path w="92028" h="161365">
+                  <a:moveTo>
+                    <a:pt x="83064" y="0"/>
+                  </a:moveTo>
+                  <a:lnTo>
+                    <a:pt x="0" y="87266"/>
+                  </a:lnTo>
+                  <a:lnTo>
+                    <a:pt x="92028" y="161365"/>
+                  </a:lnTo>
+                </a:path>
+              </a:pathLst>
+            </a:custGeom>
+            <a:noFill/>
+            <a:ln w="31750" cap="rnd">
+              <a:solidFill>
+                <a:srgbClr val="303F9F"/>
+              </a:solidFill>
+            </a:ln>
+          </p:spPr>
+          <p:style>
+            <a:lnRef idx="2">
+              <a:schemeClr val="accent1">
+                <a:shade val="50000"/>
+              </a:schemeClr>
+            </a:lnRef>
+            <a:fillRef idx="1">
+              <a:schemeClr val="accent1"/>
+            </a:fillRef>
+            <a:effectRef idx="0">
+              <a:schemeClr val="accent1"/>
+            </a:effectRef>
+            <a:fontRef idx="minor">
+              <a:schemeClr val="lt1"/>
+            </a:fontRef>
+          </p:style>
+          <p:txBody>
+            <a:bodyPr rtlCol="0" anchor="ctr"/>
+            <a:lstStyle/>
+            <a:p>
+              <a:pPr algn="ctr"/>
+              <a:endParaRPr lang="ko-KR" altLang="en-US">
+                <a:solidFill>
+                  <a:prstClr val="white"/>
+                </a:solidFill>
+              </a:endParaRPr>
+            </a:p>
+          </p:txBody>
+        </p:sp>
+        <p:sp>
+          <p:nvSpPr>
+            <p:cNvPr id="8" name="타원 7"/>
+            <p:cNvSpPr/>
+            <p:nvPr/>
+          </p:nvSpPr>
+          <p:spPr>
+            <a:xfrm>
+              <a:off x="11112062" y="742754"/>
+              <a:ext cx="72000" cy="72000"/>
+            </a:xfrm>
+            <a:prstGeom prst="ellipse">
+              <a:avLst/>
+            </a:prstGeom>
+            <a:solidFill>
+              <a:srgbClr val="303F9F"/>
+            </a:solidFill>
+            <a:ln>
+              <a:noFill/>
+            </a:ln>
+          </p:spPr>
+          <p:style>
+            <a:lnRef idx="2">
+              <a:schemeClr val="accent1">
+                <a:shade val="50000"/>
+              </a:schemeClr>
+            </a:lnRef>
+            <a:fillRef idx="1">
+              <a:schemeClr val="accent1"/>
+            </a:fillRef>
+            <a:effectRef idx="0">
+              <a:schemeClr val="accent1"/>
+            </a:effectRef>
+            <a:fontRef idx="minor">
+              <a:schemeClr val="lt1"/>
+            </a:fontRef>
+          </p:style>
+          <p:txBody>
+            <a:bodyPr rtlCol="0" anchor="ctr"/>
+            <a:lstStyle/>
+            <a:p>
+              <a:pPr algn="ctr"/>
+              <a:endParaRPr lang="ko-KR" altLang="en-US">
+                <a:solidFill>
+                  <a:prstClr val="white"/>
+                </a:solidFill>
+              </a:endParaRPr>
+            </a:p>
+          </p:txBody>
+        </p:sp>
+        <p:sp>
+          <p:nvSpPr>
+            <p:cNvPr id="9" name="타원 8"/>
+            <p:cNvSpPr/>
+            <p:nvPr/>
+          </p:nvSpPr>
+          <p:spPr>
+            <a:xfrm>
+              <a:off x="11252555" y="742754"/>
+              <a:ext cx="72000" cy="72000"/>
+            </a:xfrm>
+            <a:prstGeom prst="ellipse">
+              <a:avLst/>
+            </a:prstGeom>
+            <a:solidFill>
+              <a:srgbClr val="303F9F"/>
+            </a:solidFill>
+            <a:ln>
+              <a:noFill/>
+            </a:ln>
+          </p:spPr>
+          <p:style>
+            <a:lnRef idx="2">
+              <a:schemeClr val="accent1">
+                <a:shade val="50000"/>
+              </a:schemeClr>
+            </a:lnRef>
+            <a:fillRef idx="1">
+              <a:schemeClr val="accent1"/>
+            </a:fillRef>
+            <a:effectRef idx="0">
+              <a:schemeClr val="accent1"/>
+            </a:effectRef>
+            <a:fontRef idx="minor">
+              <a:schemeClr val="lt1"/>
+            </a:fontRef>
+          </p:style>
+          <p:txBody>
+            <a:bodyPr rtlCol="0" anchor="ctr"/>
+            <a:lstStyle/>
+            <a:p>
+              <a:pPr algn="ctr"/>
+              <a:endParaRPr lang="ko-KR" altLang="en-US">
+                <a:solidFill>
+                  <a:prstClr val="white"/>
+                </a:solidFill>
+              </a:endParaRPr>
+            </a:p>
+          </p:txBody>
+        </p:sp>
+        <p:sp>
+          <p:nvSpPr>
+            <p:cNvPr id="10" name="타원 9"/>
+            <p:cNvSpPr/>
+            <p:nvPr/>
+          </p:nvSpPr>
+          <p:spPr>
+            <a:xfrm>
+              <a:off x="11112062" y="873684"/>
+              <a:ext cx="72000" cy="72000"/>
+            </a:xfrm>
+            <a:prstGeom prst="ellipse">
+              <a:avLst/>
+            </a:prstGeom>
+            <a:solidFill>
+              <a:srgbClr val="303F9F"/>
+            </a:solidFill>
+            <a:ln>
+              <a:noFill/>
+            </a:ln>
+          </p:spPr>
+          <p:style>
+            <a:lnRef idx="2">
+              <a:schemeClr val="accent1">
+                <a:shade val="50000"/>
+              </a:schemeClr>
+            </a:lnRef>
+            <a:fillRef idx="1">
+              <a:schemeClr val="accent1"/>
+            </a:fillRef>
+            <a:effectRef idx="0">
+              <a:schemeClr val="accent1"/>
+            </a:effectRef>
+            <a:fontRef idx="minor">
+              <a:schemeClr val="lt1"/>
+            </a:fontRef>
+          </p:style>
+          <p:txBody>
+            <a:bodyPr rtlCol="0" anchor="ctr"/>
+            <a:lstStyle/>
+            <a:p>
+              <a:pPr algn="ctr"/>
+              <a:endParaRPr lang="ko-KR" altLang="en-US">
+                <a:solidFill>
+                  <a:prstClr val="white"/>
+                </a:solidFill>
+              </a:endParaRPr>
+            </a:p>
+          </p:txBody>
+        </p:sp>
+        <p:sp>
+          <p:nvSpPr>
+            <p:cNvPr id="11" name="타원 10"/>
+            <p:cNvSpPr/>
+            <p:nvPr/>
+          </p:nvSpPr>
+          <p:spPr>
+            <a:xfrm>
+              <a:off x="11252555" y="873684"/>
+              <a:ext cx="72000" cy="72000"/>
+            </a:xfrm>
+            <a:prstGeom prst="ellipse">
+              <a:avLst/>
+            </a:prstGeom>
+            <a:solidFill>
+              <a:srgbClr val="303F9F"/>
+            </a:solidFill>
+            <a:ln>
+              <a:noFill/>
+            </a:ln>
+          </p:spPr>
+          <p:style>
+            <a:lnRef idx="2">
+              <a:schemeClr val="accent1">
+                <a:shade val="50000"/>
+              </a:schemeClr>
+            </a:lnRef>
+            <a:fillRef idx="1">
+              <a:schemeClr val="accent1"/>
+            </a:fillRef>
+            <a:effectRef idx="0">
+              <a:schemeClr val="accent1"/>
+            </a:effectRef>
+            <a:fontRef idx="minor">
+              <a:schemeClr val="lt1"/>
+            </a:fontRef>
+          </p:style>
+          <p:txBody>
+            <a:bodyPr rtlCol="0" anchor="ctr"/>
+            <a:lstStyle/>
+            <a:p>
+              <a:pPr algn="ctr"/>
+              <a:endParaRPr lang="ko-KR" altLang="en-US">
+                <a:solidFill>
+                  <a:prstClr val="white"/>
+                </a:solidFill>
+              </a:endParaRPr>
+            </a:p>
+          </p:txBody>
+        </p:sp>
+      </p:grpSp>
+      <p:cxnSp>
+        <p:nvCxnSpPr>
+          <p:cNvPr id="45" name="직선 연결선 44"/>
+          <p:cNvCxnSpPr/>
+          <p:nvPr/>
+        </p:nvCxnSpPr>
+        <p:spPr>
+          <a:xfrm>
+            <a:off x="8882743" y="1320801"/>
+            <a:ext cx="0" cy="5537199"/>
+          </a:xfrm>
+          <a:prstGeom prst="line">
+            <a:avLst/>
+          </a:prstGeom>
+          <a:ln w="12700">
+            <a:solidFill>
+              <a:schemeClr val="tx1"/>
+            </a:solidFill>
+          </a:ln>
+        </p:spPr>
+        <p:style>
+          <a:lnRef idx="1">
+            <a:schemeClr val="accent1"/>
+          </a:lnRef>
+          <a:fillRef idx="0">
+            <a:schemeClr val="accent1"/>
+          </a:fillRef>
+          <a:effectRef idx="0">
+            <a:schemeClr val="accent1"/>
+          </a:effectRef>
+          <a:fontRef idx="minor">
+            <a:schemeClr val="tx1"/>
+          </a:fontRef>
+        </p:style>
+      </p:cxnSp>
+      <p:sp>
+        <p:nvSpPr>
+          <p:cNvPr id="79" name="TextBox 78"/>
+          <p:cNvSpPr txBox="1"/>
+          <p:nvPr/>
+        </p:nvSpPr>
+        <p:spPr>
+          <a:xfrm>
+            <a:off x="9026557" y="1689986"/>
+            <a:ext cx="2787791" cy="2554545"/>
+          </a:xfrm>
+          <a:prstGeom prst="rect">
+            <a:avLst/>
+          </a:prstGeom>
+          <a:noFill/>
+        </p:spPr>
+        <p:txBody>
+          <a:bodyPr wrap="square" rtlCol="0">
+            <a:spAutoFit/>
+          </a:bodyPr>
+          <a:lstStyle/>
+          <a:p>
+            <a:r>
+              <a:rPr lang="ko-KR" altLang="en-US" sz="1600" dirty="0">
+                <a:latin typeface="나눔스퀘어 Bold" panose="020B0600000101010101" pitchFamily="50" charset="-127"/>
+                <a:ea typeface="나눔스퀘어 Bold" panose="020B0600000101010101" pitchFamily="50" charset="-127"/>
+              </a:rPr>
+              <a:t>출입문 제작</a:t>
+            </a:r>
+            <a:endParaRPr lang="en-US" altLang="ko-KR" sz="1600" dirty="0">
+              <a:latin typeface="나눔스퀘어 Bold" panose="020B0600000101010101" pitchFamily="50" charset="-127"/>
+              <a:ea typeface="나눔스퀘어 Bold" panose="020B0600000101010101" pitchFamily="50" charset="-127"/>
+            </a:endParaRPr>
+          </a:p>
+          <a:p>
+            <a:endParaRPr lang="en-US" altLang="ko-KR" sz="1600" dirty="0">
+              <a:latin typeface="나눔스퀘어 Bold" panose="020B0600000101010101" pitchFamily="50" charset="-127"/>
+              <a:ea typeface="나눔스퀘어 Bold" panose="020B0600000101010101" pitchFamily="50" charset="-127"/>
+            </a:endParaRPr>
+          </a:p>
+          <a:p>
+            <a:r>
+              <a:rPr lang="en-US" altLang="ko-KR" sz="1600" dirty="0">
+                <a:latin typeface="나눔스퀘어 Bold" panose="020B0600000101010101" pitchFamily="50" charset="-127"/>
+                <a:ea typeface="나눔스퀘어 Bold" panose="020B0600000101010101" pitchFamily="50" charset="-127"/>
+              </a:rPr>
+              <a:t>1. </a:t>
+            </a:r>
+            <a:r>
+              <a:rPr lang="ko-KR" altLang="en-US" sz="1600" dirty="0" err="1">
+                <a:latin typeface="나눔스퀘어 Bold" panose="020B0600000101010101" pitchFamily="50" charset="-127"/>
+                <a:ea typeface="나눔스퀘어 Bold" panose="020B0600000101010101" pitchFamily="50" charset="-127"/>
+              </a:rPr>
+              <a:t>라즈베리파이와</a:t>
+            </a:r>
+            <a:r>
+              <a:rPr lang="ko-KR" altLang="en-US" sz="1600" dirty="0">
+                <a:latin typeface="나눔스퀘어 Bold" panose="020B0600000101010101" pitchFamily="50" charset="-127"/>
+                <a:ea typeface="나눔스퀘어 Bold" panose="020B0600000101010101" pitchFamily="50" charset="-127"/>
+              </a:rPr>
+              <a:t> 카메라 모듈 연결</a:t>
+            </a:r>
+            <a:endParaRPr lang="en-US" altLang="ko-KR" sz="1600" dirty="0">
+              <a:latin typeface="나눔스퀘어 Bold" panose="020B0600000101010101" pitchFamily="50" charset="-127"/>
+              <a:ea typeface="나눔스퀘어 Bold" panose="020B0600000101010101" pitchFamily="50" charset="-127"/>
+            </a:endParaRPr>
+          </a:p>
+          <a:p>
+            <a:endParaRPr lang="en-US" altLang="ko-KR" sz="1600" dirty="0">
+              <a:latin typeface="나눔스퀘어 Bold" panose="020B0600000101010101" pitchFamily="50" charset="-127"/>
+              <a:ea typeface="나눔스퀘어 Bold" panose="020B0600000101010101" pitchFamily="50" charset="-127"/>
+            </a:endParaRPr>
+          </a:p>
+          <a:p>
+            <a:r>
+              <a:rPr lang="en-US" altLang="ko-KR" sz="1600" dirty="0">
+                <a:latin typeface="나눔스퀘어 Bold" panose="020B0600000101010101" pitchFamily="50" charset="-127"/>
+                <a:ea typeface="나눔스퀘어 Bold" panose="020B0600000101010101" pitchFamily="50" charset="-127"/>
+              </a:rPr>
+              <a:t>2.</a:t>
+            </a:r>
+            <a:r>
+              <a:rPr lang="ko-KR" altLang="en-US" sz="1600" dirty="0">
+                <a:latin typeface="나눔스퀘어 Bold" panose="020B0600000101010101" pitchFamily="50" charset="-127"/>
+                <a:ea typeface="나눔스퀘어 Bold" panose="020B0600000101010101" pitchFamily="50" charset="-127"/>
+              </a:rPr>
+              <a:t> </a:t>
+            </a:r>
+            <a:r>
+              <a:rPr lang="ko-KR" altLang="en-US" sz="1600" dirty="0" err="1">
+                <a:latin typeface="나눔스퀘어 Bold" panose="020B0600000101010101" pitchFamily="50" charset="-127"/>
+                <a:ea typeface="나눔스퀘어 Bold" panose="020B0600000101010101" pitchFamily="50" charset="-127"/>
+              </a:rPr>
+              <a:t>라즈베리파이와</a:t>
+            </a:r>
+            <a:r>
+              <a:rPr lang="ko-KR" altLang="en-US" sz="1600" dirty="0">
+                <a:latin typeface="나눔스퀘어 Bold" panose="020B0600000101010101" pitchFamily="50" charset="-127"/>
+                <a:ea typeface="나눔스퀘어 Bold" panose="020B0600000101010101" pitchFamily="50" charset="-127"/>
+              </a:rPr>
+              <a:t> 모터 드라이버 연결</a:t>
+            </a:r>
+            <a:endParaRPr lang="en-US" altLang="ko-KR" sz="1600" dirty="0">
+              <a:latin typeface="나눔스퀘어 Bold" panose="020B0600000101010101" pitchFamily="50" charset="-127"/>
+              <a:ea typeface="나눔스퀘어 Bold" panose="020B0600000101010101" pitchFamily="50" charset="-127"/>
+            </a:endParaRPr>
+          </a:p>
+          <a:p>
+            <a:endParaRPr lang="en-US" altLang="ko-KR" sz="1600" dirty="0">
+              <a:latin typeface="나눔스퀘어 Bold" panose="020B0600000101010101" pitchFamily="50" charset="-127"/>
+              <a:ea typeface="나눔스퀘어 Bold" panose="020B0600000101010101" pitchFamily="50" charset="-127"/>
+            </a:endParaRPr>
+          </a:p>
+          <a:p>
+            <a:r>
+              <a:rPr lang="en-US" altLang="ko-KR" sz="1600" dirty="0">
+                <a:latin typeface="나눔스퀘어 Bold" panose="020B0600000101010101" pitchFamily="50" charset="-127"/>
+                <a:ea typeface="나눔스퀘어 Bold" panose="020B0600000101010101" pitchFamily="50" charset="-127"/>
+              </a:rPr>
+              <a:t>3. </a:t>
+            </a:r>
+            <a:r>
+              <a:rPr lang="ko-KR" altLang="en-US" sz="1600" dirty="0">
+                <a:latin typeface="나눔스퀘어 Bold" panose="020B0600000101010101" pitchFamily="50" charset="-127"/>
+                <a:ea typeface="나눔스퀘어 Bold" panose="020B0600000101010101" pitchFamily="50" charset="-127"/>
+              </a:rPr>
+              <a:t>모터 드라이버를 통해 스텝모터 연결</a:t>
+            </a:r>
+            <a:endParaRPr lang="en-US" altLang="ko-KR" sz="1600" dirty="0">
+              <a:latin typeface="나눔스퀘어 Bold" panose="020B0600000101010101" pitchFamily="50" charset="-127"/>
+              <a:ea typeface="나눔스퀘어 Bold" panose="020B0600000101010101" pitchFamily="50" charset="-127"/>
+            </a:endParaRPr>
+          </a:p>
+        </p:txBody>
+      </p:sp>
+      <p:pic>
+        <p:nvPicPr>
+          <p:cNvPr id="3" name="그림 2">
+            <a:extLst>
+              <a:ext uri="{FF2B5EF4-FFF2-40B4-BE49-F238E27FC236}">
+                <a16:creationId xmlns:a16="http://schemas.microsoft.com/office/drawing/2014/main" id="{71D03BA4-16C2-440E-9903-41F223BBB5CB}"/>
+              </a:ext>
+            </a:extLst>
+          </p:cNvPr>
+          <p:cNvPicPr>
+            <a:picLocks noChangeAspect="1"/>
+          </p:cNvPicPr>
+          <p:nvPr/>
+        </p:nvPicPr>
+        <p:blipFill>
+          <a:blip r:embed="rId2"/>
+          <a:stretch>
+            <a:fillRect/>
+          </a:stretch>
+        </p:blipFill>
+        <p:spPr>
+          <a:xfrm rot="5400000">
+            <a:off x="3759012" y="2118288"/>
+            <a:ext cx="3857661" cy="4216244"/>
+          </a:xfrm>
+          <a:prstGeom prst="rect">
+            <a:avLst/>
+          </a:prstGeom>
+        </p:spPr>
+      </p:pic>
+      <p:pic>
+        <p:nvPicPr>
+          <p:cNvPr id="1026" name="Picture 2" descr="라즈베리파이 카메라 촬영 영상 메일 전송 &amp;amp; SMS 전송하기-part2 : 네이버 블로그">
+            <a:extLst>
+              <a:ext uri="{FF2B5EF4-FFF2-40B4-BE49-F238E27FC236}">
+                <a16:creationId xmlns:a16="http://schemas.microsoft.com/office/drawing/2014/main" id="{964C5B60-ECC8-4FB2-B822-38A48491D7F9}"/>
+              </a:ext>
+            </a:extLst>
+          </p:cNvPr>
+          <p:cNvPicPr>
+            <a:picLocks noChangeAspect="1" noChangeArrowheads="1"/>
+          </p:cNvPicPr>
+          <p:nvPr/>
+        </p:nvPicPr>
+        <p:blipFill rotWithShape="1">
+          <a:blip r:embed="rId3">
+            <a:extLst>
+              <a:ext uri="{28A0092B-C50C-407E-A947-70E740481C1C}">
+                <a14:useLocalDpi xmlns:a14="http://schemas.microsoft.com/office/drawing/2010/main" val="0"/>
+              </a:ext>
+            </a:extLst>
+          </a:blip>
+          <a:srcRect r="66409"/>
+          <a:stretch/>
+        </p:blipFill>
+        <p:spPr bwMode="auto">
+          <a:xfrm>
+            <a:off x="1818005" y="2536843"/>
+            <a:ext cx="1903730" cy="3724275"/>
+          </a:xfrm>
+          <a:prstGeom prst="rect">
+            <a:avLst/>
+          </a:prstGeom>
+          <a:noFill/>
+          <a:extLst>
+            <a:ext uri="{909E8E84-426E-40DD-AFC4-6F175D3DCCD1}">
+              <a14:hiddenFill xmlns:a14="http://schemas.microsoft.com/office/drawing/2010/main">
+                <a:solidFill>
+                  <a:srgbClr val="FFFFFF"/>
+                </a:solidFill>
+              </a14:hiddenFill>
+            </a:ext>
+          </a:extLst>
+        </p:spPr>
+      </p:pic>
+    </p:spTree>
+    <p:extLst>
+      <p:ext uri="{BB962C8B-B14F-4D97-AF65-F5344CB8AC3E}">
+        <p14:creationId xmlns:p14="http://schemas.microsoft.com/office/powerpoint/2010/main" val="1358772529"/>
+      </p:ext>
+    </p:extLst>
+  </p:cSld>
+  <p:clrMapOvr>
+    <a:masterClrMapping/>
+  </p:clrMapOvr>
+</p:sld>
+</file>
+
+<file path=ppt/slides/slide6.xml><?xml version="1.0" encoding="utf-8"?>
+<p:sld xmlns:a="http://schemas.openxmlformats.org/drawingml/2006/main" xmlns:r="http://schemas.openxmlformats.org/officeDocument/2006/relationships" xmlns:p="http://schemas.openxmlformats.org/presentationml/2006/main">
+  <p:cSld>
+    <p:bg>
+      <p:bgPr>
+        <a:solidFill>
+          <a:srgbClr val="303F9F"/>
+        </a:solidFill>
+        <a:effectLst/>
+      </p:bgPr>
+    </p:bg>
+    <p:spTree>
+      <p:nvGrpSpPr>
+        <p:cNvPr id="1" name=""/>
+        <p:cNvGrpSpPr/>
+        <p:nvPr/>
+      </p:nvGrpSpPr>
+      <p:grpSpPr>
+        <a:xfrm>
+          <a:off x="0" y="0"/>
+          <a:ext cx="0" cy="0"/>
+          <a:chOff x="0" y="0"/>
+          <a:chExt cx="0" cy="0"/>
+        </a:xfrm>
+      </p:grpSpPr>
+      <p:grpSp>
+        <p:nvGrpSpPr>
+          <p:cNvPr id="12" name="그룹 11"/>
+          <p:cNvGrpSpPr/>
+          <p:nvPr/>
+        </p:nvGrpSpPr>
+        <p:grpSpPr>
+          <a:xfrm>
+            <a:off x="464457" y="391886"/>
+            <a:ext cx="11350172" cy="6466115"/>
+            <a:chOff x="464457" y="391886"/>
+            <a:chExt cx="11350172" cy="6466115"/>
+          </a:xfrm>
+        </p:grpSpPr>
+        <p:sp>
+          <p:nvSpPr>
+            <p:cNvPr id="5" name="양쪽 모서리가 둥근 사각형 4"/>
+            <p:cNvSpPr/>
+            <p:nvPr/>
+          </p:nvSpPr>
+          <p:spPr>
+            <a:xfrm>
+              <a:off x="464457" y="391886"/>
+              <a:ext cx="11350172" cy="6466114"/>
+            </a:xfrm>
+            <a:prstGeom prst="round2SameRect">
+              <a:avLst>
+                <a:gd name="adj1" fmla="val 5121"/>
+                <a:gd name="adj2" fmla="val 0"/>
+              </a:avLst>
+            </a:prstGeom>
+            <a:solidFill>
+              <a:schemeClr val="accent1">
+                <a:lumMod val="60000"/>
+                <a:lumOff val="40000"/>
+              </a:schemeClr>
+            </a:solidFill>
+            <a:ln w="22225">
+              <a:solidFill>
+                <a:schemeClr val="bg1"/>
+              </a:solidFill>
+            </a:ln>
+          </p:spPr>
+          <p:style>
+            <a:lnRef idx="2">
+              <a:schemeClr val="accent1">
+                <a:shade val="50000"/>
+              </a:schemeClr>
+            </a:lnRef>
+            <a:fillRef idx="1">
+              <a:schemeClr val="accent1"/>
+            </a:fillRef>
+            <a:effectRef idx="0">
+              <a:schemeClr val="accent1"/>
+            </a:effectRef>
+            <a:fontRef idx="minor">
+              <a:schemeClr val="lt1"/>
+            </a:fontRef>
+          </p:style>
+          <p:txBody>
+            <a:bodyPr rtlCol="0" anchor="t"/>
+            <a:lstStyle/>
+            <a:p>
+              <a:pPr lvl="2" latinLnBrk="0">
+                <a:lnSpc>
+                  <a:spcPct val="150000"/>
+                </a:lnSpc>
+                <a:defRPr/>
+              </a:pPr>
+              <a:r>
+                <a:rPr lang="en-US" altLang="ko-KR" sz="2400" b="1" i="1" kern="0" dirty="0">
+                  <a:solidFill>
+                    <a:srgbClr val="303F9F"/>
+                  </a:solidFill>
+                  <a:latin typeface="나눔스퀘어 Bold" panose="020B0600000101010101" pitchFamily="50" charset="-127"/>
+                  <a:ea typeface="나눔스퀘어 Bold" panose="020B0600000101010101" pitchFamily="50" charset="-127"/>
+                </a:rPr>
+                <a:t>Development </a:t>
+              </a:r>
+              <a:r>
+                <a:rPr lang="en-US" altLang="ko-KR" sz="2400" b="1" i="1" kern="0" dirty="0">
+                  <a:solidFill>
+                    <a:prstClr val="white"/>
+                  </a:solidFill>
+                  <a:latin typeface="나눔스퀘어 Bold" panose="020B0600000101010101" pitchFamily="50" charset="-127"/>
+                  <a:ea typeface="나눔스퀘어 Bold" panose="020B0600000101010101" pitchFamily="50" charset="-127"/>
+                </a:rPr>
+                <a:t>Method </a:t>
+              </a:r>
+            </a:p>
+            <a:p>
+              <a:pPr lvl="2" latinLnBrk="0">
+                <a:lnSpc>
+                  <a:spcPct val="150000"/>
+                </a:lnSpc>
+                <a:defRPr/>
+              </a:pPr>
+              <a:endParaRPr lang="en-US" altLang="ko-KR" sz="2400" b="1" i="1" kern="0" dirty="0">
+                <a:solidFill>
+                  <a:srgbClr val="303F9F"/>
+                </a:solidFill>
+                <a:latin typeface="나눔스퀘어 Bold" panose="020B0600000101010101" pitchFamily="50" charset="-127"/>
+                <a:ea typeface="나눔스퀘어 Bold" panose="020B0600000101010101" pitchFamily="50" charset="-127"/>
+              </a:endParaRPr>
+            </a:p>
+          </p:txBody>
+        </p:sp>
+        <p:sp>
+          <p:nvSpPr>
+            <p:cNvPr id="6" name="양쪽 모서리가 둥근 사각형 5"/>
+            <p:cNvSpPr/>
+            <p:nvPr/>
+          </p:nvSpPr>
+          <p:spPr>
+            <a:xfrm>
+              <a:off x="464457" y="1320801"/>
+              <a:ext cx="11350172" cy="5537200"/>
+            </a:xfrm>
+            <a:prstGeom prst="round2SameRect">
+              <a:avLst>
+                <a:gd name="adj1" fmla="val 6572"/>
+                <a:gd name="adj2" fmla="val 0"/>
+              </a:avLst>
+            </a:prstGeom>
+            <a:solidFill>
+              <a:schemeClr val="bg1"/>
+            </a:solidFill>
+            <a:ln w="22225">
+              <a:solidFill>
+                <a:schemeClr val="bg1"/>
+              </a:solidFill>
+            </a:ln>
+          </p:spPr>
+          <p:style>
+            <a:lnRef idx="2">
+              <a:schemeClr val="accent1">
+                <a:shade val="50000"/>
+              </a:schemeClr>
+            </a:lnRef>
+            <a:fillRef idx="1">
+              <a:schemeClr val="accent1"/>
+            </a:fillRef>
+            <a:effectRef idx="0">
+              <a:schemeClr val="accent1"/>
+            </a:effectRef>
+            <a:fontRef idx="minor">
+              <a:schemeClr val="lt1"/>
+            </a:fontRef>
+          </p:style>
+          <p:txBody>
+            <a:bodyPr rtlCol="0" anchor="ctr"/>
+            <a:lstStyle/>
+            <a:p>
+              <a:pPr algn="ctr"/>
+              <a:endParaRPr lang="ko-KR" altLang="en-US">
+                <a:solidFill>
+                  <a:prstClr val="white"/>
+                </a:solidFill>
+              </a:endParaRPr>
+            </a:p>
+          </p:txBody>
+        </p:sp>
+        <p:sp>
+          <p:nvSpPr>
+            <p:cNvPr id="7" name="자유형 6"/>
+            <p:cNvSpPr/>
+            <p:nvPr/>
+          </p:nvSpPr>
+          <p:spPr>
+            <a:xfrm>
+              <a:off x="909660" y="749801"/>
+              <a:ext cx="112689" cy="197593"/>
+            </a:xfrm>
+            <a:custGeom>
+              <a:avLst/>
+              <a:gdLst>
+                <a:gd name="connsiteX0" fmla="*/ 80683 w 89647"/>
+                <a:gd name="connsiteY0" fmla="*/ 0 h 161365"/>
+                <a:gd name="connsiteX1" fmla="*/ 0 w 89647"/>
+                <a:gd name="connsiteY1" fmla="*/ 89647 h 161365"/>
+                <a:gd name="connsiteX2" fmla="*/ 89647 w 89647"/>
+                <a:gd name="connsiteY2" fmla="*/ 161365 h 161365"/>
+                <a:gd name="connsiteX0" fmla="*/ 80683 w 89647"/>
+                <a:gd name="connsiteY0" fmla="*/ 0 h 161365"/>
+                <a:gd name="connsiteX1" fmla="*/ 0 w 89647"/>
+                <a:gd name="connsiteY1" fmla="*/ 80122 h 161365"/>
+                <a:gd name="connsiteX2" fmla="*/ 89647 w 89647"/>
+                <a:gd name="connsiteY2" fmla="*/ 161365 h 161365"/>
+                <a:gd name="connsiteX0" fmla="*/ 80683 w 89647"/>
+                <a:gd name="connsiteY0" fmla="*/ 0 h 161365"/>
+                <a:gd name="connsiteX1" fmla="*/ 0 w 89647"/>
+                <a:gd name="connsiteY1" fmla="*/ 89647 h 161365"/>
+                <a:gd name="connsiteX2" fmla="*/ 89647 w 89647"/>
+                <a:gd name="connsiteY2" fmla="*/ 161365 h 161365"/>
+                <a:gd name="connsiteX0" fmla="*/ 83064 w 92028"/>
+                <a:gd name="connsiteY0" fmla="*/ 0 h 161365"/>
+                <a:gd name="connsiteX1" fmla="*/ 0 w 92028"/>
+                <a:gd name="connsiteY1" fmla="*/ 87266 h 161365"/>
+                <a:gd name="connsiteX2" fmla="*/ 92028 w 92028"/>
+                <a:gd name="connsiteY2" fmla="*/ 161365 h 161365"/>
+              </a:gdLst>
+              <a:ahLst/>
+              <a:cxnLst>
+                <a:cxn ang="0">
+                  <a:pos x="connsiteX0" y="connsiteY0"/>
+                </a:cxn>
+                <a:cxn ang="0">
+                  <a:pos x="connsiteX1" y="connsiteY1"/>
+                </a:cxn>
+                <a:cxn ang="0">
+                  <a:pos x="connsiteX2" y="connsiteY2"/>
+                </a:cxn>
+              </a:cxnLst>
+              <a:rect l="l" t="t" r="r" b="b"/>
+              <a:pathLst>
+                <a:path w="92028" h="161365">
+                  <a:moveTo>
+                    <a:pt x="83064" y="0"/>
+                  </a:moveTo>
+                  <a:lnTo>
+                    <a:pt x="0" y="87266"/>
+                  </a:lnTo>
+                  <a:lnTo>
+                    <a:pt x="92028" y="161365"/>
+                  </a:lnTo>
+                </a:path>
+              </a:pathLst>
+            </a:custGeom>
+            <a:noFill/>
+            <a:ln w="31750" cap="rnd">
+              <a:solidFill>
+                <a:srgbClr val="303F9F"/>
+              </a:solidFill>
+            </a:ln>
+          </p:spPr>
+          <p:style>
+            <a:lnRef idx="2">
+              <a:schemeClr val="accent1">
+                <a:shade val="50000"/>
+              </a:schemeClr>
+            </a:lnRef>
+            <a:fillRef idx="1">
+              <a:schemeClr val="accent1"/>
+            </a:fillRef>
+            <a:effectRef idx="0">
+              <a:schemeClr val="accent1"/>
+            </a:effectRef>
+            <a:fontRef idx="minor">
+              <a:schemeClr val="lt1"/>
+            </a:fontRef>
+          </p:style>
+          <p:txBody>
+            <a:bodyPr rtlCol="0" anchor="ctr"/>
+            <a:lstStyle/>
+            <a:p>
+              <a:pPr algn="ctr"/>
+              <a:endParaRPr lang="ko-KR" altLang="en-US">
+                <a:solidFill>
+                  <a:prstClr val="white"/>
+                </a:solidFill>
+              </a:endParaRPr>
+            </a:p>
+          </p:txBody>
+        </p:sp>
+        <p:sp>
+          <p:nvSpPr>
+            <p:cNvPr id="8" name="타원 7"/>
+            <p:cNvSpPr/>
+            <p:nvPr/>
+          </p:nvSpPr>
+          <p:spPr>
+            <a:xfrm>
+              <a:off x="11112062" y="742754"/>
+              <a:ext cx="72000" cy="72000"/>
+            </a:xfrm>
+            <a:prstGeom prst="ellipse">
+              <a:avLst/>
+            </a:prstGeom>
+            <a:solidFill>
+              <a:srgbClr val="303F9F"/>
+            </a:solidFill>
+            <a:ln>
+              <a:noFill/>
+            </a:ln>
+          </p:spPr>
+          <p:style>
+            <a:lnRef idx="2">
+              <a:schemeClr val="accent1">
+                <a:shade val="50000"/>
+              </a:schemeClr>
+            </a:lnRef>
+            <a:fillRef idx="1">
+              <a:schemeClr val="accent1"/>
+            </a:fillRef>
+            <a:effectRef idx="0">
+              <a:schemeClr val="accent1"/>
+            </a:effectRef>
+            <a:fontRef idx="minor">
+              <a:schemeClr val="lt1"/>
+            </a:fontRef>
+          </p:style>
+          <p:txBody>
+            <a:bodyPr rtlCol="0" anchor="ctr"/>
+            <a:lstStyle/>
+            <a:p>
+              <a:pPr algn="ctr"/>
+              <a:endParaRPr lang="ko-KR" altLang="en-US">
+                <a:solidFill>
+                  <a:prstClr val="white"/>
+                </a:solidFill>
+              </a:endParaRPr>
+            </a:p>
+          </p:txBody>
+        </p:sp>
+        <p:sp>
+          <p:nvSpPr>
+            <p:cNvPr id="9" name="타원 8"/>
+            <p:cNvSpPr/>
+            <p:nvPr/>
+          </p:nvSpPr>
+          <p:spPr>
+            <a:xfrm>
+              <a:off x="11252555" y="742754"/>
+              <a:ext cx="72000" cy="72000"/>
+            </a:xfrm>
+            <a:prstGeom prst="ellipse">
+              <a:avLst/>
+            </a:prstGeom>
+            <a:solidFill>
+              <a:srgbClr val="303F9F"/>
+            </a:solidFill>
+            <a:ln>
+              <a:noFill/>
+            </a:ln>
+          </p:spPr>
+          <p:style>
+            <a:lnRef idx="2">
+              <a:schemeClr val="accent1">
+                <a:shade val="50000"/>
+              </a:schemeClr>
+            </a:lnRef>
+            <a:fillRef idx="1">
+              <a:schemeClr val="accent1"/>
+            </a:fillRef>
+            <a:effectRef idx="0">
+              <a:schemeClr val="accent1"/>
+            </a:effectRef>
+            <a:fontRef idx="minor">
+              <a:schemeClr val="lt1"/>
+            </a:fontRef>
+          </p:style>
+          <p:txBody>
+            <a:bodyPr rtlCol="0" anchor="ctr"/>
+            <a:lstStyle/>
+            <a:p>
+              <a:pPr algn="ctr"/>
+              <a:endParaRPr lang="ko-KR" altLang="en-US">
+                <a:solidFill>
+                  <a:prstClr val="white"/>
+                </a:solidFill>
+              </a:endParaRPr>
+            </a:p>
+          </p:txBody>
+        </p:sp>
+        <p:sp>
+          <p:nvSpPr>
+            <p:cNvPr id="10" name="타원 9"/>
+            <p:cNvSpPr/>
+            <p:nvPr/>
+          </p:nvSpPr>
+          <p:spPr>
+            <a:xfrm>
+              <a:off x="11112062" y="873684"/>
+              <a:ext cx="72000" cy="72000"/>
+            </a:xfrm>
+            <a:prstGeom prst="ellipse">
+              <a:avLst/>
+            </a:prstGeom>
+            <a:solidFill>
+              <a:srgbClr val="303F9F"/>
+            </a:solidFill>
+            <a:ln>
+              <a:noFill/>
+            </a:ln>
+          </p:spPr>
+          <p:style>
+            <a:lnRef idx="2">
+              <a:schemeClr val="accent1">
+                <a:shade val="50000"/>
+              </a:schemeClr>
+            </a:lnRef>
+            <a:fillRef idx="1">
+              <a:schemeClr val="accent1"/>
+            </a:fillRef>
+            <a:effectRef idx="0">
+              <a:schemeClr val="accent1"/>
+            </a:effectRef>
+            <a:fontRef idx="minor">
+              <a:schemeClr val="lt1"/>
+            </a:fontRef>
+          </p:style>
+          <p:txBody>
+            <a:bodyPr rtlCol="0" anchor="ctr"/>
+            <a:lstStyle/>
+            <a:p>
+              <a:pPr algn="ctr"/>
+              <a:endParaRPr lang="ko-KR" altLang="en-US">
+                <a:solidFill>
+                  <a:prstClr val="white"/>
+                </a:solidFill>
+              </a:endParaRPr>
+            </a:p>
+          </p:txBody>
+        </p:sp>
+        <p:sp>
+          <p:nvSpPr>
+            <p:cNvPr id="11" name="타원 10"/>
+            <p:cNvSpPr/>
+            <p:nvPr/>
+          </p:nvSpPr>
+          <p:spPr>
+            <a:xfrm>
+              <a:off x="11252555" y="873684"/>
+              <a:ext cx="72000" cy="72000"/>
+            </a:xfrm>
+            <a:prstGeom prst="ellipse">
+              <a:avLst/>
+            </a:prstGeom>
+            <a:solidFill>
+              <a:srgbClr val="303F9F"/>
+            </a:solidFill>
+            <a:ln>
+              <a:noFill/>
+            </a:ln>
+          </p:spPr>
+          <p:style>
+            <a:lnRef idx="2">
+              <a:schemeClr val="accent1">
+                <a:shade val="50000"/>
+              </a:schemeClr>
+            </a:lnRef>
+            <a:fillRef idx="1">
+              <a:schemeClr val="accent1"/>
+            </a:fillRef>
+            <a:effectRef idx="0">
+              <a:schemeClr val="accent1"/>
+            </a:effectRef>
+            <a:fontRef idx="minor">
+              <a:schemeClr val="lt1"/>
+            </a:fontRef>
+          </p:style>
+          <p:txBody>
+            <a:bodyPr rtlCol="0" anchor="ctr"/>
+            <a:lstStyle/>
+            <a:p>
+              <a:pPr algn="ctr"/>
+              <a:endParaRPr lang="ko-KR" altLang="en-US">
+                <a:solidFill>
+                  <a:prstClr val="white"/>
+                </a:solidFill>
+              </a:endParaRPr>
+            </a:p>
+          </p:txBody>
+        </p:sp>
+      </p:grpSp>
+      <p:cxnSp>
+        <p:nvCxnSpPr>
+          <p:cNvPr id="45" name="직선 연결선 44"/>
+          <p:cNvCxnSpPr/>
+          <p:nvPr/>
+        </p:nvCxnSpPr>
+        <p:spPr>
+          <a:xfrm>
+            <a:off x="8882743" y="1320801"/>
+            <a:ext cx="0" cy="5537199"/>
+          </a:xfrm>
+          <a:prstGeom prst="line">
+            <a:avLst/>
+          </a:prstGeom>
+          <a:ln w="12700">
+            <a:solidFill>
+              <a:schemeClr val="tx1"/>
+            </a:solidFill>
+          </a:ln>
+        </p:spPr>
+        <p:style>
+          <a:lnRef idx="1">
+            <a:schemeClr val="accent1"/>
+          </a:lnRef>
+          <a:fillRef idx="0">
+            <a:schemeClr val="accent1"/>
+          </a:fillRef>
+          <a:effectRef idx="0">
+            <a:schemeClr val="accent1"/>
+          </a:effectRef>
+          <a:fontRef idx="minor">
+            <a:schemeClr val="tx1"/>
+          </a:fontRef>
+        </p:style>
+      </p:cxnSp>
+      <p:sp>
+        <p:nvSpPr>
+          <p:cNvPr id="79" name="TextBox 78"/>
+          <p:cNvSpPr txBox="1"/>
+          <p:nvPr/>
+        </p:nvSpPr>
+        <p:spPr>
+          <a:xfrm>
+            <a:off x="9026557" y="1689986"/>
+            <a:ext cx="2787791" cy="2800767"/>
+          </a:xfrm>
+          <a:prstGeom prst="rect">
+            <a:avLst/>
+          </a:prstGeom>
+          <a:noFill/>
+        </p:spPr>
+        <p:txBody>
+          <a:bodyPr wrap="square" rtlCol="0">
+            <a:spAutoFit/>
+          </a:bodyPr>
+          <a:lstStyle/>
+          <a:p>
+            <a:r>
+              <a:rPr lang="ko-KR" altLang="en-US" sz="1600" dirty="0">
+                <a:latin typeface="나눔스퀘어 Bold" panose="020B0600000101010101" pitchFamily="50" charset="-127"/>
+                <a:ea typeface="나눔스퀘어 Bold" panose="020B0600000101010101" pitchFamily="50" charset="-127"/>
+              </a:rPr>
+              <a:t>마스크 착용 데이터셋 제작</a:t>
+            </a:r>
+            <a:endParaRPr lang="en-US" altLang="ko-KR" sz="1600" dirty="0">
+              <a:latin typeface="나눔스퀘어 Bold" panose="020B0600000101010101" pitchFamily="50" charset="-127"/>
+              <a:ea typeface="나눔스퀘어 Bold" panose="020B0600000101010101" pitchFamily="50" charset="-127"/>
+            </a:endParaRPr>
+          </a:p>
+          <a:p>
+            <a:endParaRPr lang="en-US" altLang="ko-KR" sz="1600" dirty="0">
+              <a:latin typeface="나눔스퀘어 Bold" panose="020B0600000101010101" pitchFamily="50" charset="-127"/>
+              <a:ea typeface="나눔스퀘어 Bold" panose="020B0600000101010101" pitchFamily="50" charset="-127"/>
+            </a:endParaRPr>
+          </a:p>
+          <a:p>
+            <a:r>
+              <a:rPr lang="en-US" altLang="ko-KR" sz="1600" dirty="0">
+                <a:latin typeface="나눔스퀘어 Bold" panose="020B0600000101010101" pitchFamily="50" charset="-127"/>
+                <a:ea typeface="나눔스퀘어 Bold" panose="020B0600000101010101" pitchFamily="50" charset="-127"/>
+              </a:rPr>
+              <a:t>1. </a:t>
+            </a:r>
+            <a:r>
+              <a:rPr lang="ko-KR" altLang="en-US" sz="1600" dirty="0">
+                <a:latin typeface="나눔스퀘어 Bold" panose="020B0600000101010101" pitchFamily="50" charset="-127"/>
+                <a:ea typeface="나눔스퀘어 Bold" panose="020B0600000101010101" pitchFamily="50" charset="-127"/>
+              </a:rPr>
+              <a:t>마스크 미착용 데이터셋</a:t>
+            </a:r>
+            <a:r>
+              <a:rPr lang="en-US" altLang="ko-KR" sz="1600" dirty="0">
+                <a:latin typeface="나눔스퀘어 Bold" panose="020B0600000101010101" pitchFamily="50" charset="-127"/>
+                <a:ea typeface="나눔스퀘어 Bold" panose="020B0600000101010101" pitchFamily="50" charset="-127"/>
+              </a:rPr>
+              <a:t>(</a:t>
+            </a:r>
+            <a:r>
+              <a:rPr lang="ko-KR" altLang="en-US" sz="1600" dirty="0">
+                <a:latin typeface="나눔스퀘어 Bold" panose="020B0600000101010101" pitchFamily="50" charset="-127"/>
+                <a:ea typeface="나눔스퀘어 Bold" panose="020B0600000101010101" pitchFamily="50" charset="-127"/>
+              </a:rPr>
+              <a:t>기본 사람 얼굴</a:t>
+            </a:r>
+            <a:r>
+              <a:rPr lang="en-US" altLang="ko-KR" sz="1600" dirty="0">
+                <a:latin typeface="나눔스퀘어 Bold" panose="020B0600000101010101" pitchFamily="50" charset="-127"/>
+                <a:ea typeface="나눔스퀘어 Bold" panose="020B0600000101010101" pitchFamily="50" charset="-127"/>
+              </a:rPr>
+              <a:t>)</a:t>
+            </a:r>
+            <a:r>
+              <a:rPr lang="ko-KR" altLang="en-US" sz="1600" dirty="0">
+                <a:latin typeface="나눔스퀘어 Bold" panose="020B0600000101010101" pitchFamily="50" charset="-127"/>
+                <a:ea typeface="나눔스퀘어 Bold" panose="020B0600000101010101" pitchFamily="50" charset="-127"/>
+              </a:rPr>
+              <a:t> 사진에서 얼굴의 경계 상자 위치 계산</a:t>
+            </a:r>
+            <a:endParaRPr lang="en-US" altLang="ko-KR" sz="1600" dirty="0">
+              <a:latin typeface="나눔스퀘어 Bold" panose="020B0600000101010101" pitchFamily="50" charset="-127"/>
+              <a:ea typeface="나눔스퀘어 Bold" panose="020B0600000101010101" pitchFamily="50" charset="-127"/>
+            </a:endParaRPr>
+          </a:p>
+          <a:p>
+            <a:endParaRPr lang="en-US" altLang="ko-KR" sz="1600" dirty="0">
+              <a:latin typeface="나눔스퀘어 Bold" panose="020B0600000101010101" pitchFamily="50" charset="-127"/>
+              <a:ea typeface="나눔스퀘어 Bold" panose="020B0600000101010101" pitchFamily="50" charset="-127"/>
+            </a:endParaRPr>
+          </a:p>
+          <a:p>
+            <a:r>
+              <a:rPr lang="en-US" altLang="ko-KR" sz="1600" dirty="0">
+                <a:latin typeface="나눔스퀘어 Bold" panose="020B0600000101010101" pitchFamily="50" charset="-127"/>
+                <a:ea typeface="나눔스퀘어 Bold" panose="020B0600000101010101" pitchFamily="50" charset="-127"/>
+              </a:rPr>
+              <a:t>2.</a:t>
+            </a:r>
+            <a:r>
+              <a:rPr lang="ko-KR" altLang="en-US" sz="1600" dirty="0">
+                <a:latin typeface="나눔스퀘어 Bold" panose="020B0600000101010101" pitchFamily="50" charset="-127"/>
+                <a:ea typeface="나눔스퀘어 Bold" panose="020B0600000101010101" pitchFamily="50" charset="-127"/>
+              </a:rPr>
+              <a:t> 얼굴 </a:t>
+            </a:r>
+            <a:r>
+              <a:rPr lang="en-US" altLang="ko-KR" sz="1600" dirty="0">
+                <a:latin typeface="나눔스퀘어 Bold" panose="020B0600000101010101" pitchFamily="50" charset="-127"/>
+                <a:ea typeface="나눔스퀘어 Bold" panose="020B0600000101010101" pitchFamily="50" charset="-127"/>
+              </a:rPr>
+              <a:t>ROI(Region of Interest) </a:t>
+            </a:r>
+            <a:r>
+              <a:rPr lang="ko-KR" altLang="en-US" sz="1600" dirty="0">
+                <a:latin typeface="나눔스퀘어 Bold" panose="020B0600000101010101" pitchFamily="50" charset="-127"/>
+                <a:ea typeface="나눔스퀘어 Bold" panose="020B0600000101010101" pitchFamily="50" charset="-127"/>
+              </a:rPr>
+              <a:t>추출 </a:t>
+            </a:r>
+            <a:endParaRPr lang="en-US" altLang="ko-KR" sz="1600" dirty="0">
+              <a:latin typeface="나눔스퀘어 Bold" panose="020B0600000101010101" pitchFamily="50" charset="-127"/>
+              <a:ea typeface="나눔스퀘어 Bold" panose="020B0600000101010101" pitchFamily="50" charset="-127"/>
+            </a:endParaRPr>
+          </a:p>
+          <a:p>
+            <a:endParaRPr lang="en-US" altLang="ko-KR" sz="1600" dirty="0">
+              <a:latin typeface="나눔스퀘어 Bold" panose="020B0600000101010101" pitchFamily="50" charset="-127"/>
+              <a:ea typeface="나눔스퀘어 Bold" panose="020B0600000101010101" pitchFamily="50" charset="-127"/>
+            </a:endParaRPr>
+          </a:p>
+          <a:p>
+            <a:r>
+              <a:rPr lang="en-US" altLang="ko-KR" sz="1600" dirty="0">
+                <a:latin typeface="나눔스퀘어 Bold" panose="020B0600000101010101" pitchFamily="50" charset="-127"/>
+                <a:ea typeface="나눔스퀘어 Bold" panose="020B0600000101010101" pitchFamily="50" charset="-127"/>
+              </a:rPr>
+              <a:t>3.</a:t>
+            </a:r>
+            <a:r>
+              <a:rPr lang="ko-KR" altLang="en-US" sz="1600" dirty="0">
+                <a:latin typeface="나눔스퀘어 Bold" panose="020B0600000101010101" pitchFamily="50" charset="-127"/>
+                <a:ea typeface="나눔스퀘어 Bold" panose="020B0600000101010101" pitchFamily="50" charset="-127"/>
+              </a:rPr>
+              <a:t>얼굴 랜드마크를 적용하여 눈</a:t>
+            </a:r>
+            <a:r>
+              <a:rPr lang="en-US" altLang="ko-KR" sz="1600" dirty="0">
+                <a:latin typeface="나눔스퀘어 Bold" panose="020B0600000101010101" pitchFamily="50" charset="-127"/>
+                <a:ea typeface="나눔스퀘어 Bold" panose="020B0600000101010101" pitchFamily="50" charset="-127"/>
+              </a:rPr>
+              <a:t>,</a:t>
+            </a:r>
+            <a:r>
+              <a:rPr lang="ko-KR" altLang="en-US" sz="1600" dirty="0">
+                <a:latin typeface="나눔스퀘어 Bold" panose="020B0600000101010101" pitchFamily="50" charset="-127"/>
+                <a:ea typeface="나눔스퀘어 Bold" panose="020B0600000101010101" pitchFamily="50" charset="-127"/>
+              </a:rPr>
+              <a:t>코</a:t>
+            </a:r>
+            <a:r>
+              <a:rPr lang="en-US" altLang="ko-KR" sz="1600" dirty="0">
+                <a:latin typeface="나눔스퀘어 Bold" panose="020B0600000101010101" pitchFamily="50" charset="-127"/>
+                <a:ea typeface="나눔스퀘어 Bold" panose="020B0600000101010101" pitchFamily="50" charset="-127"/>
+              </a:rPr>
+              <a:t>, </a:t>
+            </a:r>
+            <a:r>
+              <a:rPr lang="ko-KR" altLang="en-US" sz="1600" dirty="0">
+                <a:latin typeface="나눔스퀘어 Bold" panose="020B0600000101010101" pitchFamily="50" charset="-127"/>
+                <a:ea typeface="나눔스퀘어 Bold" panose="020B0600000101010101" pitchFamily="50" charset="-127"/>
+              </a:rPr>
+              <a:t>입 등을 국소화</a:t>
+            </a:r>
+            <a:endParaRPr lang="en-US" altLang="ko-KR" sz="1600" dirty="0">
+              <a:latin typeface="나눔스퀘어 Bold" panose="020B0600000101010101" pitchFamily="50" charset="-127"/>
+              <a:ea typeface="나눔스퀘어 Bold" panose="020B0600000101010101" pitchFamily="50" charset="-127"/>
+            </a:endParaRPr>
+          </a:p>
+        </p:txBody>
+      </p:sp>
+      <p:sp>
+        <p:nvSpPr>
+          <p:cNvPr id="21" name="직사각형 20">
+            <a:extLst>
+              <a:ext uri="{FF2B5EF4-FFF2-40B4-BE49-F238E27FC236}">
+                <a16:creationId xmlns:a16="http://schemas.microsoft.com/office/drawing/2014/main" id="{B6E4BD10-3009-45CA-9AAA-340AED35E688}"/>
+              </a:ext>
+            </a:extLst>
+          </p:cNvPr>
+          <p:cNvSpPr/>
+          <p:nvPr/>
+        </p:nvSpPr>
+        <p:spPr>
+          <a:xfrm>
+            <a:off x="781718" y="2709643"/>
+            <a:ext cx="2527540" cy="2393511"/>
+          </a:xfrm>
+          <a:prstGeom prst="rect">
+            <a:avLst/>
+          </a:prstGeom>
+          <a:solidFill>
+            <a:srgbClr val="303F9F">
+              <a:alpha val="0"/>
+            </a:srgbClr>
+          </a:solidFill>
+          <a:ln w="28575">
+            <a:solidFill>
+              <a:srgbClr val="303F9F"/>
+            </a:solidFill>
+          </a:ln>
+        </p:spPr>
+        <p:style>
+          <a:lnRef idx="2">
+            <a:schemeClr val="accent1">
+              <a:shade val="50000"/>
+            </a:schemeClr>
+          </a:lnRef>
+          <a:fillRef idx="1">
+            <a:schemeClr val="accent1"/>
+          </a:fillRef>
+          <a:effectRef idx="0">
+            <a:schemeClr val="accent1"/>
+          </a:effectRef>
+          <a:fontRef idx="minor">
+            <a:schemeClr val="lt1"/>
+          </a:fontRef>
+        </p:style>
+        <p:txBody>
+          <a:bodyPr rtlCol="0" anchor="ctr"/>
+          <a:lstStyle/>
+          <a:p>
+            <a:pPr algn="ctr"/>
+            <a:endParaRPr lang="ko-KR" altLang="en-US"/>
+          </a:p>
+        </p:txBody>
+      </p:sp>
+      <p:pic>
+        <p:nvPicPr>
+          <p:cNvPr id="13" name="그래픽 12" descr="남자 윤곽선">
+            <a:extLst>
+              <a:ext uri="{FF2B5EF4-FFF2-40B4-BE49-F238E27FC236}">
+                <a16:creationId xmlns:a16="http://schemas.microsoft.com/office/drawing/2014/main" id="{80DD65CF-F03D-4150-9B76-C9237CF667E6}"/>
+              </a:ext>
+            </a:extLst>
+          </p:cNvPr>
+          <p:cNvPicPr>
+            <a:picLocks noChangeAspect="1"/>
+          </p:cNvPicPr>
+          <p:nvPr/>
+        </p:nvPicPr>
+        <p:blipFill>
+          <a:blip r:embed="rId2">
+            <a:extLst>
+              <a:ext uri="{28A0092B-C50C-407E-A947-70E740481C1C}">
+                <a14:useLocalDpi xmlns:a14="http://schemas.microsoft.com/office/drawing/2010/main" val="0"/>
+              </a:ext>
+              <a:ext uri="{96DAC541-7B7A-43D3-8B79-37D633B846F1}">
+                <asvg:svgBlip xmlns:asvg="http://schemas.microsoft.com/office/drawing/2016/SVG/main" r:embed="rId3"/>
+              </a:ext>
+            </a:extLst>
+          </a:blip>
+          <a:stretch>
+            <a:fillRect/>
+          </a:stretch>
+        </p:blipFill>
+        <p:spPr>
+          <a:xfrm>
+            <a:off x="1100756" y="3053578"/>
+            <a:ext cx="1889463" cy="1889463"/>
+          </a:xfrm>
+          <a:prstGeom prst="rect">
+            <a:avLst/>
+          </a:prstGeom>
+        </p:spPr>
+      </p:pic>
+      <p:sp>
+        <p:nvSpPr>
+          <p:cNvPr id="14" name="직사각형 13">
+            <a:extLst>
+              <a:ext uri="{FF2B5EF4-FFF2-40B4-BE49-F238E27FC236}">
+                <a16:creationId xmlns:a16="http://schemas.microsoft.com/office/drawing/2014/main" id="{931B6679-B9A4-4B79-8136-96C71522172B}"/>
+              </a:ext>
+            </a:extLst>
+          </p:cNvPr>
+          <p:cNvSpPr/>
+          <p:nvPr/>
+        </p:nvSpPr>
+        <p:spPr>
+          <a:xfrm>
+            <a:off x="1870745" y="3112316"/>
+            <a:ext cx="343949" cy="316684"/>
+          </a:xfrm>
+          <a:prstGeom prst="rect">
+            <a:avLst/>
+          </a:prstGeom>
+          <a:noFill/>
+          <a:ln>
+            <a:solidFill>
+              <a:srgbClr val="FF0000"/>
+            </a:solidFill>
+          </a:ln>
+        </p:spPr>
+        <p:style>
+          <a:lnRef idx="2">
+            <a:schemeClr val="accent1">
+              <a:shade val="50000"/>
+            </a:schemeClr>
+          </a:lnRef>
+          <a:fillRef idx="1">
+            <a:schemeClr val="accent1"/>
+          </a:fillRef>
+          <a:effectRef idx="0">
+            <a:schemeClr val="accent1"/>
+          </a:effectRef>
+          <a:fontRef idx="minor">
+            <a:schemeClr val="lt1"/>
+          </a:fontRef>
+        </p:style>
+        <p:txBody>
+          <a:bodyPr rtlCol="0" anchor="ctr"/>
+          <a:lstStyle/>
+          <a:p>
+            <a:pPr algn="ctr"/>
+            <a:endParaRPr lang="ko-KR" altLang="en-US"/>
+          </a:p>
+        </p:txBody>
+      </p:sp>
+      <p:cxnSp>
+        <p:nvCxnSpPr>
+          <p:cNvPr id="16" name="직선 화살표 연결선 15">
+            <a:extLst>
+              <a:ext uri="{FF2B5EF4-FFF2-40B4-BE49-F238E27FC236}">
+                <a16:creationId xmlns:a16="http://schemas.microsoft.com/office/drawing/2014/main" id="{80F43C70-4460-42F5-AEE3-12BD6F70E0A2}"/>
+              </a:ext>
+            </a:extLst>
+          </p:cNvPr>
+          <p:cNvCxnSpPr/>
+          <p:nvPr/>
+        </p:nvCxnSpPr>
+        <p:spPr>
+          <a:xfrm>
+            <a:off x="2223227" y="3270658"/>
+            <a:ext cx="1677798" cy="276837"/>
+          </a:xfrm>
+          <a:prstGeom prst="straightConnector1">
+            <a:avLst/>
+          </a:prstGeom>
+          <a:ln>
+            <a:tailEnd type="triangle"/>
+          </a:ln>
+        </p:spPr>
+        <p:style>
+          <a:lnRef idx="1">
+            <a:schemeClr val="accent1"/>
+          </a:lnRef>
+          <a:fillRef idx="0">
+            <a:schemeClr val="accent1"/>
+          </a:fillRef>
+          <a:effectRef idx="0">
+            <a:schemeClr val="accent1"/>
+          </a:effectRef>
+          <a:fontRef idx="minor">
+            <a:schemeClr val="tx1"/>
+          </a:fontRef>
+        </p:style>
+      </p:cxnSp>
+      <p:pic>
+        <p:nvPicPr>
+          <p:cNvPr id="18" name="그래픽 17" descr="웃는 얼굴(윤곽선) 윤곽선">
+            <a:extLst>
+              <a:ext uri="{FF2B5EF4-FFF2-40B4-BE49-F238E27FC236}">
+                <a16:creationId xmlns:a16="http://schemas.microsoft.com/office/drawing/2014/main" id="{0A301C08-0D34-46C9-BB60-DAE88C306740}"/>
+              </a:ext>
+            </a:extLst>
+          </p:cNvPr>
+          <p:cNvPicPr>
+            <a:picLocks noChangeAspect="1"/>
+          </p:cNvPicPr>
+          <p:nvPr/>
+        </p:nvPicPr>
+        <p:blipFill>
+          <a:blip r:embed="rId4" cstate="print">
+            <a:extLst>
+              <a:ext uri="{28A0092B-C50C-407E-A947-70E740481C1C}">
+                <a14:useLocalDpi xmlns:a14="http://schemas.microsoft.com/office/drawing/2010/main" val="0"/>
+              </a:ext>
+              <a:ext uri="{96DAC541-7B7A-43D3-8B79-37D633B846F1}">
+                <asvg:svgBlip xmlns:asvg="http://schemas.microsoft.com/office/drawing/2016/SVG/main" r:embed="rId5"/>
+              </a:ext>
+            </a:extLst>
+          </a:blip>
+          <a:stretch>
+            <a:fillRect/>
+          </a:stretch>
+        </p:blipFill>
+        <p:spPr>
+          <a:xfrm>
+            <a:off x="3860800" y="3167743"/>
+            <a:ext cx="914400" cy="914400"/>
+          </a:xfrm>
+          <a:prstGeom prst="rect">
+            <a:avLst/>
+          </a:prstGeom>
+        </p:spPr>
+      </p:pic>
+      <p:cxnSp>
+        <p:nvCxnSpPr>
+          <p:cNvPr id="37" name="직선 화살표 연결선 36">
+            <a:extLst>
+              <a:ext uri="{FF2B5EF4-FFF2-40B4-BE49-F238E27FC236}">
+                <a16:creationId xmlns:a16="http://schemas.microsoft.com/office/drawing/2014/main" id="{95F4079A-FB17-4830-A672-0791CDA9F195}"/>
+              </a:ext>
+            </a:extLst>
+          </p:cNvPr>
+          <p:cNvCxnSpPr>
+            <a:cxnSpLocks/>
+          </p:cNvCxnSpPr>
+          <p:nvPr/>
+        </p:nvCxnSpPr>
+        <p:spPr>
+          <a:xfrm>
+            <a:off x="4775200" y="3624943"/>
+            <a:ext cx="1364343" cy="0"/>
+          </a:xfrm>
+          <a:prstGeom prst="straightConnector1">
+            <a:avLst/>
+          </a:prstGeom>
+          <a:ln>
+            <a:tailEnd type="triangle"/>
+          </a:ln>
+        </p:spPr>
+        <p:style>
+          <a:lnRef idx="1">
+            <a:schemeClr val="accent1"/>
+          </a:lnRef>
+          <a:fillRef idx="0">
+            <a:schemeClr val="accent1"/>
+          </a:fillRef>
+          <a:effectRef idx="0">
+            <a:schemeClr val="accent1"/>
+          </a:effectRef>
+          <a:fontRef idx="minor">
+            <a:schemeClr val="tx1"/>
+          </a:fontRef>
+        </p:style>
+      </p:cxnSp>
+      <p:pic>
+        <p:nvPicPr>
+          <p:cNvPr id="40" name="그래픽 39" descr="웃는 얼굴(윤곽선) 윤곽선">
+            <a:extLst>
+              <a:ext uri="{FF2B5EF4-FFF2-40B4-BE49-F238E27FC236}">
+                <a16:creationId xmlns:a16="http://schemas.microsoft.com/office/drawing/2014/main" id="{2A45AE63-4202-4946-BE62-C74466F64D11}"/>
+              </a:ext>
+            </a:extLst>
+          </p:cNvPr>
+          <p:cNvPicPr>
+            <a:picLocks noChangeAspect="1"/>
+          </p:cNvPicPr>
+          <p:nvPr/>
+        </p:nvPicPr>
+        <p:blipFill>
+          <a:blip r:embed="rId6">
+            <a:extLst>
+              <a:ext uri="{28A0092B-C50C-407E-A947-70E740481C1C}">
+                <a14:useLocalDpi xmlns:a14="http://schemas.microsoft.com/office/drawing/2010/main" val="0"/>
+              </a:ext>
+              <a:ext uri="{96DAC541-7B7A-43D3-8B79-37D633B846F1}">
+                <asvg:svgBlip xmlns:asvg="http://schemas.microsoft.com/office/drawing/2016/SVG/main" r:embed="rId5"/>
+              </a:ext>
+            </a:extLst>
+          </a:blip>
+          <a:stretch>
+            <a:fillRect/>
+          </a:stretch>
+        </p:blipFill>
+        <p:spPr>
+          <a:xfrm>
+            <a:off x="6215869" y="2709643"/>
+            <a:ext cx="1966941" cy="1966941"/>
+          </a:xfrm>
+          <a:prstGeom prst="rect">
+            <a:avLst/>
+          </a:prstGeom>
+        </p:spPr>
+      </p:pic>
+      <p:sp>
+        <p:nvSpPr>
+          <p:cNvPr id="32" name="타원 31">
+            <a:extLst>
+              <a:ext uri="{FF2B5EF4-FFF2-40B4-BE49-F238E27FC236}">
+                <a16:creationId xmlns:a16="http://schemas.microsoft.com/office/drawing/2014/main" id="{8F1DD527-D8E7-4CD1-A1A4-22D9AA76E684}"/>
+              </a:ext>
+            </a:extLst>
+          </p:cNvPr>
+          <p:cNvSpPr/>
+          <p:nvPr/>
+        </p:nvSpPr>
+        <p:spPr>
+          <a:xfrm>
+            <a:off x="6986403" y="3363357"/>
+            <a:ext cx="45719" cy="45719"/>
+          </a:xfrm>
+          <a:prstGeom prst="ellipse">
+            <a:avLst/>
+          </a:prstGeom>
+          <a:solidFill>
+            <a:srgbClr val="FF0000"/>
+          </a:solidFill>
+          <a:ln>
+            <a:solidFill>
+              <a:srgbClr val="FF0000"/>
+            </a:solidFill>
+          </a:ln>
+        </p:spPr>
+        <p:style>
+          <a:lnRef idx="2">
+            <a:schemeClr val="accent1">
+              <a:shade val="50000"/>
+            </a:schemeClr>
+          </a:lnRef>
+          <a:fillRef idx="1">
+            <a:schemeClr val="accent1"/>
+          </a:fillRef>
+          <a:effectRef idx="0">
+            <a:schemeClr val="accent1"/>
+          </a:effectRef>
+          <a:fontRef idx="minor">
+            <a:schemeClr val="lt1"/>
+          </a:fontRef>
+        </p:style>
+        <p:txBody>
+          <a:bodyPr rtlCol="0" anchor="ctr"/>
+          <a:lstStyle/>
+          <a:p>
+            <a:pPr algn="ctr"/>
+            <a:endParaRPr lang="ko-KR" altLang="en-US"/>
+          </a:p>
+        </p:txBody>
+      </p:sp>
+      <p:sp>
+        <p:nvSpPr>
+          <p:cNvPr id="42" name="타원 41">
+            <a:extLst>
+              <a:ext uri="{FF2B5EF4-FFF2-40B4-BE49-F238E27FC236}">
+                <a16:creationId xmlns:a16="http://schemas.microsoft.com/office/drawing/2014/main" id="{A4D15766-91BA-4B98-BE71-31EE45DED331}"/>
+              </a:ext>
+            </a:extLst>
+          </p:cNvPr>
+          <p:cNvSpPr/>
+          <p:nvPr/>
+        </p:nvSpPr>
+        <p:spPr>
+          <a:xfrm>
+            <a:off x="6868777" y="3363356"/>
+            <a:ext cx="45719" cy="45719"/>
+          </a:xfrm>
+          <a:prstGeom prst="ellipse">
+            <a:avLst/>
+          </a:prstGeom>
+          <a:solidFill>
+            <a:srgbClr val="FF0000"/>
+          </a:solidFill>
+          <a:ln>
+            <a:solidFill>
+              <a:srgbClr val="FF0000"/>
+            </a:solidFill>
+          </a:ln>
+        </p:spPr>
+        <p:style>
+          <a:lnRef idx="2">
+            <a:schemeClr val="accent1">
+              <a:shade val="50000"/>
+            </a:schemeClr>
+          </a:lnRef>
+          <a:fillRef idx="1">
+            <a:schemeClr val="accent1"/>
+          </a:fillRef>
+          <a:effectRef idx="0">
+            <a:schemeClr val="accent1"/>
+          </a:effectRef>
+          <a:fontRef idx="minor">
+            <a:schemeClr val="lt1"/>
+          </a:fontRef>
+        </p:style>
+        <p:txBody>
+          <a:bodyPr rtlCol="0" anchor="ctr"/>
+          <a:lstStyle/>
+          <a:p>
+            <a:pPr algn="ctr"/>
+            <a:endParaRPr lang="ko-KR" altLang="en-US"/>
+          </a:p>
+        </p:txBody>
+      </p:sp>
+      <p:sp>
+        <p:nvSpPr>
+          <p:cNvPr id="43" name="타원 42">
+            <a:extLst>
+              <a:ext uri="{FF2B5EF4-FFF2-40B4-BE49-F238E27FC236}">
+                <a16:creationId xmlns:a16="http://schemas.microsoft.com/office/drawing/2014/main" id="{48A95551-D3D4-48E8-86C9-01AB1D1EA6D0}"/>
+              </a:ext>
+            </a:extLst>
+          </p:cNvPr>
+          <p:cNvSpPr/>
+          <p:nvPr/>
+        </p:nvSpPr>
+        <p:spPr>
+          <a:xfrm>
+            <a:off x="6765463" y="3363967"/>
+            <a:ext cx="45719" cy="45719"/>
+          </a:xfrm>
+          <a:prstGeom prst="ellipse">
+            <a:avLst/>
+          </a:prstGeom>
+          <a:solidFill>
+            <a:srgbClr val="FF0000"/>
+          </a:solidFill>
+          <a:ln>
+            <a:solidFill>
+              <a:srgbClr val="FF0000"/>
+            </a:solidFill>
+          </a:ln>
+        </p:spPr>
+        <p:style>
+          <a:lnRef idx="2">
+            <a:schemeClr val="accent1">
+              <a:shade val="50000"/>
+            </a:schemeClr>
+          </a:lnRef>
+          <a:fillRef idx="1">
+            <a:schemeClr val="accent1"/>
+          </a:fillRef>
+          <a:effectRef idx="0">
+            <a:schemeClr val="accent1"/>
+          </a:effectRef>
+          <a:fontRef idx="minor">
+            <a:schemeClr val="lt1"/>
+          </a:fontRef>
+        </p:style>
+        <p:txBody>
+          <a:bodyPr rtlCol="0" anchor="ctr"/>
+          <a:lstStyle/>
+          <a:p>
+            <a:pPr algn="ctr"/>
+            <a:endParaRPr lang="ko-KR" altLang="en-US"/>
+          </a:p>
+        </p:txBody>
+      </p:sp>
+      <p:sp>
+        <p:nvSpPr>
+          <p:cNvPr id="44" name="타원 43">
+            <a:extLst>
+              <a:ext uri="{FF2B5EF4-FFF2-40B4-BE49-F238E27FC236}">
+                <a16:creationId xmlns:a16="http://schemas.microsoft.com/office/drawing/2014/main" id="{8182213A-1881-436E-8EAB-805306D11969}"/>
+              </a:ext>
+            </a:extLst>
+          </p:cNvPr>
+          <p:cNvSpPr/>
+          <p:nvPr/>
+        </p:nvSpPr>
+        <p:spPr>
+          <a:xfrm>
+            <a:off x="6644888" y="3409075"/>
+            <a:ext cx="45719" cy="45719"/>
+          </a:xfrm>
+          <a:prstGeom prst="ellipse">
+            <a:avLst/>
+          </a:prstGeom>
+          <a:solidFill>
+            <a:srgbClr val="FF0000"/>
+          </a:solidFill>
+          <a:ln>
+            <a:solidFill>
+              <a:srgbClr val="FF0000"/>
+            </a:solidFill>
+          </a:ln>
+        </p:spPr>
+        <p:style>
+          <a:lnRef idx="2">
+            <a:schemeClr val="accent1">
+              <a:shade val="50000"/>
+            </a:schemeClr>
+          </a:lnRef>
+          <a:fillRef idx="1">
+            <a:schemeClr val="accent1"/>
+          </a:fillRef>
+          <a:effectRef idx="0">
+            <a:schemeClr val="accent1"/>
+          </a:effectRef>
+          <a:fontRef idx="minor">
+            <a:schemeClr val="lt1"/>
+          </a:fontRef>
+        </p:style>
+        <p:txBody>
+          <a:bodyPr rtlCol="0" anchor="ctr"/>
+          <a:lstStyle/>
+          <a:p>
+            <a:pPr algn="ctr"/>
+            <a:endParaRPr lang="ko-KR" altLang="en-US"/>
+          </a:p>
+        </p:txBody>
+      </p:sp>
+      <p:sp>
+        <p:nvSpPr>
+          <p:cNvPr id="46" name="타원 45">
+            <a:extLst>
+              <a:ext uri="{FF2B5EF4-FFF2-40B4-BE49-F238E27FC236}">
+                <a16:creationId xmlns:a16="http://schemas.microsoft.com/office/drawing/2014/main" id="{DF4E7400-0C5C-448C-A2A3-962A057FCB0F}"/>
+              </a:ext>
+            </a:extLst>
+          </p:cNvPr>
+          <p:cNvSpPr/>
+          <p:nvPr/>
+        </p:nvSpPr>
+        <p:spPr>
+          <a:xfrm>
+            <a:off x="6592408" y="3501776"/>
+            <a:ext cx="45719" cy="45719"/>
+          </a:xfrm>
+          <a:prstGeom prst="ellipse">
+            <a:avLst/>
+          </a:prstGeom>
+          <a:solidFill>
+            <a:srgbClr val="FF0000"/>
+          </a:solidFill>
+          <a:ln>
+            <a:solidFill>
+              <a:srgbClr val="FF0000"/>
+            </a:solidFill>
+          </a:ln>
+        </p:spPr>
+        <p:style>
+          <a:lnRef idx="2">
+            <a:schemeClr val="accent1">
+              <a:shade val="50000"/>
+            </a:schemeClr>
+          </a:lnRef>
+          <a:fillRef idx="1">
+            <a:schemeClr val="accent1"/>
+          </a:fillRef>
+          <a:effectRef idx="0">
+            <a:schemeClr val="accent1"/>
+          </a:effectRef>
+          <a:fontRef idx="minor">
+            <a:schemeClr val="lt1"/>
+          </a:fontRef>
+        </p:style>
+        <p:txBody>
+          <a:bodyPr rtlCol="0" anchor="ctr"/>
+          <a:lstStyle/>
+          <a:p>
+            <a:pPr algn="ctr"/>
+            <a:endParaRPr lang="ko-KR" altLang="en-US"/>
+          </a:p>
+        </p:txBody>
+      </p:sp>
+      <p:sp>
+        <p:nvSpPr>
+          <p:cNvPr id="47" name="타원 46">
+            <a:extLst>
+              <a:ext uri="{FF2B5EF4-FFF2-40B4-BE49-F238E27FC236}">
+                <a16:creationId xmlns:a16="http://schemas.microsoft.com/office/drawing/2014/main" id="{D3C61DBA-1AAC-4920-BE85-E6998F0AC8C1}"/>
+              </a:ext>
+            </a:extLst>
+          </p:cNvPr>
+          <p:cNvSpPr/>
+          <p:nvPr/>
+        </p:nvSpPr>
+        <p:spPr>
+          <a:xfrm>
+            <a:off x="6469309" y="3501775"/>
+            <a:ext cx="45719" cy="45719"/>
+          </a:xfrm>
+          <a:prstGeom prst="ellipse">
+            <a:avLst/>
+          </a:prstGeom>
+          <a:solidFill>
+            <a:srgbClr val="FF0000"/>
+          </a:solidFill>
+          <a:ln>
+            <a:solidFill>
+              <a:srgbClr val="FF0000"/>
+            </a:solidFill>
+          </a:ln>
+        </p:spPr>
+        <p:style>
+          <a:lnRef idx="2">
+            <a:schemeClr val="accent1">
+              <a:shade val="50000"/>
+            </a:schemeClr>
+          </a:lnRef>
+          <a:fillRef idx="1">
+            <a:schemeClr val="accent1"/>
+          </a:fillRef>
+          <a:effectRef idx="0">
+            <a:schemeClr val="accent1"/>
+          </a:effectRef>
+          <a:fontRef idx="minor">
+            <a:schemeClr val="lt1"/>
+          </a:fontRef>
+        </p:style>
+        <p:txBody>
+          <a:bodyPr rtlCol="0" anchor="ctr"/>
+          <a:lstStyle/>
+          <a:p>
+            <a:pPr algn="ctr"/>
+            <a:endParaRPr lang="ko-KR" altLang="en-US"/>
+          </a:p>
+        </p:txBody>
+      </p:sp>
+      <p:sp>
+        <p:nvSpPr>
+          <p:cNvPr id="48" name="타원 47">
+            <a:extLst>
+              <a:ext uri="{FF2B5EF4-FFF2-40B4-BE49-F238E27FC236}">
+                <a16:creationId xmlns:a16="http://schemas.microsoft.com/office/drawing/2014/main" id="{FB0DF1DE-9673-4C96-BD73-40C4E366C5B9}"/>
+              </a:ext>
+            </a:extLst>
+          </p:cNvPr>
+          <p:cNvSpPr/>
+          <p:nvPr/>
+        </p:nvSpPr>
+        <p:spPr>
+          <a:xfrm>
+            <a:off x="6446449" y="3624943"/>
+            <a:ext cx="45719" cy="45719"/>
+          </a:xfrm>
+          <a:prstGeom prst="ellipse">
+            <a:avLst/>
+          </a:prstGeom>
+          <a:solidFill>
+            <a:srgbClr val="FF0000"/>
+          </a:solidFill>
+          <a:ln>
+            <a:solidFill>
+              <a:srgbClr val="FF0000"/>
+            </a:solidFill>
+          </a:ln>
+        </p:spPr>
+        <p:style>
+          <a:lnRef idx="2">
+            <a:schemeClr val="accent1">
+              <a:shade val="50000"/>
+            </a:schemeClr>
+          </a:lnRef>
+          <a:fillRef idx="1">
+            <a:schemeClr val="accent1"/>
+          </a:fillRef>
+          <a:effectRef idx="0">
+            <a:schemeClr val="accent1"/>
+          </a:effectRef>
+          <a:fontRef idx="minor">
+            <a:schemeClr val="lt1"/>
+          </a:fontRef>
+        </p:style>
+        <p:txBody>
+          <a:bodyPr rtlCol="0" anchor="ctr"/>
+          <a:lstStyle/>
+          <a:p>
+            <a:pPr algn="ctr"/>
+            <a:endParaRPr lang="ko-KR" altLang="en-US"/>
+          </a:p>
+        </p:txBody>
+      </p:sp>
+      <p:sp>
+        <p:nvSpPr>
+          <p:cNvPr id="49" name="타원 48">
+            <a:extLst>
+              <a:ext uri="{FF2B5EF4-FFF2-40B4-BE49-F238E27FC236}">
+                <a16:creationId xmlns:a16="http://schemas.microsoft.com/office/drawing/2014/main" id="{5D49C9A3-5DF8-4BF2-ADB3-C9B240572E29}"/>
+              </a:ext>
+            </a:extLst>
+          </p:cNvPr>
+          <p:cNvSpPr/>
+          <p:nvPr/>
+        </p:nvSpPr>
+        <p:spPr>
+          <a:xfrm>
+            <a:off x="6474050" y="3758176"/>
+            <a:ext cx="45719" cy="45719"/>
+          </a:xfrm>
+          <a:prstGeom prst="ellipse">
+            <a:avLst/>
+          </a:prstGeom>
+          <a:solidFill>
+            <a:srgbClr val="FF0000"/>
+          </a:solidFill>
+          <a:ln>
+            <a:solidFill>
+              <a:srgbClr val="FF0000"/>
+            </a:solidFill>
+          </a:ln>
+        </p:spPr>
+        <p:style>
+          <a:lnRef idx="2">
+            <a:schemeClr val="accent1">
+              <a:shade val="50000"/>
+            </a:schemeClr>
+          </a:lnRef>
+          <a:fillRef idx="1">
+            <a:schemeClr val="accent1"/>
+          </a:fillRef>
+          <a:effectRef idx="0">
+            <a:schemeClr val="accent1"/>
+          </a:effectRef>
+          <a:fontRef idx="minor">
+            <a:schemeClr val="lt1"/>
+          </a:fontRef>
+        </p:style>
+        <p:txBody>
+          <a:bodyPr rtlCol="0" anchor="ctr"/>
+          <a:lstStyle/>
+          <a:p>
+            <a:pPr algn="ctr"/>
+            <a:endParaRPr lang="ko-KR" altLang="en-US"/>
+          </a:p>
+        </p:txBody>
+      </p:sp>
+      <p:sp>
+        <p:nvSpPr>
+          <p:cNvPr id="50" name="타원 49">
+            <a:extLst>
+              <a:ext uri="{FF2B5EF4-FFF2-40B4-BE49-F238E27FC236}">
+                <a16:creationId xmlns:a16="http://schemas.microsoft.com/office/drawing/2014/main" id="{87AA9536-5F90-4D35-B796-98BACF9111CB}"/>
+              </a:ext>
+            </a:extLst>
+          </p:cNvPr>
+          <p:cNvSpPr/>
+          <p:nvPr/>
+        </p:nvSpPr>
+        <p:spPr>
+          <a:xfrm>
+            <a:off x="6515028" y="3917307"/>
+            <a:ext cx="45719" cy="45719"/>
+          </a:xfrm>
+          <a:prstGeom prst="ellipse">
+            <a:avLst/>
+          </a:prstGeom>
+          <a:solidFill>
+            <a:srgbClr val="FF0000"/>
+          </a:solidFill>
+          <a:ln>
+            <a:solidFill>
+              <a:srgbClr val="FF0000"/>
+            </a:solidFill>
+          </a:ln>
+        </p:spPr>
+        <p:style>
+          <a:lnRef idx="2">
+            <a:schemeClr val="accent1">
+              <a:shade val="50000"/>
+            </a:schemeClr>
+          </a:lnRef>
+          <a:fillRef idx="1">
+            <a:schemeClr val="accent1"/>
+          </a:fillRef>
+          <a:effectRef idx="0">
+            <a:schemeClr val="accent1"/>
+          </a:effectRef>
+          <a:fontRef idx="minor">
+            <a:schemeClr val="lt1"/>
+          </a:fontRef>
+        </p:style>
+        <p:txBody>
+          <a:bodyPr rtlCol="0" anchor="ctr"/>
+          <a:lstStyle/>
+          <a:p>
+            <a:pPr algn="ctr"/>
+            <a:endParaRPr lang="ko-KR" altLang="en-US"/>
+          </a:p>
+        </p:txBody>
+      </p:sp>
+      <p:sp>
+        <p:nvSpPr>
+          <p:cNvPr id="51" name="타원 50">
+            <a:extLst>
+              <a:ext uri="{FF2B5EF4-FFF2-40B4-BE49-F238E27FC236}">
+                <a16:creationId xmlns:a16="http://schemas.microsoft.com/office/drawing/2014/main" id="{8A5343BB-BB22-43C4-868E-816BBFF98EF9}"/>
+              </a:ext>
+            </a:extLst>
+          </p:cNvPr>
+          <p:cNvSpPr/>
+          <p:nvPr/>
+        </p:nvSpPr>
+        <p:spPr>
+          <a:xfrm>
+            <a:off x="6586292" y="4053542"/>
+            <a:ext cx="45719" cy="45719"/>
+          </a:xfrm>
+          <a:prstGeom prst="ellipse">
+            <a:avLst/>
+          </a:prstGeom>
+          <a:solidFill>
+            <a:srgbClr val="FF0000"/>
+          </a:solidFill>
+          <a:ln>
+            <a:solidFill>
+              <a:srgbClr val="FF0000"/>
+            </a:solidFill>
+          </a:ln>
+        </p:spPr>
+        <p:style>
+          <a:lnRef idx="2">
+            <a:schemeClr val="accent1">
+              <a:shade val="50000"/>
+            </a:schemeClr>
+          </a:lnRef>
+          <a:fillRef idx="1">
+            <a:schemeClr val="accent1"/>
+          </a:fillRef>
+          <a:effectRef idx="0">
+            <a:schemeClr val="accent1"/>
+          </a:effectRef>
+          <a:fontRef idx="minor">
+            <a:schemeClr val="lt1"/>
+          </a:fontRef>
+        </p:style>
+        <p:txBody>
+          <a:bodyPr rtlCol="0" anchor="ctr"/>
+          <a:lstStyle/>
+          <a:p>
+            <a:pPr algn="ctr"/>
+            <a:endParaRPr lang="ko-KR" altLang="en-US"/>
+          </a:p>
+        </p:txBody>
+      </p:sp>
+      <p:sp>
+        <p:nvSpPr>
+          <p:cNvPr id="52" name="타원 51">
+            <a:extLst>
+              <a:ext uri="{FF2B5EF4-FFF2-40B4-BE49-F238E27FC236}">
+                <a16:creationId xmlns:a16="http://schemas.microsoft.com/office/drawing/2014/main" id="{AF00339D-3712-4674-8E92-679C112B915D}"/>
+              </a:ext>
+            </a:extLst>
+          </p:cNvPr>
+          <p:cNvSpPr/>
+          <p:nvPr/>
+        </p:nvSpPr>
+        <p:spPr>
+          <a:xfrm>
+            <a:off x="6690607" y="4177228"/>
+            <a:ext cx="45719" cy="45719"/>
+          </a:xfrm>
+          <a:prstGeom prst="ellipse">
+            <a:avLst/>
+          </a:prstGeom>
+          <a:solidFill>
+            <a:srgbClr val="FF0000"/>
+          </a:solidFill>
+          <a:ln>
+            <a:solidFill>
+              <a:srgbClr val="FF0000"/>
+            </a:solidFill>
+          </a:ln>
+        </p:spPr>
+        <p:style>
+          <a:lnRef idx="2">
+            <a:schemeClr val="accent1">
+              <a:shade val="50000"/>
+            </a:schemeClr>
+          </a:lnRef>
+          <a:fillRef idx="1">
+            <a:schemeClr val="accent1"/>
+          </a:fillRef>
+          <a:effectRef idx="0">
+            <a:schemeClr val="accent1"/>
+          </a:effectRef>
+          <a:fontRef idx="minor">
+            <a:schemeClr val="lt1"/>
+          </a:fontRef>
+        </p:style>
+        <p:txBody>
+          <a:bodyPr rtlCol="0" anchor="ctr"/>
+          <a:lstStyle/>
+          <a:p>
+            <a:pPr algn="ctr"/>
+            <a:endParaRPr lang="ko-KR" altLang="en-US"/>
+          </a:p>
+        </p:txBody>
+      </p:sp>
+      <p:sp>
+        <p:nvSpPr>
+          <p:cNvPr id="53" name="타원 52">
+            <a:extLst>
+              <a:ext uri="{FF2B5EF4-FFF2-40B4-BE49-F238E27FC236}">
+                <a16:creationId xmlns:a16="http://schemas.microsoft.com/office/drawing/2014/main" id="{8C1A30A0-0913-4013-874C-EDB737DE2D8C}"/>
+              </a:ext>
+            </a:extLst>
+          </p:cNvPr>
+          <p:cNvSpPr/>
+          <p:nvPr/>
+        </p:nvSpPr>
+        <p:spPr>
+          <a:xfrm>
+            <a:off x="6788322" y="4292882"/>
+            <a:ext cx="45719" cy="45719"/>
+          </a:xfrm>
+          <a:prstGeom prst="ellipse">
+            <a:avLst/>
+          </a:prstGeom>
+          <a:solidFill>
+            <a:srgbClr val="FF0000"/>
+          </a:solidFill>
+          <a:ln>
+            <a:solidFill>
+              <a:srgbClr val="FF0000"/>
+            </a:solidFill>
+          </a:ln>
+        </p:spPr>
+        <p:style>
+          <a:lnRef idx="2">
+            <a:schemeClr val="accent1">
+              <a:shade val="50000"/>
+            </a:schemeClr>
+          </a:lnRef>
+          <a:fillRef idx="1">
+            <a:schemeClr val="accent1"/>
+          </a:fillRef>
+          <a:effectRef idx="0">
+            <a:schemeClr val="accent1"/>
+          </a:effectRef>
+          <a:fontRef idx="minor">
+            <a:schemeClr val="lt1"/>
+          </a:fontRef>
+        </p:style>
+        <p:txBody>
+          <a:bodyPr rtlCol="0" anchor="ctr"/>
+          <a:lstStyle/>
+          <a:p>
+            <a:pPr algn="ctr"/>
+            <a:endParaRPr lang="ko-KR" altLang="en-US"/>
+          </a:p>
+        </p:txBody>
+      </p:sp>
+      <p:sp>
+        <p:nvSpPr>
+          <p:cNvPr id="54" name="타원 53">
+            <a:extLst>
+              <a:ext uri="{FF2B5EF4-FFF2-40B4-BE49-F238E27FC236}">
+                <a16:creationId xmlns:a16="http://schemas.microsoft.com/office/drawing/2014/main" id="{BB7F3ABA-15B0-43E0-AB6E-5EAC9B2F889A}"/>
+              </a:ext>
+            </a:extLst>
+          </p:cNvPr>
+          <p:cNvSpPr/>
+          <p:nvPr/>
+        </p:nvSpPr>
+        <p:spPr>
+          <a:xfrm>
+            <a:off x="6930669" y="4379351"/>
+            <a:ext cx="45719" cy="45719"/>
+          </a:xfrm>
+          <a:prstGeom prst="ellipse">
+            <a:avLst/>
+          </a:prstGeom>
+          <a:solidFill>
+            <a:srgbClr val="FF0000"/>
+          </a:solidFill>
+          <a:ln>
+            <a:solidFill>
+              <a:srgbClr val="FF0000"/>
+            </a:solidFill>
+          </a:ln>
+        </p:spPr>
+        <p:style>
+          <a:lnRef idx="2">
+            <a:schemeClr val="accent1">
+              <a:shade val="50000"/>
+            </a:schemeClr>
+          </a:lnRef>
+          <a:fillRef idx="1">
+            <a:schemeClr val="accent1"/>
+          </a:fillRef>
+          <a:effectRef idx="0">
+            <a:schemeClr val="accent1"/>
+          </a:effectRef>
+          <a:fontRef idx="minor">
+            <a:schemeClr val="lt1"/>
+          </a:fontRef>
+        </p:style>
+        <p:txBody>
+          <a:bodyPr rtlCol="0" anchor="ctr"/>
+          <a:lstStyle/>
+          <a:p>
+            <a:pPr algn="ctr"/>
+            <a:endParaRPr lang="ko-KR" altLang="en-US"/>
+          </a:p>
+        </p:txBody>
+      </p:sp>
+      <p:sp>
+        <p:nvSpPr>
+          <p:cNvPr id="55" name="타원 54">
+            <a:extLst>
+              <a:ext uri="{FF2B5EF4-FFF2-40B4-BE49-F238E27FC236}">
+                <a16:creationId xmlns:a16="http://schemas.microsoft.com/office/drawing/2014/main" id="{7A109863-A4EA-4438-8E0C-29502AA9CD9F}"/>
+              </a:ext>
+            </a:extLst>
+          </p:cNvPr>
+          <p:cNvSpPr/>
+          <p:nvPr/>
+        </p:nvSpPr>
+        <p:spPr>
+          <a:xfrm>
+            <a:off x="7176479" y="4425070"/>
+            <a:ext cx="45719" cy="45719"/>
+          </a:xfrm>
+          <a:prstGeom prst="ellipse">
+            <a:avLst/>
+          </a:prstGeom>
+          <a:solidFill>
+            <a:srgbClr val="FF0000"/>
+          </a:solidFill>
+          <a:ln>
+            <a:solidFill>
+              <a:srgbClr val="FF0000"/>
+            </a:solidFill>
+          </a:ln>
+        </p:spPr>
+        <p:style>
+          <a:lnRef idx="2">
+            <a:schemeClr val="accent1">
+              <a:shade val="50000"/>
+            </a:schemeClr>
+          </a:lnRef>
+          <a:fillRef idx="1">
+            <a:schemeClr val="accent1"/>
+          </a:fillRef>
+          <a:effectRef idx="0">
+            <a:schemeClr val="accent1"/>
+          </a:effectRef>
+          <a:fontRef idx="minor">
+            <a:schemeClr val="lt1"/>
+          </a:fontRef>
+        </p:style>
+        <p:txBody>
+          <a:bodyPr rtlCol="0" anchor="ctr"/>
+          <a:lstStyle/>
+          <a:p>
+            <a:pPr algn="ctr"/>
+            <a:endParaRPr lang="ko-KR" altLang="en-US"/>
+          </a:p>
+        </p:txBody>
+      </p:sp>
+      <p:sp>
+        <p:nvSpPr>
+          <p:cNvPr id="56" name="타원 55">
+            <a:extLst>
+              <a:ext uri="{FF2B5EF4-FFF2-40B4-BE49-F238E27FC236}">
+                <a16:creationId xmlns:a16="http://schemas.microsoft.com/office/drawing/2014/main" id="{EC43B810-C2B2-4CFF-B51B-0925977049B7}"/>
+              </a:ext>
+            </a:extLst>
+          </p:cNvPr>
+          <p:cNvSpPr/>
+          <p:nvPr/>
+        </p:nvSpPr>
+        <p:spPr>
+          <a:xfrm>
+            <a:off x="7399429" y="4379351"/>
+            <a:ext cx="45719" cy="45719"/>
+          </a:xfrm>
+          <a:prstGeom prst="ellipse">
+            <a:avLst/>
+          </a:prstGeom>
+          <a:solidFill>
+            <a:srgbClr val="FF0000"/>
+          </a:solidFill>
+          <a:ln>
+            <a:solidFill>
+              <a:srgbClr val="FF0000"/>
+            </a:solidFill>
+          </a:ln>
+        </p:spPr>
+        <p:style>
+          <a:lnRef idx="2">
+            <a:schemeClr val="accent1">
+              <a:shade val="50000"/>
+            </a:schemeClr>
+          </a:lnRef>
+          <a:fillRef idx="1">
+            <a:schemeClr val="accent1"/>
+          </a:fillRef>
+          <a:effectRef idx="0">
+            <a:schemeClr val="accent1"/>
+          </a:effectRef>
+          <a:fontRef idx="minor">
+            <a:schemeClr val="lt1"/>
+          </a:fontRef>
+        </p:style>
+        <p:txBody>
+          <a:bodyPr rtlCol="0" anchor="ctr"/>
+          <a:lstStyle/>
+          <a:p>
+            <a:pPr algn="ctr"/>
+            <a:endParaRPr lang="ko-KR" altLang="en-US"/>
+          </a:p>
+        </p:txBody>
+      </p:sp>
+      <p:sp>
+        <p:nvSpPr>
+          <p:cNvPr id="57" name="타원 56">
+            <a:extLst>
+              <a:ext uri="{FF2B5EF4-FFF2-40B4-BE49-F238E27FC236}">
+                <a16:creationId xmlns:a16="http://schemas.microsoft.com/office/drawing/2014/main" id="{6F0B8096-F3C3-4541-B110-0A1F68699608}"/>
+              </a:ext>
+            </a:extLst>
+          </p:cNvPr>
+          <p:cNvSpPr/>
+          <p:nvPr/>
+        </p:nvSpPr>
+        <p:spPr>
+          <a:xfrm>
+            <a:off x="7533974" y="4292881"/>
+            <a:ext cx="45719" cy="45719"/>
+          </a:xfrm>
+          <a:prstGeom prst="ellipse">
+            <a:avLst/>
+          </a:prstGeom>
+          <a:solidFill>
+            <a:srgbClr val="FF0000"/>
+          </a:solidFill>
+          <a:ln>
+            <a:solidFill>
+              <a:srgbClr val="FF0000"/>
+            </a:solidFill>
+          </a:ln>
+        </p:spPr>
+        <p:style>
+          <a:lnRef idx="2">
+            <a:schemeClr val="accent1">
+              <a:shade val="50000"/>
+            </a:schemeClr>
+          </a:lnRef>
+          <a:fillRef idx="1">
+            <a:schemeClr val="accent1"/>
+          </a:fillRef>
+          <a:effectRef idx="0">
+            <a:schemeClr val="accent1"/>
+          </a:effectRef>
+          <a:fontRef idx="minor">
+            <a:schemeClr val="lt1"/>
+          </a:fontRef>
+        </p:style>
+        <p:txBody>
+          <a:bodyPr rtlCol="0" anchor="ctr"/>
+          <a:lstStyle/>
+          <a:p>
+            <a:pPr algn="ctr"/>
+            <a:endParaRPr lang="ko-KR" altLang="en-US"/>
+          </a:p>
+        </p:txBody>
+      </p:sp>
+      <p:sp>
+        <p:nvSpPr>
+          <p:cNvPr id="58" name="타원 57">
+            <a:extLst>
+              <a:ext uri="{FF2B5EF4-FFF2-40B4-BE49-F238E27FC236}">
+                <a16:creationId xmlns:a16="http://schemas.microsoft.com/office/drawing/2014/main" id="{71ED6CE5-2638-455E-8FF5-DD6859A991D9}"/>
+              </a:ext>
+            </a:extLst>
+          </p:cNvPr>
+          <p:cNvSpPr/>
+          <p:nvPr/>
+        </p:nvSpPr>
+        <p:spPr>
+          <a:xfrm>
+            <a:off x="7661207" y="4177227"/>
+            <a:ext cx="45719" cy="45719"/>
+          </a:xfrm>
+          <a:prstGeom prst="ellipse">
+            <a:avLst/>
+          </a:prstGeom>
+          <a:solidFill>
+            <a:srgbClr val="FF0000"/>
+          </a:solidFill>
+          <a:ln>
+            <a:solidFill>
+              <a:srgbClr val="FF0000"/>
+            </a:solidFill>
+          </a:ln>
+        </p:spPr>
+        <p:style>
+          <a:lnRef idx="2">
+            <a:schemeClr val="accent1">
+              <a:shade val="50000"/>
+            </a:schemeClr>
+          </a:lnRef>
+          <a:fillRef idx="1">
+            <a:schemeClr val="accent1"/>
+          </a:fillRef>
+          <a:effectRef idx="0">
+            <a:schemeClr val="accent1"/>
+          </a:effectRef>
+          <a:fontRef idx="minor">
+            <a:schemeClr val="lt1"/>
+          </a:fontRef>
+        </p:style>
+        <p:txBody>
+          <a:bodyPr rtlCol="0" anchor="ctr"/>
+          <a:lstStyle/>
+          <a:p>
+            <a:pPr algn="ctr"/>
+            <a:endParaRPr lang="ko-KR" altLang="en-US"/>
+          </a:p>
+        </p:txBody>
+      </p:sp>
+      <p:sp>
+        <p:nvSpPr>
+          <p:cNvPr id="59" name="타원 58">
+            <a:extLst>
+              <a:ext uri="{FF2B5EF4-FFF2-40B4-BE49-F238E27FC236}">
+                <a16:creationId xmlns:a16="http://schemas.microsoft.com/office/drawing/2014/main" id="{F3AC6CC2-E6FA-4DAA-A251-C4693860D08F}"/>
+              </a:ext>
+            </a:extLst>
+          </p:cNvPr>
+          <p:cNvSpPr/>
+          <p:nvPr/>
+        </p:nvSpPr>
+        <p:spPr>
+          <a:xfrm>
+            <a:off x="7796829" y="4053541"/>
+            <a:ext cx="45719" cy="45719"/>
+          </a:xfrm>
+          <a:prstGeom prst="ellipse">
+            <a:avLst/>
+          </a:prstGeom>
+          <a:solidFill>
+            <a:srgbClr val="FF0000"/>
+          </a:solidFill>
+          <a:ln>
+            <a:solidFill>
+              <a:srgbClr val="FF0000"/>
+            </a:solidFill>
+          </a:ln>
+        </p:spPr>
+        <p:style>
+          <a:lnRef idx="2">
+            <a:schemeClr val="accent1">
+              <a:shade val="50000"/>
+            </a:schemeClr>
+          </a:lnRef>
+          <a:fillRef idx="1">
+            <a:schemeClr val="accent1"/>
+          </a:fillRef>
+          <a:effectRef idx="0">
+            <a:schemeClr val="accent1"/>
+          </a:effectRef>
+          <a:fontRef idx="minor">
+            <a:schemeClr val="lt1"/>
+          </a:fontRef>
+        </p:style>
+        <p:txBody>
+          <a:bodyPr rtlCol="0" anchor="ctr"/>
+          <a:lstStyle/>
+          <a:p>
+            <a:pPr algn="ctr"/>
+            <a:endParaRPr lang="ko-KR" altLang="en-US"/>
+          </a:p>
+        </p:txBody>
+      </p:sp>
+      <p:sp>
+        <p:nvSpPr>
+          <p:cNvPr id="60" name="타원 59">
+            <a:extLst>
+              <a:ext uri="{FF2B5EF4-FFF2-40B4-BE49-F238E27FC236}">
+                <a16:creationId xmlns:a16="http://schemas.microsoft.com/office/drawing/2014/main" id="{48D86D7B-9C29-4E86-B6A5-77ECCB5F824C}"/>
+              </a:ext>
+            </a:extLst>
+          </p:cNvPr>
+          <p:cNvSpPr/>
+          <p:nvPr/>
+        </p:nvSpPr>
+        <p:spPr>
+          <a:xfrm>
+            <a:off x="7842548" y="3917307"/>
+            <a:ext cx="45719" cy="45719"/>
+          </a:xfrm>
+          <a:prstGeom prst="ellipse">
+            <a:avLst/>
+          </a:prstGeom>
+          <a:solidFill>
+            <a:srgbClr val="FF0000"/>
+          </a:solidFill>
+          <a:ln>
+            <a:solidFill>
+              <a:srgbClr val="FF0000"/>
+            </a:solidFill>
+          </a:ln>
+        </p:spPr>
+        <p:style>
+          <a:lnRef idx="2">
+            <a:schemeClr val="accent1">
+              <a:shade val="50000"/>
+            </a:schemeClr>
+          </a:lnRef>
+          <a:fillRef idx="1">
+            <a:schemeClr val="accent1"/>
+          </a:fillRef>
+          <a:effectRef idx="0">
+            <a:schemeClr val="accent1"/>
+          </a:effectRef>
+          <a:fontRef idx="minor">
+            <a:schemeClr val="lt1"/>
+          </a:fontRef>
+        </p:style>
+        <p:txBody>
+          <a:bodyPr rtlCol="0" anchor="ctr"/>
+          <a:lstStyle/>
+          <a:p>
+            <a:pPr algn="ctr"/>
+            <a:endParaRPr lang="ko-KR" altLang="en-US"/>
+          </a:p>
+        </p:txBody>
+      </p:sp>
+      <p:sp>
+        <p:nvSpPr>
+          <p:cNvPr id="65" name="타원 64">
+            <a:extLst>
+              <a:ext uri="{FF2B5EF4-FFF2-40B4-BE49-F238E27FC236}">
+                <a16:creationId xmlns:a16="http://schemas.microsoft.com/office/drawing/2014/main" id="{CAEA5B50-F640-4608-8F04-70367908FE64}"/>
+              </a:ext>
+            </a:extLst>
+          </p:cNvPr>
+          <p:cNvSpPr/>
+          <p:nvPr/>
+        </p:nvSpPr>
+        <p:spPr>
+          <a:xfrm>
+            <a:off x="7865407" y="3759940"/>
+            <a:ext cx="45719" cy="45719"/>
+          </a:xfrm>
+          <a:prstGeom prst="ellipse">
+            <a:avLst/>
+          </a:prstGeom>
+          <a:solidFill>
+            <a:srgbClr val="FF0000"/>
+          </a:solidFill>
+          <a:ln>
+            <a:solidFill>
+              <a:srgbClr val="FF0000"/>
+            </a:solidFill>
+          </a:ln>
+        </p:spPr>
+        <p:style>
+          <a:lnRef idx="2">
+            <a:schemeClr val="accent1">
+              <a:shade val="50000"/>
+            </a:schemeClr>
+          </a:lnRef>
+          <a:fillRef idx="1">
+            <a:schemeClr val="accent1"/>
+          </a:fillRef>
+          <a:effectRef idx="0">
+            <a:schemeClr val="accent1"/>
+          </a:effectRef>
+          <a:fontRef idx="minor">
+            <a:schemeClr val="lt1"/>
+          </a:fontRef>
+        </p:style>
+        <p:txBody>
+          <a:bodyPr rtlCol="0" anchor="ctr"/>
+          <a:lstStyle/>
+          <a:p>
+            <a:pPr algn="ctr"/>
+            <a:endParaRPr lang="ko-KR" altLang="en-US"/>
+          </a:p>
+        </p:txBody>
+      </p:sp>
+      <p:sp>
+        <p:nvSpPr>
+          <p:cNvPr id="66" name="타원 65">
+            <a:extLst>
+              <a:ext uri="{FF2B5EF4-FFF2-40B4-BE49-F238E27FC236}">
+                <a16:creationId xmlns:a16="http://schemas.microsoft.com/office/drawing/2014/main" id="{F5A67A1C-FAE5-4225-8774-7DF6495CAAE0}"/>
+              </a:ext>
+            </a:extLst>
+          </p:cNvPr>
+          <p:cNvSpPr/>
+          <p:nvPr/>
+        </p:nvSpPr>
+        <p:spPr>
+          <a:xfrm>
+            <a:off x="7865407" y="3641424"/>
+            <a:ext cx="45719" cy="45719"/>
+          </a:xfrm>
+          <a:prstGeom prst="ellipse">
+            <a:avLst/>
+          </a:prstGeom>
+          <a:solidFill>
+            <a:srgbClr val="FF0000"/>
+          </a:solidFill>
+          <a:ln>
+            <a:solidFill>
+              <a:srgbClr val="FF0000"/>
+            </a:solidFill>
+          </a:ln>
+        </p:spPr>
+        <p:style>
+          <a:lnRef idx="2">
+            <a:schemeClr val="accent1">
+              <a:shade val="50000"/>
+            </a:schemeClr>
+          </a:lnRef>
+          <a:fillRef idx="1">
+            <a:schemeClr val="accent1"/>
+          </a:fillRef>
+          <a:effectRef idx="0">
+            <a:schemeClr val="accent1"/>
+          </a:effectRef>
+          <a:fontRef idx="minor">
+            <a:schemeClr val="lt1"/>
+          </a:fontRef>
+        </p:style>
+        <p:txBody>
+          <a:bodyPr rtlCol="0" anchor="ctr"/>
+          <a:lstStyle/>
+          <a:p>
+            <a:pPr algn="ctr"/>
+            <a:endParaRPr lang="ko-KR" altLang="en-US"/>
+          </a:p>
+        </p:txBody>
+      </p:sp>
+      <p:sp>
+        <p:nvSpPr>
+          <p:cNvPr id="67" name="타원 66">
+            <a:extLst>
+              <a:ext uri="{FF2B5EF4-FFF2-40B4-BE49-F238E27FC236}">
+                <a16:creationId xmlns:a16="http://schemas.microsoft.com/office/drawing/2014/main" id="{693551A2-01FC-4D3A-BCF9-C63DAFA9BAE9}"/>
+              </a:ext>
+            </a:extLst>
+          </p:cNvPr>
+          <p:cNvSpPr/>
+          <p:nvPr/>
+        </p:nvSpPr>
+        <p:spPr>
+          <a:xfrm>
+            <a:off x="7866915" y="3517022"/>
+            <a:ext cx="45719" cy="45719"/>
+          </a:xfrm>
+          <a:prstGeom prst="ellipse">
+            <a:avLst/>
+          </a:prstGeom>
+          <a:solidFill>
+            <a:srgbClr val="FF0000"/>
+          </a:solidFill>
+          <a:ln>
+            <a:solidFill>
+              <a:srgbClr val="FF0000"/>
+            </a:solidFill>
+          </a:ln>
+        </p:spPr>
+        <p:style>
+          <a:lnRef idx="2">
+            <a:schemeClr val="accent1">
+              <a:shade val="50000"/>
+            </a:schemeClr>
+          </a:lnRef>
+          <a:fillRef idx="1">
+            <a:schemeClr val="accent1"/>
+          </a:fillRef>
+          <a:effectRef idx="0">
+            <a:schemeClr val="accent1"/>
+          </a:effectRef>
+          <a:fontRef idx="minor">
+            <a:schemeClr val="lt1"/>
+          </a:fontRef>
+        </p:style>
+        <p:txBody>
+          <a:bodyPr rtlCol="0" anchor="ctr"/>
+          <a:lstStyle/>
+          <a:p>
+            <a:pPr algn="ctr"/>
+            <a:endParaRPr lang="ko-KR" altLang="en-US"/>
+          </a:p>
+        </p:txBody>
+      </p:sp>
+      <p:sp>
+        <p:nvSpPr>
+          <p:cNvPr id="68" name="타원 67">
+            <a:extLst>
+              <a:ext uri="{FF2B5EF4-FFF2-40B4-BE49-F238E27FC236}">
+                <a16:creationId xmlns:a16="http://schemas.microsoft.com/office/drawing/2014/main" id="{952E2490-651E-42A7-BFA8-8369129744D9}"/>
+              </a:ext>
+            </a:extLst>
+          </p:cNvPr>
+          <p:cNvSpPr/>
+          <p:nvPr/>
+        </p:nvSpPr>
+        <p:spPr>
+          <a:xfrm>
+            <a:off x="7751110" y="3518680"/>
+            <a:ext cx="45719" cy="45719"/>
+          </a:xfrm>
+          <a:prstGeom prst="ellipse">
+            <a:avLst/>
+          </a:prstGeom>
+          <a:solidFill>
+            <a:srgbClr val="FF0000"/>
+          </a:solidFill>
+          <a:ln>
+            <a:solidFill>
+              <a:srgbClr val="FF0000"/>
+            </a:solidFill>
+          </a:ln>
+        </p:spPr>
+        <p:style>
+          <a:lnRef idx="2">
+            <a:schemeClr val="accent1">
+              <a:shade val="50000"/>
+            </a:schemeClr>
+          </a:lnRef>
+          <a:fillRef idx="1">
+            <a:schemeClr val="accent1"/>
+          </a:fillRef>
+          <a:effectRef idx="0">
+            <a:schemeClr val="accent1"/>
+          </a:effectRef>
+          <a:fontRef idx="minor">
+            <a:schemeClr val="lt1"/>
+          </a:fontRef>
+        </p:style>
+        <p:txBody>
+          <a:bodyPr rtlCol="0" anchor="ctr"/>
+          <a:lstStyle/>
+          <a:p>
+            <a:pPr algn="ctr"/>
+            <a:endParaRPr lang="ko-KR" altLang="en-US"/>
+          </a:p>
+        </p:txBody>
+      </p:sp>
+      <p:sp>
+        <p:nvSpPr>
+          <p:cNvPr id="69" name="타원 68">
+            <a:extLst>
+              <a:ext uri="{FF2B5EF4-FFF2-40B4-BE49-F238E27FC236}">
+                <a16:creationId xmlns:a16="http://schemas.microsoft.com/office/drawing/2014/main" id="{06DD5739-A17E-4078-9917-8CC6FD57C996}"/>
+              </a:ext>
+            </a:extLst>
+          </p:cNvPr>
+          <p:cNvSpPr/>
+          <p:nvPr/>
+        </p:nvSpPr>
+        <p:spPr>
+          <a:xfrm>
+            <a:off x="7674799" y="3410733"/>
+            <a:ext cx="45719" cy="45719"/>
+          </a:xfrm>
+          <a:prstGeom prst="ellipse">
+            <a:avLst/>
+          </a:prstGeom>
+          <a:solidFill>
+            <a:srgbClr val="FF0000"/>
+          </a:solidFill>
+          <a:ln>
+            <a:solidFill>
+              <a:srgbClr val="FF0000"/>
+            </a:solidFill>
+          </a:ln>
+        </p:spPr>
+        <p:style>
+          <a:lnRef idx="2">
+            <a:schemeClr val="accent1">
+              <a:shade val="50000"/>
+            </a:schemeClr>
+          </a:lnRef>
+          <a:fillRef idx="1">
+            <a:schemeClr val="accent1"/>
+          </a:fillRef>
+          <a:effectRef idx="0">
+            <a:schemeClr val="accent1"/>
+          </a:effectRef>
+          <a:fontRef idx="minor">
+            <a:schemeClr val="lt1"/>
+          </a:fontRef>
+        </p:style>
+        <p:txBody>
+          <a:bodyPr rtlCol="0" anchor="ctr"/>
+          <a:lstStyle/>
+          <a:p>
+            <a:pPr algn="ctr"/>
+            <a:endParaRPr lang="ko-KR" altLang="en-US"/>
+          </a:p>
+        </p:txBody>
+      </p:sp>
+      <p:sp>
+        <p:nvSpPr>
+          <p:cNvPr id="70" name="타원 69">
+            <a:extLst>
+              <a:ext uri="{FF2B5EF4-FFF2-40B4-BE49-F238E27FC236}">
+                <a16:creationId xmlns:a16="http://schemas.microsoft.com/office/drawing/2014/main" id="{CF8DC62F-6F41-4755-9192-BE253A84B7D9}"/>
+              </a:ext>
+            </a:extLst>
+          </p:cNvPr>
+          <p:cNvSpPr/>
+          <p:nvPr/>
+        </p:nvSpPr>
+        <p:spPr>
+          <a:xfrm>
+            <a:off x="7827199" y="3563133"/>
+            <a:ext cx="45719" cy="45719"/>
+          </a:xfrm>
+          <a:prstGeom prst="ellipse">
+            <a:avLst/>
+          </a:prstGeom>
+          <a:solidFill>
+            <a:srgbClr val="FF0000"/>
+          </a:solidFill>
+          <a:ln>
+            <a:solidFill>
+              <a:srgbClr val="FF0000"/>
+            </a:solidFill>
+          </a:ln>
+        </p:spPr>
+        <p:style>
+          <a:lnRef idx="2">
+            <a:schemeClr val="accent1">
+              <a:shade val="50000"/>
+            </a:schemeClr>
+          </a:lnRef>
+          <a:fillRef idx="1">
+            <a:schemeClr val="accent1"/>
+          </a:fillRef>
+          <a:effectRef idx="0">
+            <a:schemeClr val="accent1"/>
+          </a:effectRef>
+          <a:fontRef idx="minor">
+            <a:schemeClr val="lt1"/>
+          </a:fontRef>
+        </p:style>
+        <p:txBody>
+          <a:bodyPr rtlCol="0" anchor="ctr"/>
+          <a:lstStyle/>
+          <a:p>
+            <a:pPr algn="ctr"/>
+            <a:endParaRPr lang="ko-KR" altLang="en-US"/>
+          </a:p>
+        </p:txBody>
+      </p:sp>
+      <p:sp>
+        <p:nvSpPr>
+          <p:cNvPr id="71" name="타원 70">
+            <a:extLst>
+              <a:ext uri="{FF2B5EF4-FFF2-40B4-BE49-F238E27FC236}">
+                <a16:creationId xmlns:a16="http://schemas.microsoft.com/office/drawing/2014/main" id="{45B3C361-8920-4AA1-8CC6-B23C3ABC7A7A}"/>
+              </a:ext>
+            </a:extLst>
+          </p:cNvPr>
+          <p:cNvSpPr/>
+          <p:nvPr/>
+        </p:nvSpPr>
+        <p:spPr>
+          <a:xfrm>
+            <a:off x="7579693" y="3363355"/>
+            <a:ext cx="45719" cy="45719"/>
+          </a:xfrm>
+          <a:prstGeom prst="ellipse">
+            <a:avLst/>
+          </a:prstGeom>
+          <a:solidFill>
+            <a:srgbClr val="FF0000"/>
+          </a:solidFill>
+          <a:ln>
+            <a:solidFill>
+              <a:srgbClr val="FF0000"/>
+            </a:solidFill>
+          </a:ln>
+        </p:spPr>
+        <p:style>
+          <a:lnRef idx="2">
+            <a:schemeClr val="accent1">
+              <a:shade val="50000"/>
+            </a:schemeClr>
+          </a:lnRef>
+          <a:fillRef idx="1">
+            <a:schemeClr val="accent1"/>
+          </a:fillRef>
+          <a:effectRef idx="0">
+            <a:schemeClr val="accent1"/>
+          </a:effectRef>
+          <a:fontRef idx="minor">
+            <a:schemeClr val="lt1"/>
+          </a:fontRef>
+        </p:style>
+        <p:txBody>
+          <a:bodyPr rtlCol="0" anchor="ctr"/>
+          <a:lstStyle/>
+          <a:p>
+            <a:pPr algn="ctr"/>
+            <a:endParaRPr lang="ko-KR" altLang="en-US"/>
+          </a:p>
+        </p:txBody>
+      </p:sp>
+      <p:sp>
+        <p:nvSpPr>
+          <p:cNvPr id="72" name="타원 71">
+            <a:extLst>
+              <a:ext uri="{FF2B5EF4-FFF2-40B4-BE49-F238E27FC236}">
+                <a16:creationId xmlns:a16="http://schemas.microsoft.com/office/drawing/2014/main" id="{B8DB236F-BA77-450D-AC6D-FA267C980F6B}"/>
+              </a:ext>
+            </a:extLst>
+          </p:cNvPr>
+          <p:cNvSpPr/>
+          <p:nvPr/>
+        </p:nvSpPr>
+        <p:spPr>
+          <a:xfrm>
+            <a:off x="7482082" y="3363355"/>
+            <a:ext cx="45719" cy="45719"/>
+          </a:xfrm>
+          <a:prstGeom prst="ellipse">
+            <a:avLst/>
+          </a:prstGeom>
+          <a:solidFill>
+            <a:srgbClr val="FF0000"/>
+          </a:solidFill>
+          <a:ln>
+            <a:solidFill>
+              <a:srgbClr val="FF0000"/>
+            </a:solidFill>
+          </a:ln>
+        </p:spPr>
+        <p:style>
+          <a:lnRef idx="2">
+            <a:schemeClr val="accent1">
+              <a:shade val="50000"/>
+            </a:schemeClr>
+          </a:lnRef>
+          <a:fillRef idx="1">
+            <a:schemeClr val="accent1"/>
+          </a:fillRef>
+          <a:effectRef idx="0">
+            <a:schemeClr val="accent1"/>
+          </a:effectRef>
+          <a:fontRef idx="minor">
+            <a:schemeClr val="lt1"/>
+          </a:fontRef>
+        </p:style>
+        <p:txBody>
+          <a:bodyPr rtlCol="0" anchor="ctr"/>
+          <a:lstStyle/>
+          <a:p>
+            <a:pPr algn="ctr"/>
+            <a:endParaRPr lang="ko-KR" altLang="en-US"/>
+          </a:p>
+        </p:txBody>
+      </p:sp>
+      <p:sp>
+        <p:nvSpPr>
+          <p:cNvPr id="73" name="타원 72">
+            <a:extLst>
+              <a:ext uri="{FF2B5EF4-FFF2-40B4-BE49-F238E27FC236}">
+                <a16:creationId xmlns:a16="http://schemas.microsoft.com/office/drawing/2014/main" id="{37A9D6BA-E2D3-418A-AF30-659C200F19FD}"/>
+              </a:ext>
+            </a:extLst>
+          </p:cNvPr>
+          <p:cNvSpPr/>
+          <p:nvPr/>
+        </p:nvSpPr>
+        <p:spPr>
+          <a:xfrm>
+            <a:off x="7382602" y="3363354"/>
+            <a:ext cx="45719" cy="45719"/>
+          </a:xfrm>
+          <a:prstGeom prst="ellipse">
+            <a:avLst/>
+          </a:prstGeom>
+          <a:solidFill>
+            <a:srgbClr val="FF0000"/>
+          </a:solidFill>
+          <a:ln>
+            <a:solidFill>
+              <a:srgbClr val="FF0000"/>
+            </a:solidFill>
+          </a:ln>
+        </p:spPr>
+        <p:style>
+          <a:lnRef idx="2">
+            <a:schemeClr val="accent1">
+              <a:shade val="50000"/>
+            </a:schemeClr>
+          </a:lnRef>
+          <a:fillRef idx="1">
+            <a:schemeClr val="accent1"/>
+          </a:fillRef>
+          <a:effectRef idx="0">
+            <a:schemeClr val="accent1"/>
+          </a:effectRef>
+          <a:fontRef idx="minor">
+            <a:schemeClr val="lt1"/>
+          </a:fontRef>
+        </p:style>
+        <p:txBody>
+          <a:bodyPr rtlCol="0" anchor="ctr"/>
+          <a:lstStyle/>
+          <a:p>
+            <a:pPr algn="ctr"/>
+            <a:endParaRPr lang="ko-KR" altLang="en-US"/>
+          </a:p>
+        </p:txBody>
+      </p:sp>
+      <p:sp>
+        <p:nvSpPr>
+          <p:cNvPr id="74" name="타원 73">
+            <a:extLst>
+              <a:ext uri="{FF2B5EF4-FFF2-40B4-BE49-F238E27FC236}">
+                <a16:creationId xmlns:a16="http://schemas.microsoft.com/office/drawing/2014/main" id="{AAF93E70-E206-4BF6-9731-EAA296E725CA}"/>
+              </a:ext>
+            </a:extLst>
+          </p:cNvPr>
+          <p:cNvSpPr/>
+          <p:nvPr/>
+        </p:nvSpPr>
+        <p:spPr>
+          <a:xfrm>
+            <a:off x="6839272" y="3448926"/>
+            <a:ext cx="45719" cy="45719"/>
+          </a:xfrm>
+          <a:prstGeom prst="ellipse">
+            <a:avLst/>
+          </a:prstGeom>
+          <a:solidFill>
+            <a:srgbClr val="FF0000"/>
+          </a:solidFill>
+          <a:ln>
+            <a:solidFill>
+              <a:srgbClr val="FF0000"/>
+            </a:solidFill>
+          </a:ln>
+        </p:spPr>
+        <p:style>
+          <a:lnRef idx="2">
+            <a:schemeClr val="accent1">
+              <a:shade val="50000"/>
+            </a:schemeClr>
+          </a:lnRef>
+          <a:fillRef idx="1">
+            <a:schemeClr val="accent1"/>
+          </a:fillRef>
+          <a:effectRef idx="0">
+            <a:schemeClr val="accent1"/>
+          </a:effectRef>
+          <a:fontRef idx="minor">
+            <a:schemeClr val="lt1"/>
+          </a:fontRef>
+        </p:style>
+        <p:txBody>
+          <a:bodyPr rtlCol="0" anchor="ctr"/>
+          <a:lstStyle/>
+          <a:p>
+            <a:pPr algn="ctr"/>
+            <a:endParaRPr lang="ko-KR" altLang="en-US"/>
+          </a:p>
+        </p:txBody>
+      </p:sp>
+      <p:sp>
+        <p:nvSpPr>
+          <p:cNvPr id="75" name="타원 74">
+            <a:extLst>
+              <a:ext uri="{FF2B5EF4-FFF2-40B4-BE49-F238E27FC236}">
+                <a16:creationId xmlns:a16="http://schemas.microsoft.com/office/drawing/2014/main" id="{FE446BA3-04BC-4B70-B4FF-848EC60C4522}"/>
+              </a:ext>
+            </a:extLst>
+          </p:cNvPr>
+          <p:cNvSpPr/>
+          <p:nvPr/>
+        </p:nvSpPr>
+        <p:spPr>
+          <a:xfrm>
+            <a:off x="6767611" y="3510099"/>
+            <a:ext cx="45719" cy="45719"/>
+          </a:xfrm>
+          <a:prstGeom prst="ellipse">
+            <a:avLst/>
+          </a:prstGeom>
+          <a:solidFill>
+            <a:srgbClr val="FF0000"/>
+          </a:solidFill>
+          <a:ln>
+            <a:solidFill>
+              <a:srgbClr val="FF0000"/>
+            </a:solidFill>
+          </a:ln>
+        </p:spPr>
+        <p:style>
+          <a:lnRef idx="2">
+            <a:schemeClr val="accent1">
+              <a:shade val="50000"/>
+            </a:schemeClr>
+          </a:lnRef>
+          <a:fillRef idx="1">
+            <a:schemeClr val="accent1"/>
+          </a:fillRef>
+          <a:effectRef idx="0">
+            <a:schemeClr val="accent1"/>
+          </a:effectRef>
+          <a:fontRef idx="minor">
+            <a:schemeClr val="lt1"/>
+          </a:fontRef>
+        </p:style>
+        <p:txBody>
+          <a:bodyPr rtlCol="0" anchor="ctr"/>
+          <a:lstStyle/>
+          <a:p>
+            <a:pPr algn="ctr"/>
+            <a:endParaRPr lang="ko-KR" altLang="en-US"/>
+          </a:p>
+        </p:txBody>
+      </p:sp>
+      <p:sp>
+        <p:nvSpPr>
+          <p:cNvPr id="76" name="타원 75">
+            <a:extLst>
+              <a:ext uri="{FF2B5EF4-FFF2-40B4-BE49-F238E27FC236}">
+                <a16:creationId xmlns:a16="http://schemas.microsoft.com/office/drawing/2014/main" id="{2CB480C4-4CE4-4404-8C68-2C9D460310B4}"/>
+              </a:ext>
+            </a:extLst>
+          </p:cNvPr>
+          <p:cNvSpPr/>
+          <p:nvPr/>
+        </p:nvSpPr>
+        <p:spPr>
+          <a:xfrm>
+            <a:off x="6769917" y="3595705"/>
+            <a:ext cx="45719" cy="45719"/>
+          </a:xfrm>
+          <a:prstGeom prst="ellipse">
+            <a:avLst/>
+          </a:prstGeom>
+          <a:solidFill>
+            <a:srgbClr val="FF0000"/>
+          </a:solidFill>
+          <a:ln>
+            <a:solidFill>
+              <a:srgbClr val="FF0000"/>
+            </a:solidFill>
+          </a:ln>
+        </p:spPr>
+        <p:style>
+          <a:lnRef idx="2">
+            <a:schemeClr val="accent1">
+              <a:shade val="50000"/>
+            </a:schemeClr>
+          </a:lnRef>
+          <a:fillRef idx="1">
+            <a:schemeClr val="accent1"/>
+          </a:fillRef>
+          <a:effectRef idx="0">
+            <a:schemeClr val="accent1"/>
+          </a:effectRef>
+          <a:fontRef idx="minor">
+            <a:schemeClr val="lt1"/>
+          </a:fontRef>
+        </p:style>
+        <p:txBody>
+          <a:bodyPr rtlCol="0" anchor="ctr"/>
+          <a:lstStyle/>
+          <a:p>
+            <a:pPr algn="ctr"/>
+            <a:endParaRPr lang="ko-KR" altLang="en-US"/>
+          </a:p>
+        </p:txBody>
+      </p:sp>
+      <p:sp>
+        <p:nvSpPr>
+          <p:cNvPr id="77" name="타원 76">
+            <a:extLst>
+              <a:ext uri="{FF2B5EF4-FFF2-40B4-BE49-F238E27FC236}">
+                <a16:creationId xmlns:a16="http://schemas.microsoft.com/office/drawing/2014/main" id="{4338D674-1233-4987-9E1C-E37D76466347}"/>
+              </a:ext>
+            </a:extLst>
+          </p:cNvPr>
+          <p:cNvSpPr/>
+          <p:nvPr/>
+        </p:nvSpPr>
+        <p:spPr>
+          <a:xfrm>
+            <a:off x="6855890" y="3664283"/>
+            <a:ext cx="45719" cy="45719"/>
+          </a:xfrm>
+          <a:prstGeom prst="ellipse">
+            <a:avLst/>
+          </a:prstGeom>
+          <a:solidFill>
+            <a:srgbClr val="FF0000"/>
+          </a:solidFill>
+          <a:ln>
+            <a:solidFill>
+              <a:srgbClr val="FF0000"/>
+            </a:solidFill>
+          </a:ln>
+        </p:spPr>
+        <p:style>
+          <a:lnRef idx="2">
+            <a:schemeClr val="accent1">
+              <a:shade val="50000"/>
+            </a:schemeClr>
+          </a:lnRef>
+          <a:fillRef idx="1">
+            <a:schemeClr val="accent1"/>
+          </a:fillRef>
+          <a:effectRef idx="0">
+            <a:schemeClr val="accent1"/>
+          </a:effectRef>
+          <a:fontRef idx="minor">
+            <a:schemeClr val="lt1"/>
+          </a:fontRef>
+        </p:style>
+        <p:txBody>
+          <a:bodyPr rtlCol="0" anchor="ctr"/>
+          <a:lstStyle/>
+          <a:p>
+            <a:pPr algn="ctr"/>
+            <a:endParaRPr lang="ko-KR" altLang="en-US"/>
+          </a:p>
+        </p:txBody>
+      </p:sp>
+      <p:sp>
+        <p:nvSpPr>
+          <p:cNvPr id="78" name="타원 77">
+            <a:extLst>
+              <a:ext uri="{FF2B5EF4-FFF2-40B4-BE49-F238E27FC236}">
+                <a16:creationId xmlns:a16="http://schemas.microsoft.com/office/drawing/2014/main" id="{9311B99B-3CDE-4395-8059-7C52CFCCDB09}"/>
+              </a:ext>
+            </a:extLst>
+          </p:cNvPr>
+          <p:cNvSpPr/>
+          <p:nvPr/>
+        </p:nvSpPr>
+        <p:spPr>
+          <a:xfrm>
+            <a:off x="6940684" y="3616352"/>
+            <a:ext cx="45719" cy="45719"/>
+          </a:xfrm>
+          <a:prstGeom prst="ellipse">
+            <a:avLst/>
+          </a:prstGeom>
+          <a:solidFill>
+            <a:srgbClr val="FF0000"/>
+          </a:solidFill>
+          <a:ln>
+            <a:solidFill>
+              <a:srgbClr val="FF0000"/>
+            </a:solidFill>
+          </a:ln>
+        </p:spPr>
+        <p:style>
+          <a:lnRef idx="2">
+            <a:schemeClr val="accent1">
+              <a:shade val="50000"/>
+            </a:schemeClr>
+          </a:lnRef>
+          <a:fillRef idx="1">
+            <a:schemeClr val="accent1"/>
+          </a:fillRef>
+          <a:effectRef idx="0">
+            <a:schemeClr val="accent1"/>
+          </a:effectRef>
+          <a:fontRef idx="minor">
+            <a:schemeClr val="lt1"/>
+          </a:fontRef>
+        </p:style>
+        <p:txBody>
+          <a:bodyPr rtlCol="0" anchor="ctr"/>
+          <a:lstStyle/>
+          <a:p>
+            <a:pPr algn="ctr"/>
+            <a:endParaRPr lang="ko-KR" altLang="en-US"/>
+          </a:p>
+        </p:txBody>
+      </p:sp>
+      <p:sp>
+        <p:nvSpPr>
+          <p:cNvPr id="81" name="타원 80">
+            <a:extLst>
+              <a:ext uri="{FF2B5EF4-FFF2-40B4-BE49-F238E27FC236}">
+                <a16:creationId xmlns:a16="http://schemas.microsoft.com/office/drawing/2014/main" id="{7DCC170F-992D-4C9D-9155-6C9F453CEB9C}"/>
+              </a:ext>
+            </a:extLst>
+          </p:cNvPr>
+          <p:cNvSpPr/>
+          <p:nvPr/>
+        </p:nvSpPr>
+        <p:spPr>
+          <a:xfrm>
+            <a:off x="6949714" y="3517022"/>
+            <a:ext cx="45719" cy="45719"/>
+          </a:xfrm>
+          <a:prstGeom prst="ellipse">
+            <a:avLst/>
+          </a:prstGeom>
+          <a:solidFill>
+            <a:srgbClr val="FF0000"/>
+          </a:solidFill>
+          <a:ln>
+            <a:solidFill>
+              <a:srgbClr val="FF0000"/>
+            </a:solidFill>
+          </a:ln>
+        </p:spPr>
+        <p:style>
+          <a:lnRef idx="2">
+            <a:schemeClr val="accent1">
+              <a:shade val="50000"/>
+            </a:schemeClr>
+          </a:lnRef>
+          <a:fillRef idx="1">
+            <a:schemeClr val="accent1"/>
+          </a:fillRef>
+          <a:effectRef idx="0">
+            <a:schemeClr val="accent1"/>
+          </a:effectRef>
+          <a:fontRef idx="minor">
+            <a:schemeClr val="lt1"/>
+          </a:fontRef>
+        </p:style>
+        <p:txBody>
+          <a:bodyPr rtlCol="0" anchor="ctr"/>
+          <a:lstStyle/>
+          <a:p>
+            <a:pPr algn="ctr"/>
+            <a:endParaRPr lang="ko-KR" altLang="en-US"/>
+          </a:p>
+        </p:txBody>
+      </p:sp>
+      <p:sp>
+        <p:nvSpPr>
+          <p:cNvPr id="82" name="타원 81">
+            <a:extLst>
+              <a:ext uri="{FF2B5EF4-FFF2-40B4-BE49-F238E27FC236}">
+                <a16:creationId xmlns:a16="http://schemas.microsoft.com/office/drawing/2014/main" id="{055DA1C4-755A-49F6-940B-DF4ED39AD58A}"/>
+              </a:ext>
+            </a:extLst>
+          </p:cNvPr>
+          <p:cNvSpPr/>
+          <p:nvPr/>
+        </p:nvSpPr>
+        <p:spPr>
+          <a:xfrm>
+            <a:off x="7469770" y="3442003"/>
+            <a:ext cx="45719" cy="45719"/>
+          </a:xfrm>
+          <a:prstGeom prst="ellipse">
+            <a:avLst/>
+          </a:prstGeom>
+          <a:solidFill>
+            <a:srgbClr val="FF0000"/>
+          </a:solidFill>
+          <a:ln>
+            <a:solidFill>
+              <a:srgbClr val="FF0000"/>
+            </a:solidFill>
+          </a:ln>
+        </p:spPr>
+        <p:style>
+          <a:lnRef idx="2">
+            <a:schemeClr val="accent1">
+              <a:shade val="50000"/>
+            </a:schemeClr>
+          </a:lnRef>
+          <a:fillRef idx="1">
+            <a:schemeClr val="accent1"/>
+          </a:fillRef>
+          <a:effectRef idx="0">
+            <a:schemeClr val="accent1"/>
+          </a:effectRef>
+          <a:fontRef idx="minor">
+            <a:schemeClr val="lt1"/>
+          </a:fontRef>
+        </p:style>
+        <p:txBody>
+          <a:bodyPr rtlCol="0" anchor="ctr"/>
+          <a:lstStyle/>
+          <a:p>
+            <a:pPr algn="ctr"/>
+            <a:endParaRPr lang="ko-KR" altLang="en-US"/>
+          </a:p>
+        </p:txBody>
+      </p:sp>
+      <p:sp>
+        <p:nvSpPr>
+          <p:cNvPr id="83" name="타원 82">
+            <a:extLst>
+              <a:ext uri="{FF2B5EF4-FFF2-40B4-BE49-F238E27FC236}">
+                <a16:creationId xmlns:a16="http://schemas.microsoft.com/office/drawing/2014/main" id="{8F3380D0-0E34-4F1D-ACA9-0BF1E5B0352B}"/>
+              </a:ext>
+            </a:extLst>
+          </p:cNvPr>
+          <p:cNvSpPr/>
+          <p:nvPr/>
+        </p:nvSpPr>
+        <p:spPr>
+          <a:xfrm>
+            <a:off x="7398109" y="3503176"/>
+            <a:ext cx="45719" cy="45719"/>
+          </a:xfrm>
+          <a:prstGeom prst="ellipse">
+            <a:avLst/>
+          </a:prstGeom>
+          <a:solidFill>
+            <a:srgbClr val="FF0000"/>
+          </a:solidFill>
+          <a:ln>
+            <a:solidFill>
+              <a:srgbClr val="FF0000"/>
+            </a:solidFill>
+          </a:ln>
+        </p:spPr>
+        <p:style>
+          <a:lnRef idx="2">
+            <a:schemeClr val="accent1">
+              <a:shade val="50000"/>
+            </a:schemeClr>
+          </a:lnRef>
+          <a:fillRef idx="1">
+            <a:schemeClr val="accent1"/>
+          </a:fillRef>
+          <a:effectRef idx="0">
+            <a:schemeClr val="accent1"/>
+          </a:effectRef>
+          <a:fontRef idx="minor">
+            <a:schemeClr val="lt1"/>
+          </a:fontRef>
+        </p:style>
+        <p:txBody>
+          <a:bodyPr rtlCol="0" anchor="ctr"/>
+          <a:lstStyle/>
+          <a:p>
+            <a:pPr algn="ctr"/>
+            <a:endParaRPr lang="ko-KR" altLang="en-US"/>
+          </a:p>
+        </p:txBody>
+      </p:sp>
+      <p:sp>
+        <p:nvSpPr>
+          <p:cNvPr id="84" name="타원 83">
+            <a:extLst>
+              <a:ext uri="{FF2B5EF4-FFF2-40B4-BE49-F238E27FC236}">
+                <a16:creationId xmlns:a16="http://schemas.microsoft.com/office/drawing/2014/main" id="{B5E7D336-6D5B-41B9-8908-27DC8D5C76B5}"/>
+              </a:ext>
+            </a:extLst>
+          </p:cNvPr>
+          <p:cNvSpPr/>
+          <p:nvPr/>
+        </p:nvSpPr>
+        <p:spPr>
+          <a:xfrm>
+            <a:off x="7400415" y="3588782"/>
+            <a:ext cx="45719" cy="45719"/>
+          </a:xfrm>
+          <a:prstGeom prst="ellipse">
+            <a:avLst/>
+          </a:prstGeom>
+          <a:solidFill>
+            <a:srgbClr val="FF0000"/>
+          </a:solidFill>
+          <a:ln>
+            <a:solidFill>
+              <a:srgbClr val="FF0000"/>
+            </a:solidFill>
+          </a:ln>
+        </p:spPr>
+        <p:style>
+          <a:lnRef idx="2">
+            <a:schemeClr val="accent1">
+              <a:shade val="50000"/>
+            </a:schemeClr>
+          </a:lnRef>
+          <a:fillRef idx="1">
+            <a:schemeClr val="accent1"/>
+          </a:fillRef>
+          <a:effectRef idx="0">
+            <a:schemeClr val="accent1"/>
+          </a:effectRef>
+          <a:fontRef idx="minor">
+            <a:schemeClr val="lt1"/>
+          </a:fontRef>
+        </p:style>
+        <p:txBody>
+          <a:bodyPr rtlCol="0" anchor="ctr"/>
+          <a:lstStyle/>
+          <a:p>
+            <a:pPr algn="ctr"/>
+            <a:endParaRPr lang="ko-KR" altLang="en-US"/>
+          </a:p>
+        </p:txBody>
+      </p:sp>
+      <p:sp>
+        <p:nvSpPr>
+          <p:cNvPr id="85" name="타원 84">
+            <a:extLst>
+              <a:ext uri="{FF2B5EF4-FFF2-40B4-BE49-F238E27FC236}">
+                <a16:creationId xmlns:a16="http://schemas.microsoft.com/office/drawing/2014/main" id="{7E1A608C-20B7-488D-94B4-D2E3F4A92219}"/>
+              </a:ext>
+            </a:extLst>
+          </p:cNvPr>
+          <p:cNvSpPr/>
+          <p:nvPr/>
+        </p:nvSpPr>
+        <p:spPr>
+          <a:xfrm>
+            <a:off x="7486388" y="3657360"/>
+            <a:ext cx="45719" cy="45719"/>
+          </a:xfrm>
+          <a:prstGeom prst="ellipse">
+            <a:avLst/>
+          </a:prstGeom>
+          <a:solidFill>
+            <a:srgbClr val="FF0000"/>
+          </a:solidFill>
+          <a:ln>
+            <a:solidFill>
+              <a:srgbClr val="FF0000"/>
+            </a:solidFill>
+          </a:ln>
+        </p:spPr>
+        <p:style>
+          <a:lnRef idx="2">
+            <a:schemeClr val="accent1">
+              <a:shade val="50000"/>
+            </a:schemeClr>
+          </a:lnRef>
+          <a:fillRef idx="1">
+            <a:schemeClr val="accent1"/>
+          </a:fillRef>
+          <a:effectRef idx="0">
+            <a:schemeClr val="accent1"/>
+          </a:effectRef>
+          <a:fontRef idx="minor">
+            <a:schemeClr val="lt1"/>
+          </a:fontRef>
+        </p:style>
+        <p:txBody>
+          <a:bodyPr rtlCol="0" anchor="ctr"/>
+          <a:lstStyle/>
+          <a:p>
+            <a:pPr algn="ctr"/>
+            <a:endParaRPr lang="ko-KR" altLang="en-US"/>
+          </a:p>
+        </p:txBody>
+      </p:sp>
+      <p:sp>
+        <p:nvSpPr>
+          <p:cNvPr id="86" name="타원 85">
+            <a:extLst>
+              <a:ext uri="{FF2B5EF4-FFF2-40B4-BE49-F238E27FC236}">
+                <a16:creationId xmlns:a16="http://schemas.microsoft.com/office/drawing/2014/main" id="{7F0255B2-4398-4F2F-8D9A-6B3CA298DC29}"/>
+              </a:ext>
+            </a:extLst>
+          </p:cNvPr>
+          <p:cNvSpPr/>
+          <p:nvPr/>
+        </p:nvSpPr>
+        <p:spPr>
+          <a:xfrm>
+            <a:off x="7571182" y="3609429"/>
+            <a:ext cx="45719" cy="45719"/>
+          </a:xfrm>
+          <a:prstGeom prst="ellipse">
+            <a:avLst/>
+          </a:prstGeom>
+          <a:solidFill>
+            <a:srgbClr val="FF0000"/>
+          </a:solidFill>
+          <a:ln>
+            <a:solidFill>
+              <a:srgbClr val="FF0000"/>
+            </a:solidFill>
+          </a:ln>
+        </p:spPr>
+        <p:style>
+          <a:lnRef idx="2">
+            <a:schemeClr val="accent1">
+              <a:shade val="50000"/>
+            </a:schemeClr>
+          </a:lnRef>
+          <a:fillRef idx="1">
+            <a:schemeClr val="accent1"/>
+          </a:fillRef>
+          <a:effectRef idx="0">
+            <a:schemeClr val="accent1"/>
+          </a:effectRef>
+          <a:fontRef idx="minor">
+            <a:schemeClr val="lt1"/>
+          </a:fontRef>
+        </p:style>
+        <p:txBody>
+          <a:bodyPr rtlCol="0" anchor="ctr"/>
+          <a:lstStyle/>
+          <a:p>
+            <a:pPr algn="ctr"/>
+            <a:endParaRPr lang="ko-KR" altLang="en-US"/>
+          </a:p>
+        </p:txBody>
+      </p:sp>
+      <p:sp>
+        <p:nvSpPr>
+          <p:cNvPr id="87" name="타원 86">
+            <a:extLst>
+              <a:ext uri="{FF2B5EF4-FFF2-40B4-BE49-F238E27FC236}">
+                <a16:creationId xmlns:a16="http://schemas.microsoft.com/office/drawing/2014/main" id="{4680D70F-4557-4AEF-AFD5-37B012268F48}"/>
+              </a:ext>
+            </a:extLst>
+          </p:cNvPr>
+          <p:cNvSpPr/>
+          <p:nvPr/>
+        </p:nvSpPr>
+        <p:spPr>
+          <a:xfrm>
+            <a:off x="7580212" y="3510099"/>
+            <a:ext cx="45719" cy="45719"/>
+          </a:xfrm>
+          <a:prstGeom prst="ellipse">
+            <a:avLst/>
+          </a:prstGeom>
+          <a:solidFill>
+            <a:srgbClr val="FF0000"/>
+          </a:solidFill>
+          <a:ln>
+            <a:solidFill>
+              <a:srgbClr val="FF0000"/>
+            </a:solidFill>
+          </a:ln>
+        </p:spPr>
+        <p:style>
+          <a:lnRef idx="2">
+            <a:schemeClr val="accent1">
+              <a:shade val="50000"/>
+            </a:schemeClr>
+          </a:lnRef>
+          <a:fillRef idx="1">
+            <a:schemeClr val="accent1"/>
+          </a:fillRef>
+          <a:effectRef idx="0">
+            <a:schemeClr val="accent1"/>
+          </a:effectRef>
+          <a:fontRef idx="minor">
+            <a:schemeClr val="lt1"/>
+          </a:fontRef>
+        </p:style>
+        <p:txBody>
+          <a:bodyPr rtlCol="0" anchor="ctr"/>
+          <a:lstStyle/>
+          <a:p>
+            <a:pPr algn="ctr"/>
+            <a:endParaRPr lang="ko-KR" altLang="en-US"/>
+          </a:p>
+        </p:txBody>
+      </p:sp>
+      <p:sp>
+        <p:nvSpPr>
+          <p:cNvPr id="88" name="타원 87">
+            <a:extLst>
+              <a:ext uri="{FF2B5EF4-FFF2-40B4-BE49-F238E27FC236}">
+                <a16:creationId xmlns:a16="http://schemas.microsoft.com/office/drawing/2014/main" id="{972C997D-4882-49BC-96F2-1364A5A9DEED}"/>
+              </a:ext>
+            </a:extLst>
+          </p:cNvPr>
+          <p:cNvSpPr/>
+          <p:nvPr/>
+        </p:nvSpPr>
+        <p:spPr>
+          <a:xfrm>
+            <a:off x="7548322" y="3982836"/>
+            <a:ext cx="45719" cy="45719"/>
+          </a:xfrm>
+          <a:prstGeom prst="ellipse">
+            <a:avLst/>
+          </a:prstGeom>
+          <a:solidFill>
+            <a:srgbClr val="FF0000"/>
+          </a:solidFill>
+          <a:ln>
+            <a:solidFill>
+              <a:srgbClr val="FF0000"/>
+            </a:solidFill>
+          </a:ln>
+        </p:spPr>
+        <p:style>
+          <a:lnRef idx="2">
+            <a:schemeClr val="accent1">
+              <a:shade val="50000"/>
+            </a:schemeClr>
+          </a:lnRef>
+          <a:fillRef idx="1">
+            <a:schemeClr val="accent1"/>
+          </a:fillRef>
+          <a:effectRef idx="0">
+            <a:schemeClr val="accent1"/>
+          </a:effectRef>
+          <a:fontRef idx="minor">
+            <a:schemeClr val="lt1"/>
+          </a:fontRef>
+        </p:style>
+        <p:txBody>
+          <a:bodyPr rtlCol="0" anchor="ctr"/>
+          <a:lstStyle/>
+          <a:p>
+            <a:pPr algn="ctr"/>
+            <a:endParaRPr lang="ko-KR" altLang="en-US"/>
+          </a:p>
+        </p:txBody>
+      </p:sp>
+      <p:sp>
+        <p:nvSpPr>
+          <p:cNvPr id="89" name="타원 88">
+            <a:extLst>
+              <a:ext uri="{FF2B5EF4-FFF2-40B4-BE49-F238E27FC236}">
+                <a16:creationId xmlns:a16="http://schemas.microsoft.com/office/drawing/2014/main" id="{809134D5-1A43-4C76-AD54-4062D49AAD28}"/>
+              </a:ext>
+            </a:extLst>
+          </p:cNvPr>
+          <p:cNvSpPr/>
+          <p:nvPr/>
+        </p:nvSpPr>
+        <p:spPr>
+          <a:xfrm>
+            <a:off x="7446729" y="4076400"/>
+            <a:ext cx="45719" cy="45719"/>
+          </a:xfrm>
+          <a:prstGeom prst="ellipse">
+            <a:avLst/>
+          </a:prstGeom>
+          <a:solidFill>
+            <a:srgbClr val="FF0000"/>
+          </a:solidFill>
+          <a:ln>
+            <a:solidFill>
+              <a:srgbClr val="FF0000"/>
+            </a:solidFill>
+          </a:ln>
+        </p:spPr>
+        <p:style>
+          <a:lnRef idx="2">
+            <a:schemeClr val="accent1">
+              <a:shade val="50000"/>
+            </a:schemeClr>
+          </a:lnRef>
+          <a:fillRef idx="1">
+            <a:schemeClr val="accent1"/>
+          </a:fillRef>
+          <a:effectRef idx="0">
+            <a:schemeClr val="accent1"/>
+          </a:effectRef>
+          <a:fontRef idx="minor">
+            <a:schemeClr val="lt1"/>
+          </a:fontRef>
+        </p:style>
+        <p:txBody>
+          <a:bodyPr rtlCol="0" anchor="ctr"/>
+          <a:lstStyle/>
+          <a:p>
+            <a:pPr algn="ctr"/>
+            <a:endParaRPr lang="ko-KR" altLang="en-US"/>
+          </a:p>
+        </p:txBody>
+      </p:sp>
+      <p:sp>
+        <p:nvSpPr>
+          <p:cNvPr id="90" name="타원 89">
+            <a:extLst>
+              <a:ext uri="{FF2B5EF4-FFF2-40B4-BE49-F238E27FC236}">
+                <a16:creationId xmlns:a16="http://schemas.microsoft.com/office/drawing/2014/main" id="{83F8D15D-E417-419B-B7C1-D6769144910A}"/>
+              </a:ext>
+            </a:extLst>
+          </p:cNvPr>
+          <p:cNvSpPr/>
+          <p:nvPr/>
+        </p:nvSpPr>
+        <p:spPr>
+          <a:xfrm>
+            <a:off x="7336702" y="4130017"/>
+            <a:ext cx="45719" cy="45719"/>
+          </a:xfrm>
+          <a:prstGeom prst="ellipse">
+            <a:avLst/>
+          </a:prstGeom>
+          <a:solidFill>
+            <a:srgbClr val="FF0000"/>
+          </a:solidFill>
+          <a:ln>
+            <a:solidFill>
+              <a:srgbClr val="FF0000"/>
+            </a:solidFill>
+          </a:ln>
+        </p:spPr>
+        <p:style>
+          <a:lnRef idx="2">
+            <a:schemeClr val="accent1">
+              <a:shade val="50000"/>
+            </a:schemeClr>
+          </a:lnRef>
+          <a:fillRef idx="1">
+            <a:schemeClr val="accent1"/>
+          </a:fillRef>
+          <a:effectRef idx="0">
+            <a:schemeClr val="accent1"/>
+          </a:effectRef>
+          <a:fontRef idx="minor">
+            <a:schemeClr val="lt1"/>
+          </a:fontRef>
+        </p:style>
+        <p:txBody>
+          <a:bodyPr rtlCol="0" anchor="ctr"/>
+          <a:lstStyle/>
+          <a:p>
+            <a:pPr algn="ctr"/>
+            <a:endParaRPr lang="ko-KR" altLang="en-US"/>
+          </a:p>
+        </p:txBody>
+      </p:sp>
+      <p:sp>
+        <p:nvSpPr>
+          <p:cNvPr id="91" name="타원 90">
+            <a:extLst>
+              <a:ext uri="{FF2B5EF4-FFF2-40B4-BE49-F238E27FC236}">
+                <a16:creationId xmlns:a16="http://schemas.microsoft.com/office/drawing/2014/main" id="{998F8E9C-E59F-4DFD-B6A0-33716AE240E4}"/>
+              </a:ext>
+            </a:extLst>
+          </p:cNvPr>
+          <p:cNvSpPr/>
+          <p:nvPr/>
+        </p:nvSpPr>
+        <p:spPr>
+          <a:xfrm>
+            <a:off x="7201396" y="4155344"/>
+            <a:ext cx="45719" cy="45719"/>
+          </a:xfrm>
+          <a:prstGeom prst="ellipse">
+            <a:avLst/>
+          </a:prstGeom>
+          <a:solidFill>
+            <a:srgbClr val="FF0000"/>
+          </a:solidFill>
+          <a:ln>
+            <a:solidFill>
+              <a:srgbClr val="FF0000"/>
+            </a:solidFill>
+          </a:ln>
+        </p:spPr>
+        <p:style>
+          <a:lnRef idx="2">
+            <a:schemeClr val="accent1">
+              <a:shade val="50000"/>
+            </a:schemeClr>
+          </a:lnRef>
+          <a:fillRef idx="1">
+            <a:schemeClr val="accent1"/>
+          </a:fillRef>
+          <a:effectRef idx="0">
+            <a:schemeClr val="accent1"/>
+          </a:effectRef>
+          <a:fontRef idx="minor">
+            <a:schemeClr val="lt1"/>
+          </a:fontRef>
+        </p:style>
+        <p:txBody>
+          <a:bodyPr rtlCol="0" anchor="ctr"/>
+          <a:lstStyle/>
+          <a:p>
+            <a:pPr algn="ctr"/>
+            <a:endParaRPr lang="ko-KR" altLang="en-US"/>
+          </a:p>
+        </p:txBody>
+      </p:sp>
+      <p:sp>
+        <p:nvSpPr>
+          <p:cNvPr id="92" name="타원 91">
+            <a:extLst>
+              <a:ext uri="{FF2B5EF4-FFF2-40B4-BE49-F238E27FC236}">
+                <a16:creationId xmlns:a16="http://schemas.microsoft.com/office/drawing/2014/main" id="{A3D1733F-BBAF-4F0F-B1B6-271D07420670}"/>
+              </a:ext>
+            </a:extLst>
+          </p:cNvPr>
+          <p:cNvSpPr/>
+          <p:nvPr/>
+        </p:nvSpPr>
+        <p:spPr>
+          <a:xfrm>
+            <a:off x="7067942" y="4138431"/>
+            <a:ext cx="45719" cy="45719"/>
+          </a:xfrm>
+          <a:prstGeom prst="ellipse">
+            <a:avLst/>
+          </a:prstGeom>
+          <a:solidFill>
+            <a:srgbClr val="FF0000"/>
+          </a:solidFill>
+          <a:ln>
+            <a:solidFill>
+              <a:srgbClr val="FF0000"/>
+            </a:solidFill>
+          </a:ln>
+        </p:spPr>
+        <p:style>
+          <a:lnRef idx="2">
+            <a:schemeClr val="accent1">
+              <a:shade val="50000"/>
+            </a:schemeClr>
+          </a:lnRef>
+          <a:fillRef idx="1">
+            <a:schemeClr val="accent1"/>
+          </a:fillRef>
+          <a:effectRef idx="0">
+            <a:schemeClr val="accent1"/>
+          </a:effectRef>
+          <a:fontRef idx="minor">
+            <a:schemeClr val="lt1"/>
+          </a:fontRef>
+        </p:style>
+        <p:txBody>
+          <a:bodyPr rtlCol="0" anchor="ctr"/>
+          <a:lstStyle/>
+          <a:p>
+            <a:pPr algn="ctr"/>
+            <a:endParaRPr lang="ko-KR" altLang="en-US"/>
+          </a:p>
+        </p:txBody>
+      </p:sp>
+      <p:sp>
+        <p:nvSpPr>
+          <p:cNvPr id="93" name="타원 92">
+            <a:extLst>
+              <a:ext uri="{FF2B5EF4-FFF2-40B4-BE49-F238E27FC236}">
+                <a16:creationId xmlns:a16="http://schemas.microsoft.com/office/drawing/2014/main" id="{8D79ACFF-DA8E-4890-A35E-50A59602615C}"/>
+              </a:ext>
+            </a:extLst>
+          </p:cNvPr>
+          <p:cNvSpPr/>
+          <p:nvPr/>
+        </p:nvSpPr>
+        <p:spPr>
+          <a:xfrm>
+            <a:off x="6940684" y="4084298"/>
+            <a:ext cx="45719" cy="45719"/>
+          </a:xfrm>
+          <a:prstGeom prst="ellipse">
+            <a:avLst/>
+          </a:prstGeom>
+          <a:solidFill>
+            <a:srgbClr val="FF0000"/>
+          </a:solidFill>
+          <a:ln>
+            <a:solidFill>
+              <a:srgbClr val="FF0000"/>
+            </a:solidFill>
+          </a:ln>
+        </p:spPr>
+        <p:style>
+          <a:lnRef idx="2">
+            <a:schemeClr val="accent1">
+              <a:shade val="50000"/>
+            </a:schemeClr>
+          </a:lnRef>
+          <a:fillRef idx="1">
+            <a:schemeClr val="accent1"/>
+          </a:fillRef>
+          <a:effectRef idx="0">
+            <a:schemeClr val="accent1"/>
+          </a:effectRef>
+          <a:fontRef idx="minor">
+            <a:schemeClr val="lt1"/>
+          </a:fontRef>
+        </p:style>
+        <p:txBody>
+          <a:bodyPr rtlCol="0" anchor="ctr"/>
+          <a:lstStyle/>
+          <a:p>
+            <a:pPr algn="ctr"/>
+            <a:endParaRPr lang="ko-KR" altLang="en-US"/>
+          </a:p>
+        </p:txBody>
+      </p:sp>
+      <p:sp>
+        <p:nvSpPr>
+          <p:cNvPr id="94" name="타원 93">
+            <a:extLst>
+              <a:ext uri="{FF2B5EF4-FFF2-40B4-BE49-F238E27FC236}">
+                <a16:creationId xmlns:a16="http://schemas.microsoft.com/office/drawing/2014/main" id="{071D9159-23DD-4EAC-B491-C74D5259DE00}"/>
+              </a:ext>
+            </a:extLst>
+          </p:cNvPr>
+          <p:cNvSpPr/>
+          <p:nvPr/>
+        </p:nvSpPr>
+        <p:spPr>
+          <a:xfrm>
+            <a:off x="6825529" y="4011286"/>
+            <a:ext cx="45719" cy="45719"/>
+          </a:xfrm>
+          <a:prstGeom prst="ellipse">
+            <a:avLst/>
+          </a:prstGeom>
+          <a:solidFill>
+            <a:srgbClr val="FF0000"/>
+          </a:solidFill>
+          <a:ln>
+            <a:solidFill>
+              <a:srgbClr val="FF0000"/>
+            </a:solidFill>
+          </a:ln>
+        </p:spPr>
+        <p:style>
+          <a:lnRef idx="2">
+            <a:schemeClr val="accent1">
+              <a:shade val="50000"/>
+            </a:schemeClr>
+          </a:lnRef>
+          <a:fillRef idx="1">
+            <a:schemeClr val="accent1"/>
+          </a:fillRef>
+          <a:effectRef idx="0">
+            <a:schemeClr val="accent1"/>
+          </a:effectRef>
+          <a:fontRef idx="minor">
+            <a:schemeClr val="lt1"/>
+          </a:fontRef>
+        </p:style>
+        <p:txBody>
+          <a:bodyPr rtlCol="0" anchor="ctr"/>
+          <a:lstStyle/>
+          <a:p>
+            <a:pPr algn="ctr"/>
+            <a:endParaRPr lang="ko-KR" altLang="en-US"/>
+          </a:p>
+        </p:txBody>
+      </p:sp>
+    </p:spTree>
+    <p:extLst>
+      <p:ext uri="{BB962C8B-B14F-4D97-AF65-F5344CB8AC3E}">
+        <p14:creationId xmlns:p14="http://schemas.microsoft.com/office/powerpoint/2010/main" val="896492680"/>
+      </p:ext>
+    </p:extLst>
+  </p:cSld>
+  <p:clrMapOvr>
+    <a:masterClrMapping/>
+  </p:clrMapOvr>
+</p:sld>
+</file>
+
+<file path=ppt/slides/slide7.xml><?xml version="1.0" encoding="utf-8"?>
 <p:sld xmlns:a="http://schemas.openxmlformats.org/drawingml/2006/main" xmlns:r="http://schemas.openxmlformats.org/officeDocument/2006/relationships" xmlns:p="http://schemas.openxmlformats.org/presentationml/2006/main">
   <p:cSld>
     <p:bg>
@@ -7386,3571 +11700,6 @@
         <p:spPr>
           <a:xfrm>
             <a:off x="9026557" y="1689986"/>
-            <a:ext cx="2787791" cy="2800767"/>
-          </a:xfrm>
-          <a:prstGeom prst="rect">
-            <a:avLst/>
-          </a:prstGeom>
-          <a:noFill/>
-        </p:spPr>
-        <p:txBody>
-          <a:bodyPr wrap="square" rtlCol="0">
-            <a:spAutoFit/>
-          </a:bodyPr>
-          <a:lstStyle/>
-          <a:p>
-            <a:r>
-              <a:rPr lang="ko-KR" altLang="en-US" sz="1600" dirty="0">
-                <a:latin typeface="나눔스퀘어 Bold" panose="020B0600000101010101" pitchFamily="50" charset="-127"/>
-                <a:ea typeface="나눔스퀘어 Bold" panose="020B0600000101010101" pitchFamily="50" charset="-127"/>
-              </a:rPr>
-              <a:t>마스크 착용 데이터셋 제작</a:t>
-            </a:r>
-            <a:endParaRPr lang="en-US" altLang="ko-KR" sz="1600" dirty="0">
-              <a:latin typeface="나눔스퀘어 Bold" panose="020B0600000101010101" pitchFamily="50" charset="-127"/>
-              <a:ea typeface="나눔스퀘어 Bold" panose="020B0600000101010101" pitchFamily="50" charset="-127"/>
-            </a:endParaRPr>
-          </a:p>
-          <a:p>
-            <a:endParaRPr lang="en-US" altLang="ko-KR" sz="1600" dirty="0">
-              <a:latin typeface="나눔스퀘어 Bold" panose="020B0600000101010101" pitchFamily="50" charset="-127"/>
-              <a:ea typeface="나눔스퀘어 Bold" panose="020B0600000101010101" pitchFamily="50" charset="-127"/>
-            </a:endParaRPr>
-          </a:p>
-          <a:p>
-            <a:r>
-              <a:rPr lang="en-US" altLang="ko-KR" sz="1600" dirty="0">
-                <a:latin typeface="나눔스퀘어 Bold" panose="020B0600000101010101" pitchFamily="50" charset="-127"/>
-                <a:ea typeface="나눔스퀘어 Bold" panose="020B0600000101010101" pitchFamily="50" charset="-127"/>
-              </a:rPr>
-              <a:t>1. </a:t>
-            </a:r>
-            <a:r>
-              <a:rPr lang="ko-KR" altLang="en-US" sz="1600" dirty="0">
-                <a:latin typeface="나눔스퀘어 Bold" panose="020B0600000101010101" pitchFamily="50" charset="-127"/>
-                <a:ea typeface="나눔스퀘어 Bold" panose="020B0600000101010101" pitchFamily="50" charset="-127"/>
-              </a:rPr>
-              <a:t>마스크 미착용 데이터셋</a:t>
-            </a:r>
-            <a:r>
-              <a:rPr lang="en-US" altLang="ko-KR" sz="1600" dirty="0">
-                <a:latin typeface="나눔스퀘어 Bold" panose="020B0600000101010101" pitchFamily="50" charset="-127"/>
-                <a:ea typeface="나눔스퀘어 Bold" panose="020B0600000101010101" pitchFamily="50" charset="-127"/>
-              </a:rPr>
-              <a:t>(</a:t>
-            </a:r>
-            <a:r>
-              <a:rPr lang="ko-KR" altLang="en-US" sz="1600" dirty="0">
-                <a:latin typeface="나눔스퀘어 Bold" panose="020B0600000101010101" pitchFamily="50" charset="-127"/>
-                <a:ea typeface="나눔스퀘어 Bold" panose="020B0600000101010101" pitchFamily="50" charset="-127"/>
-              </a:rPr>
-              <a:t>기본 사람 얼굴</a:t>
-            </a:r>
-            <a:r>
-              <a:rPr lang="en-US" altLang="ko-KR" sz="1600" dirty="0">
-                <a:latin typeface="나눔스퀘어 Bold" panose="020B0600000101010101" pitchFamily="50" charset="-127"/>
-                <a:ea typeface="나눔스퀘어 Bold" panose="020B0600000101010101" pitchFamily="50" charset="-127"/>
-              </a:rPr>
-              <a:t>)</a:t>
-            </a:r>
-            <a:r>
-              <a:rPr lang="ko-KR" altLang="en-US" sz="1600" dirty="0">
-                <a:latin typeface="나눔스퀘어 Bold" panose="020B0600000101010101" pitchFamily="50" charset="-127"/>
-                <a:ea typeface="나눔스퀘어 Bold" panose="020B0600000101010101" pitchFamily="50" charset="-127"/>
-              </a:rPr>
-              <a:t> 사진에서 얼굴의 경계 상자 위치 계산</a:t>
-            </a:r>
-            <a:endParaRPr lang="en-US" altLang="ko-KR" sz="1600" dirty="0">
-              <a:latin typeface="나눔스퀘어 Bold" panose="020B0600000101010101" pitchFamily="50" charset="-127"/>
-              <a:ea typeface="나눔스퀘어 Bold" panose="020B0600000101010101" pitchFamily="50" charset="-127"/>
-            </a:endParaRPr>
-          </a:p>
-          <a:p>
-            <a:endParaRPr lang="en-US" altLang="ko-KR" sz="1600" dirty="0">
-              <a:latin typeface="나눔스퀘어 Bold" panose="020B0600000101010101" pitchFamily="50" charset="-127"/>
-              <a:ea typeface="나눔스퀘어 Bold" panose="020B0600000101010101" pitchFamily="50" charset="-127"/>
-            </a:endParaRPr>
-          </a:p>
-          <a:p>
-            <a:r>
-              <a:rPr lang="en-US" altLang="ko-KR" sz="1600" dirty="0">
-                <a:latin typeface="나눔스퀘어 Bold" panose="020B0600000101010101" pitchFamily="50" charset="-127"/>
-                <a:ea typeface="나눔스퀘어 Bold" panose="020B0600000101010101" pitchFamily="50" charset="-127"/>
-              </a:rPr>
-              <a:t>2.</a:t>
-            </a:r>
-            <a:r>
-              <a:rPr lang="ko-KR" altLang="en-US" sz="1600" dirty="0">
-                <a:latin typeface="나눔스퀘어 Bold" panose="020B0600000101010101" pitchFamily="50" charset="-127"/>
-                <a:ea typeface="나눔스퀘어 Bold" panose="020B0600000101010101" pitchFamily="50" charset="-127"/>
-              </a:rPr>
-              <a:t> 얼굴 </a:t>
-            </a:r>
-            <a:r>
-              <a:rPr lang="en-US" altLang="ko-KR" sz="1600" dirty="0">
-                <a:latin typeface="나눔스퀘어 Bold" panose="020B0600000101010101" pitchFamily="50" charset="-127"/>
-                <a:ea typeface="나눔스퀘어 Bold" panose="020B0600000101010101" pitchFamily="50" charset="-127"/>
-              </a:rPr>
-              <a:t>ROI(Region of Interest) </a:t>
-            </a:r>
-            <a:r>
-              <a:rPr lang="ko-KR" altLang="en-US" sz="1600" dirty="0">
-                <a:latin typeface="나눔스퀘어 Bold" panose="020B0600000101010101" pitchFamily="50" charset="-127"/>
-                <a:ea typeface="나눔스퀘어 Bold" panose="020B0600000101010101" pitchFamily="50" charset="-127"/>
-              </a:rPr>
-              <a:t>추출 </a:t>
-            </a:r>
-            <a:endParaRPr lang="en-US" altLang="ko-KR" sz="1600" dirty="0">
-              <a:latin typeface="나눔스퀘어 Bold" panose="020B0600000101010101" pitchFamily="50" charset="-127"/>
-              <a:ea typeface="나눔스퀘어 Bold" panose="020B0600000101010101" pitchFamily="50" charset="-127"/>
-            </a:endParaRPr>
-          </a:p>
-          <a:p>
-            <a:endParaRPr lang="en-US" altLang="ko-KR" sz="1600" dirty="0">
-              <a:latin typeface="나눔스퀘어 Bold" panose="020B0600000101010101" pitchFamily="50" charset="-127"/>
-              <a:ea typeface="나눔스퀘어 Bold" panose="020B0600000101010101" pitchFamily="50" charset="-127"/>
-            </a:endParaRPr>
-          </a:p>
-          <a:p>
-            <a:r>
-              <a:rPr lang="en-US" altLang="ko-KR" sz="1600" dirty="0">
-                <a:latin typeface="나눔스퀘어 Bold" panose="020B0600000101010101" pitchFamily="50" charset="-127"/>
-                <a:ea typeface="나눔스퀘어 Bold" panose="020B0600000101010101" pitchFamily="50" charset="-127"/>
-              </a:rPr>
-              <a:t>3.</a:t>
-            </a:r>
-            <a:r>
-              <a:rPr lang="ko-KR" altLang="en-US" sz="1600" dirty="0">
-                <a:latin typeface="나눔스퀘어 Bold" panose="020B0600000101010101" pitchFamily="50" charset="-127"/>
-                <a:ea typeface="나눔스퀘어 Bold" panose="020B0600000101010101" pitchFamily="50" charset="-127"/>
-              </a:rPr>
-              <a:t>얼굴 랜드마크를 적용하여 눈</a:t>
-            </a:r>
-            <a:r>
-              <a:rPr lang="en-US" altLang="ko-KR" sz="1600" dirty="0">
-                <a:latin typeface="나눔스퀘어 Bold" panose="020B0600000101010101" pitchFamily="50" charset="-127"/>
-                <a:ea typeface="나눔스퀘어 Bold" panose="020B0600000101010101" pitchFamily="50" charset="-127"/>
-              </a:rPr>
-              <a:t>,</a:t>
-            </a:r>
-            <a:r>
-              <a:rPr lang="ko-KR" altLang="en-US" sz="1600" dirty="0">
-                <a:latin typeface="나눔스퀘어 Bold" panose="020B0600000101010101" pitchFamily="50" charset="-127"/>
-                <a:ea typeface="나눔스퀘어 Bold" panose="020B0600000101010101" pitchFamily="50" charset="-127"/>
-              </a:rPr>
-              <a:t>코</a:t>
-            </a:r>
-            <a:r>
-              <a:rPr lang="en-US" altLang="ko-KR" sz="1600" dirty="0">
-                <a:latin typeface="나눔스퀘어 Bold" panose="020B0600000101010101" pitchFamily="50" charset="-127"/>
-                <a:ea typeface="나눔스퀘어 Bold" panose="020B0600000101010101" pitchFamily="50" charset="-127"/>
-              </a:rPr>
-              <a:t>, </a:t>
-            </a:r>
-            <a:r>
-              <a:rPr lang="ko-KR" altLang="en-US" sz="1600" dirty="0">
-                <a:latin typeface="나눔스퀘어 Bold" panose="020B0600000101010101" pitchFamily="50" charset="-127"/>
-                <a:ea typeface="나눔스퀘어 Bold" panose="020B0600000101010101" pitchFamily="50" charset="-127"/>
-              </a:rPr>
-              <a:t>입 등을 국소화</a:t>
-            </a:r>
-            <a:endParaRPr lang="en-US" altLang="ko-KR" sz="1600" dirty="0">
-              <a:latin typeface="나눔스퀘어 Bold" panose="020B0600000101010101" pitchFamily="50" charset="-127"/>
-              <a:ea typeface="나눔스퀘어 Bold" panose="020B0600000101010101" pitchFamily="50" charset="-127"/>
-            </a:endParaRPr>
-          </a:p>
-        </p:txBody>
-      </p:sp>
-      <p:sp>
-        <p:nvSpPr>
-          <p:cNvPr id="21" name="직사각형 20">
-            <a:extLst>
-              <a:ext uri="{FF2B5EF4-FFF2-40B4-BE49-F238E27FC236}">
-                <a16:creationId xmlns:a16="http://schemas.microsoft.com/office/drawing/2014/main" id="{B6E4BD10-3009-45CA-9AAA-340AED35E688}"/>
-              </a:ext>
-            </a:extLst>
-          </p:cNvPr>
-          <p:cNvSpPr/>
-          <p:nvPr/>
-        </p:nvSpPr>
-        <p:spPr>
-          <a:xfrm>
-            <a:off x="781718" y="2709643"/>
-            <a:ext cx="2527540" cy="2393511"/>
-          </a:xfrm>
-          <a:prstGeom prst="rect">
-            <a:avLst/>
-          </a:prstGeom>
-          <a:solidFill>
-            <a:srgbClr val="303F9F">
-              <a:alpha val="0"/>
-            </a:srgbClr>
-          </a:solidFill>
-          <a:ln w="28575">
-            <a:solidFill>
-              <a:srgbClr val="303F9F"/>
-            </a:solidFill>
-          </a:ln>
-        </p:spPr>
-        <p:style>
-          <a:lnRef idx="2">
-            <a:schemeClr val="accent1">
-              <a:shade val="50000"/>
-            </a:schemeClr>
-          </a:lnRef>
-          <a:fillRef idx="1">
-            <a:schemeClr val="accent1"/>
-          </a:fillRef>
-          <a:effectRef idx="0">
-            <a:schemeClr val="accent1"/>
-          </a:effectRef>
-          <a:fontRef idx="minor">
-            <a:schemeClr val="lt1"/>
-          </a:fontRef>
-        </p:style>
-        <p:txBody>
-          <a:bodyPr rtlCol="0" anchor="ctr"/>
-          <a:lstStyle/>
-          <a:p>
-            <a:pPr algn="ctr"/>
-            <a:endParaRPr lang="ko-KR" altLang="en-US"/>
-          </a:p>
-        </p:txBody>
-      </p:sp>
-      <p:pic>
-        <p:nvPicPr>
-          <p:cNvPr id="13" name="그래픽 12" descr="남자 윤곽선">
-            <a:extLst>
-              <a:ext uri="{FF2B5EF4-FFF2-40B4-BE49-F238E27FC236}">
-                <a16:creationId xmlns:a16="http://schemas.microsoft.com/office/drawing/2014/main" id="{80DD65CF-F03D-4150-9B76-C9237CF667E6}"/>
-              </a:ext>
-            </a:extLst>
-          </p:cNvPr>
-          <p:cNvPicPr>
-            <a:picLocks noChangeAspect="1"/>
-          </p:cNvPicPr>
-          <p:nvPr/>
-        </p:nvPicPr>
-        <p:blipFill>
-          <a:blip r:embed="rId2">
-            <a:extLst>
-              <a:ext uri="{28A0092B-C50C-407E-A947-70E740481C1C}">
-                <a14:useLocalDpi xmlns:a14="http://schemas.microsoft.com/office/drawing/2010/main" val="0"/>
-              </a:ext>
-              <a:ext uri="{96DAC541-7B7A-43D3-8B79-37D633B846F1}">
-                <asvg:svgBlip xmlns:asvg="http://schemas.microsoft.com/office/drawing/2016/SVG/main" r:embed="rId3"/>
-              </a:ext>
-            </a:extLst>
-          </a:blip>
-          <a:stretch>
-            <a:fillRect/>
-          </a:stretch>
-        </p:blipFill>
-        <p:spPr>
-          <a:xfrm>
-            <a:off x="1100756" y="3053578"/>
-            <a:ext cx="1889463" cy="1889463"/>
-          </a:xfrm>
-          <a:prstGeom prst="rect">
-            <a:avLst/>
-          </a:prstGeom>
-        </p:spPr>
-      </p:pic>
-      <p:sp>
-        <p:nvSpPr>
-          <p:cNvPr id="14" name="직사각형 13">
-            <a:extLst>
-              <a:ext uri="{FF2B5EF4-FFF2-40B4-BE49-F238E27FC236}">
-                <a16:creationId xmlns:a16="http://schemas.microsoft.com/office/drawing/2014/main" id="{931B6679-B9A4-4B79-8136-96C71522172B}"/>
-              </a:ext>
-            </a:extLst>
-          </p:cNvPr>
-          <p:cNvSpPr/>
-          <p:nvPr/>
-        </p:nvSpPr>
-        <p:spPr>
-          <a:xfrm>
-            <a:off x="1870745" y="3112316"/>
-            <a:ext cx="343949" cy="316684"/>
-          </a:xfrm>
-          <a:prstGeom prst="rect">
-            <a:avLst/>
-          </a:prstGeom>
-          <a:noFill/>
-          <a:ln>
-            <a:solidFill>
-              <a:srgbClr val="FF0000"/>
-            </a:solidFill>
-          </a:ln>
-        </p:spPr>
-        <p:style>
-          <a:lnRef idx="2">
-            <a:schemeClr val="accent1">
-              <a:shade val="50000"/>
-            </a:schemeClr>
-          </a:lnRef>
-          <a:fillRef idx="1">
-            <a:schemeClr val="accent1"/>
-          </a:fillRef>
-          <a:effectRef idx="0">
-            <a:schemeClr val="accent1"/>
-          </a:effectRef>
-          <a:fontRef idx="minor">
-            <a:schemeClr val="lt1"/>
-          </a:fontRef>
-        </p:style>
-        <p:txBody>
-          <a:bodyPr rtlCol="0" anchor="ctr"/>
-          <a:lstStyle/>
-          <a:p>
-            <a:pPr algn="ctr"/>
-            <a:endParaRPr lang="ko-KR" altLang="en-US"/>
-          </a:p>
-        </p:txBody>
-      </p:sp>
-      <p:cxnSp>
-        <p:nvCxnSpPr>
-          <p:cNvPr id="16" name="직선 화살표 연결선 15">
-            <a:extLst>
-              <a:ext uri="{FF2B5EF4-FFF2-40B4-BE49-F238E27FC236}">
-                <a16:creationId xmlns:a16="http://schemas.microsoft.com/office/drawing/2014/main" id="{80F43C70-4460-42F5-AEE3-12BD6F70E0A2}"/>
-              </a:ext>
-            </a:extLst>
-          </p:cNvPr>
-          <p:cNvCxnSpPr/>
-          <p:nvPr/>
-        </p:nvCxnSpPr>
-        <p:spPr>
-          <a:xfrm>
-            <a:off x="2223227" y="3270658"/>
-            <a:ext cx="1677798" cy="276837"/>
-          </a:xfrm>
-          <a:prstGeom prst="straightConnector1">
-            <a:avLst/>
-          </a:prstGeom>
-          <a:ln>
-            <a:tailEnd type="triangle"/>
-          </a:ln>
-        </p:spPr>
-        <p:style>
-          <a:lnRef idx="1">
-            <a:schemeClr val="accent1"/>
-          </a:lnRef>
-          <a:fillRef idx="0">
-            <a:schemeClr val="accent1"/>
-          </a:fillRef>
-          <a:effectRef idx="0">
-            <a:schemeClr val="accent1"/>
-          </a:effectRef>
-          <a:fontRef idx="minor">
-            <a:schemeClr val="tx1"/>
-          </a:fontRef>
-        </p:style>
-      </p:cxnSp>
-      <p:pic>
-        <p:nvPicPr>
-          <p:cNvPr id="18" name="그래픽 17" descr="웃는 얼굴(윤곽선) 윤곽선">
-            <a:extLst>
-              <a:ext uri="{FF2B5EF4-FFF2-40B4-BE49-F238E27FC236}">
-                <a16:creationId xmlns:a16="http://schemas.microsoft.com/office/drawing/2014/main" id="{0A301C08-0D34-46C9-BB60-DAE88C306740}"/>
-              </a:ext>
-            </a:extLst>
-          </p:cNvPr>
-          <p:cNvPicPr>
-            <a:picLocks noChangeAspect="1"/>
-          </p:cNvPicPr>
-          <p:nvPr/>
-        </p:nvPicPr>
-        <p:blipFill>
-          <a:blip r:embed="rId4" cstate="print">
-            <a:extLst>
-              <a:ext uri="{28A0092B-C50C-407E-A947-70E740481C1C}">
-                <a14:useLocalDpi xmlns:a14="http://schemas.microsoft.com/office/drawing/2010/main" val="0"/>
-              </a:ext>
-              <a:ext uri="{96DAC541-7B7A-43D3-8B79-37D633B846F1}">
-                <asvg:svgBlip xmlns:asvg="http://schemas.microsoft.com/office/drawing/2016/SVG/main" r:embed="rId5"/>
-              </a:ext>
-            </a:extLst>
-          </a:blip>
-          <a:stretch>
-            <a:fillRect/>
-          </a:stretch>
-        </p:blipFill>
-        <p:spPr>
-          <a:xfrm>
-            <a:off x="3860800" y="3167743"/>
-            <a:ext cx="914400" cy="914400"/>
-          </a:xfrm>
-          <a:prstGeom prst="rect">
-            <a:avLst/>
-          </a:prstGeom>
-        </p:spPr>
-      </p:pic>
-      <p:cxnSp>
-        <p:nvCxnSpPr>
-          <p:cNvPr id="37" name="직선 화살표 연결선 36">
-            <a:extLst>
-              <a:ext uri="{FF2B5EF4-FFF2-40B4-BE49-F238E27FC236}">
-                <a16:creationId xmlns:a16="http://schemas.microsoft.com/office/drawing/2014/main" id="{95F4079A-FB17-4830-A672-0791CDA9F195}"/>
-              </a:ext>
-            </a:extLst>
-          </p:cNvPr>
-          <p:cNvCxnSpPr>
-            <a:cxnSpLocks/>
-          </p:cNvCxnSpPr>
-          <p:nvPr/>
-        </p:nvCxnSpPr>
-        <p:spPr>
-          <a:xfrm>
-            <a:off x="4775200" y="3624943"/>
-            <a:ext cx="1364343" cy="0"/>
-          </a:xfrm>
-          <a:prstGeom prst="straightConnector1">
-            <a:avLst/>
-          </a:prstGeom>
-          <a:ln>
-            <a:tailEnd type="triangle"/>
-          </a:ln>
-        </p:spPr>
-        <p:style>
-          <a:lnRef idx="1">
-            <a:schemeClr val="accent1"/>
-          </a:lnRef>
-          <a:fillRef idx="0">
-            <a:schemeClr val="accent1"/>
-          </a:fillRef>
-          <a:effectRef idx="0">
-            <a:schemeClr val="accent1"/>
-          </a:effectRef>
-          <a:fontRef idx="minor">
-            <a:schemeClr val="tx1"/>
-          </a:fontRef>
-        </p:style>
-      </p:cxnSp>
-      <p:pic>
-        <p:nvPicPr>
-          <p:cNvPr id="40" name="그래픽 39" descr="웃는 얼굴(윤곽선) 윤곽선">
-            <a:extLst>
-              <a:ext uri="{FF2B5EF4-FFF2-40B4-BE49-F238E27FC236}">
-                <a16:creationId xmlns:a16="http://schemas.microsoft.com/office/drawing/2014/main" id="{2A45AE63-4202-4946-BE62-C74466F64D11}"/>
-              </a:ext>
-            </a:extLst>
-          </p:cNvPr>
-          <p:cNvPicPr>
-            <a:picLocks noChangeAspect="1"/>
-          </p:cNvPicPr>
-          <p:nvPr/>
-        </p:nvPicPr>
-        <p:blipFill>
-          <a:blip r:embed="rId6">
-            <a:extLst>
-              <a:ext uri="{28A0092B-C50C-407E-A947-70E740481C1C}">
-                <a14:useLocalDpi xmlns:a14="http://schemas.microsoft.com/office/drawing/2010/main" val="0"/>
-              </a:ext>
-              <a:ext uri="{96DAC541-7B7A-43D3-8B79-37D633B846F1}">
-                <asvg:svgBlip xmlns:asvg="http://schemas.microsoft.com/office/drawing/2016/SVG/main" r:embed="rId5"/>
-              </a:ext>
-            </a:extLst>
-          </a:blip>
-          <a:stretch>
-            <a:fillRect/>
-          </a:stretch>
-        </p:blipFill>
-        <p:spPr>
-          <a:xfrm>
-            <a:off x="6215869" y="2709643"/>
-            <a:ext cx="1966941" cy="1966941"/>
-          </a:xfrm>
-          <a:prstGeom prst="rect">
-            <a:avLst/>
-          </a:prstGeom>
-        </p:spPr>
-      </p:pic>
-      <p:sp>
-        <p:nvSpPr>
-          <p:cNvPr id="32" name="타원 31">
-            <a:extLst>
-              <a:ext uri="{FF2B5EF4-FFF2-40B4-BE49-F238E27FC236}">
-                <a16:creationId xmlns:a16="http://schemas.microsoft.com/office/drawing/2014/main" id="{8F1DD527-D8E7-4CD1-A1A4-22D9AA76E684}"/>
-              </a:ext>
-            </a:extLst>
-          </p:cNvPr>
-          <p:cNvSpPr/>
-          <p:nvPr/>
-        </p:nvSpPr>
-        <p:spPr>
-          <a:xfrm>
-            <a:off x="6986403" y="3363357"/>
-            <a:ext cx="45719" cy="45719"/>
-          </a:xfrm>
-          <a:prstGeom prst="ellipse">
-            <a:avLst/>
-          </a:prstGeom>
-          <a:solidFill>
-            <a:srgbClr val="FF0000"/>
-          </a:solidFill>
-          <a:ln>
-            <a:solidFill>
-              <a:srgbClr val="FF0000"/>
-            </a:solidFill>
-          </a:ln>
-        </p:spPr>
-        <p:style>
-          <a:lnRef idx="2">
-            <a:schemeClr val="accent1">
-              <a:shade val="50000"/>
-            </a:schemeClr>
-          </a:lnRef>
-          <a:fillRef idx="1">
-            <a:schemeClr val="accent1"/>
-          </a:fillRef>
-          <a:effectRef idx="0">
-            <a:schemeClr val="accent1"/>
-          </a:effectRef>
-          <a:fontRef idx="minor">
-            <a:schemeClr val="lt1"/>
-          </a:fontRef>
-        </p:style>
-        <p:txBody>
-          <a:bodyPr rtlCol="0" anchor="ctr"/>
-          <a:lstStyle/>
-          <a:p>
-            <a:pPr algn="ctr"/>
-            <a:endParaRPr lang="ko-KR" altLang="en-US"/>
-          </a:p>
-        </p:txBody>
-      </p:sp>
-      <p:sp>
-        <p:nvSpPr>
-          <p:cNvPr id="42" name="타원 41">
-            <a:extLst>
-              <a:ext uri="{FF2B5EF4-FFF2-40B4-BE49-F238E27FC236}">
-                <a16:creationId xmlns:a16="http://schemas.microsoft.com/office/drawing/2014/main" id="{A4D15766-91BA-4B98-BE71-31EE45DED331}"/>
-              </a:ext>
-            </a:extLst>
-          </p:cNvPr>
-          <p:cNvSpPr/>
-          <p:nvPr/>
-        </p:nvSpPr>
-        <p:spPr>
-          <a:xfrm>
-            <a:off x="6868777" y="3363356"/>
-            <a:ext cx="45719" cy="45719"/>
-          </a:xfrm>
-          <a:prstGeom prst="ellipse">
-            <a:avLst/>
-          </a:prstGeom>
-          <a:solidFill>
-            <a:srgbClr val="FF0000"/>
-          </a:solidFill>
-          <a:ln>
-            <a:solidFill>
-              <a:srgbClr val="FF0000"/>
-            </a:solidFill>
-          </a:ln>
-        </p:spPr>
-        <p:style>
-          <a:lnRef idx="2">
-            <a:schemeClr val="accent1">
-              <a:shade val="50000"/>
-            </a:schemeClr>
-          </a:lnRef>
-          <a:fillRef idx="1">
-            <a:schemeClr val="accent1"/>
-          </a:fillRef>
-          <a:effectRef idx="0">
-            <a:schemeClr val="accent1"/>
-          </a:effectRef>
-          <a:fontRef idx="minor">
-            <a:schemeClr val="lt1"/>
-          </a:fontRef>
-        </p:style>
-        <p:txBody>
-          <a:bodyPr rtlCol="0" anchor="ctr"/>
-          <a:lstStyle/>
-          <a:p>
-            <a:pPr algn="ctr"/>
-            <a:endParaRPr lang="ko-KR" altLang="en-US"/>
-          </a:p>
-        </p:txBody>
-      </p:sp>
-      <p:sp>
-        <p:nvSpPr>
-          <p:cNvPr id="43" name="타원 42">
-            <a:extLst>
-              <a:ext uri="{FF2B5EF4-FFF2-40B4-BE49-F238E27FC236}">
-                <a16:creationId xmlns:a16="http://schemas.microsoft.com/office/drawing/2014/main" id="{48A95551-D3D4-48E8-86C9-01AB1D1EA6D0}"/>
-              </a:ext>
-            </a:extLst>
-          </p:cNvPr>
-          <p:cNvSpPr/>
-          <p:nvPr/>
-        </p:nvSpPr>
-        <p:spPr>
-          <a:xfrm>
-            <a:off x="6765463" y="3363967"/>
-            <a:ext cx="45719" cy="45719"/>
-          </a:xfrm>
-          <a:prstGeom prst="ellipse">
-            <a:avLst/>
-          </a:prstGeom>
-          <a:solidFill>
-            <a:srgbClr val="FF0000"/>
-          </a:solidFill>
-          <a:ln>
-            <a:solidFill>
-              <a:srgbClr val="FF0000"/>
-            </a:solidFill>
-          </a:ln>
-        </p:spPr>
-        <p:style>
-          <a:lnRef idx="2">
-            <a:schemeClr val="accent1">
-              <a:shade val="50000"/>
-            </a:schemeClr>
-          </a:lnRef>
-          <a:fillRef idx="1">
-            <a:schemeClr val="accent1"/>
-          </a:fillRef>
-          <a:effectRef idx="0">
-            <a:schemeClr val="accent1"/>
-          </a:effectRef>
-          <a:fontRef idx="minor">
-            <a:schemeClr val="lt1"/>
-          </a:fontRef>
-        </p:style>
-        <p:txBody>
-          <a:bodyPr rtlCol="0" anchor="ctr"/>
-          <a:lstStyle/>
-          <a:p>
-            <a:pPr algn="ctr"/>
-            <a:endParaRPr lang="ko-KR" altLang="en-US"/>
-          </a:p>
-        </p:txBody>
-      </p:sp>
-      <p:sp>
-        <p:nvSpPr>
-          <p:cNvPr id="44" name="타원 43">
-            <a:extLst>
-              <a:ext uri="{FF2B5EF4-FFF2-40B4-BE49-F238E27FC236}">
-                <a16:creationId xmlns:a16="http://schemas.microsoft.com/office/drawing/2014/main" id="{8182213A-1881-436E-8EAB-805306D11969}"/>
-              </a:ext>
-            </a:extLst>
-          </p:cNvPr>
-          <p:cNvSpPr/>
-          <p:nvPr/>
-        </p:nvSpPr>
-        <p:spPr>
-          <a:xfrm>
-            <a:off x="6644888" y="3409075"/>
-            <a:ext cx="45719" cy="45719"/>
-          </a:xfrm>
-          <a:prstGeom prst="ellipse">
-            <a:avLst/>
-          </a:prstGeom>
-          <a:solidFill>
-            <a:srgbClr val="FF0000"/>
-          </a:solidFill>
-          <a:ln>
-            <a:solidFill>
-              <a:srgbClr val="FF0000"/>
-            </a:solidFill>
-          </a:ln>
-        </p:spPr>
-        <p:style>
-          <a:lnRef idx="2">
-            <a:schemeClr val="accent1">
-              <a:shade val="50000"/>
-            </a:schemeClr>
-          </a:lnRef>
-          <a:fillRef idx="1">
-            <a:schemeClr val="accent1"/>
-          </a:fillRef>
-          <a:effectRef idx="0">
-            <a:schemeClr val="accent1"/>
-          </a:effectRef>
-          <a:fontRef idx="minor">
-            <a:schemeClr val="lt1"/>
-          </a:fontRef>
-        </p:style>
-        <p:txBody>
-          <a:bodyPr rtlCol="0" anchor="ctr"/>
-          <a:lstStyle/>
-          <a:p>
-            <a:pPr algn="ctr"/>
-            <a:endParaRPr lang="ko-KR" altLang="en-US"/>
-          </a:p>
-        </p:txBody>
-      </p:sp>
-      <p:sp>
-        <p:nvSpPr>
-          <p:cNvPr id="46" name="타원 45">
-            <a:extLst>
-              <a:ext uri="{FF2B5EF4-FFF2-40B4-BE49-F238E27FC236}">
-                <a16:creationId xmlns:a16="http://schemas.microsoft.com/office/drawing/2014/main" id="{DF4E7400-0C5C-448C-A2A3-962A057FCB0F}"/>
-              </a:ext>
-            </a:extLst>
-          </p:cNvPr>
-          <p:cNvSpPr/>
-          <p:nvPr/>
-        </p:nvSpPr>
-        <p:spPr>
-          <a:xfrm>
-            <a:off x="6592408" y="3501776"/>
-            <a:ext cx="45719" cy="45719"/>
-          </a:xfrm>
-          <a:prstGeom prst="ellipse">
-            <a:avLst/>
-          </a:prstGeom>
-          <a:solidFill>
-            <a:srgbClr val="FF0000"/>
-          </a:solidFill>
-          <a:ln>
-            <a:solidFill>
-              <a:srgbClr val="FF0000"/>
-            </a:solidFill>
-          </a:ln>
-        </p:spPr>
-        <p:style>
-          <a:lnRef idx="2">
-            <a:schemeClr val="accent1">
-              <a:shade val="50000"/>
-            </a:schemeClr>
-          </a:lnRef>
-          <a:fillRef idx="1">
-            <a:schemeClr val="accent1"/>
-          </a:fillRef>
-          <a:effectRef idx="0">
-            <a:schemeClr val="accent1"/>
-          </a:effectRef>
-          <a:fontRef idx="minor">
-            <a:schemeClr val="lt1"/>
-          </a:fontRef>
-        </p:style>
-        <p:txBody>
-          <a:bodyPr rtlCol="0" anchor="ctr"/>
-          <a:lstStyle/>
-          <a:p>
-            <a:pPr algn="ctr"/>
-            <a:endParaRPr lang="ko-KR" altLang="en-US"/>
-          </a:p>
-        </p:txBody>
-      </p:sp>
-      <p:sp>
-        <p:nvSpPr>
-          <p:cNvPr id="47" name="타원 46">
-            <a:extLst>
-              <a:ext uri="{FF2B5EF4-FFF2-40B4-BE49-F238E27FC236}">
-                <a16:creationId xmlns:a16="http://schemas.microsoft.com/office/drawing/2014/main" id="{D3C61DBA-1AAC-4920-BE85-E6998F0AC8C1}"/>
-              </a:ext>
-            </a:extLst>
-          </p:cNvPr>
-          <p:cNvSpPr/>
-          <p:nvPr/>
-        </p:nvSpPr>
-        <p:spPr>
-          <a:xfrm>
-            <a:off x="6469309" y="3501775"/>
-            <a:ext cx="45719" cy="45719"/>
-          </a:xfrm>
-          <a:prstGeom prst="ellipse">
-            <a:avLst/>
-          </a:prstGeom>
-          <a:solidFill>
-            <a:srgbClr val="FF0000"/>
-          </a:solidFill>
-          <a:ln>
-            <a:solidFill>
-              <a:srgbClr val="FF0000"/>
-            </a:solidFill>
-          </a:ln>
-        </p:spPr>
-        <p:style>
-          <a:lnRef idx="2">
-            <a:schemeClr val="accent1">
-              <a:shade val="50000"/>
-            </a:schemeClr>
-          </a:lnRef>
-          <a:fillRef idx="1">
-            <a:schemeClr val="accent1"/>
-          </a:fillRef>
-          <a:effectRef idx="0">
-            <a:schemeClr val="accent1"/>
-          </a:effectRef>
-          <a:fontRef idx="minor">
-            <a:schemeClr val="lt1"/>
-          </a:fontRef>
-        </p:style>
-        <p:txBody>
-          <a:bodyPr rtlCol="0" anchor="ctr"/>
-          <a:lstStyle/>
-          <a:p>
-            <a:pPr algn="ctr"/>
-            <a:endParaRPr lang="ko-KR" altLang="en-US"/>
-          </a:p>
-        </p:txBody>
-      </p:sp>
-      <p:sp>
-        <p:nvSpPr>
-          <p:cNvPr id="48" name="타원 47">
-            <a:extLst>
-              <a:ext uri="{FF2B5EF4-FFF2-40B4-BE49-F238E27FC236}">
-                <a16:creationId xmlns:a16="http://schemas.microsoft.com/office/drawing/2014/main" id="{FB0DF1DE-9673-4C96-BD73-40C4E366C5B9}"/>
-              </a:ext>
-            </a:extLst>
-          </p:cNvPr>
-          <p:cNvSpPr/>
-          <p:nvPr/>
-        </p:nvSpPr>
-        <p:spPr>
-          <a:xfrm>
-            <a:off x="6446449" y="3624943"/>
-            <a:ext cx="45719" cy="45719"/>
-          </a:xfrm>
-          <a:prstGeom prst="ellipse">
-            <a:avLst/>
-          </a:prstGeom>
-          <a:solidFill>
-            <a:srgbClr val="FF0000"/>
-          </a:solidFill>
-          <a:ln>
-            <a:solidFill>
-              <a:srgbClr val="FF0000"/>
-            </a:solidFill>
-          </a:ln>
-        </p:spPr>
-        <p:style>
-          <a:lnRef idx="2">
-            <a:schemeClr val="accent1">
-              <a:shade val="50000"/>
-            </a:schemeClr>
-          </a:lnRef>
-          <a:fillRef idx="1">
-            <a:schemeClr val="accent1"/>
-          </a:fillRef>
-          <a:effectRef idx="0">
-            <a:schemeClr val="accent1"/>
-          </a:effectRef>
-          <a:fontRef idx="minor">
-            <a:schemeClr val="lt1"/>
-          </a:fontRef>
-        </p:style>
-        <p:txBody>
-          <a:bodyPr rtlCol="0" anchor="ctr"/>
-          <a:lstStyle/>
-          <a:p>
-            <a:pPr algn="ctr"/>
-            <a:endParaRPr lang="ko-KR" altLang="en-US"/>
-          </a:p>
-        </p:txBody>
-      </p:sp>
-      <p:sp>
-        <p:nvSpPr>
-          <p:cNvPr id="49" name="타원 48">
-            <a:extLst>
-              <a:ext uri="{FF2B5EF4-FFF2-40B4-BE49-F238E27FC236}">
-                <a16:creationId xmlns:a16="http://schemas.microsoft.com/office/drawing/2014/main" id="{5D49C9A3-5DF8-4BF2-ADB3-C9B240572E29}"/>
-              </a:ext>
-            </a:extLst>
-          </p:cNvPr>
-          <p:cNvSpPr/>
-          <p:nvPr/>
-        </p:nvSpPr>
-        <p:spPr>
-          <a:xfrm>
-            <a:off x="6474050" y="3758176"/>
-            <a:ext cx="45719" cy="45719"/>
-          </a:xfrm>
-          <a:prstGeom prst="ellipse">
-            <a:avLst/>
-          </a:prstGeom>
-          <a:solidFill>
-            <a:srgbClr val="FF0000"/>
-          </a:solidFill>
-          <a:ln>
-            <a:solidFill>
-              <a:srgbClr val="FF0000"/>
-            </a:solidFill>
-          </a:ln>
-        </p:spPr>
-        <p:style>
-          <a:lnRef idx="2">
-            <a:schemeClr val="accent1">
-              <a:shade val="50000"/>
-            </a:schemeClr>
-          </a:lnRef>
-          <a:fillRef idx="1">
-            <a:schemeClr val="accent1"/>
-          </a:fillRef>
-          <a:effectRef idx="0">
-            <a:schemeClr val="accent1"/>
-          </a:effectRef>
-          <a:fontRef idx="minor">
-            <a:schemeClr val="lt1"/>
-          </a:fontRef>
-        </p:style>
-        <p:txBody>
-          <a:bodyPr rtlCol="0" anchor="ctr"/>
-          <a:lstStyle/>
-          <a:p>
-            <a:pPr algn="ctr"/>
-            <a:endParaRPr lang="ko-KR" altLang="en-US"/>
-          </a:p>
-        </p:txBody>
-      </p:sp>
-      <p:sp>
-        <p:nvSpPr>
-          <p:cNvPr id="50" name="타원 49">
-            <a:extLst>
-              <a:ext uri="{FF2B5EF4-FFF2-40B4-BE49-F238E27FC236}">
-                <a16:creationId xmlns:a16="http://schemas.microsoft.com/office/drawing/2014/main" id="{87AA9536-5F90-4D35-B796-98BACF9111CB}"/>
-              </a:ext>
-            </a:extLst>
-          </p:cNvPr>
-          <p:cNvSpPr/>
-          <p:nvPr/>
-        </p:nvSpPr>
-        <p:spPr>
-          <a:xfrm>
-            <a:off x="6515028" y="3917307"/>
-            <a:ext cx="45719" cy="45719"/>
-          </a:xfrm>
-          <a:prstGeom prst="ellipse">
-            <a:avLst/>
-          </a:prstGeom>
-          <a:solidFill>
-            <a:srgbClr val="FF0000"/>
-          </a:solidFill>
-          <a:ln>
-            <a:solidFill>
-              <a:srgbClr val="FF0000"/>
-            </a:solidFill>
-          </a:ln>
-        </p:spPr>
-        <p:style>
-          <a:lnRef idx="2">
-            <a:schemeClr val="accent1">
-              <a:shade val="50000"/>
-            </a:schemeClr>
-          </a:lnRef>
-          <a:fillRef idx="1">
-            <a:schemeClr val="accent1"/>
-          </a:fillRef>
-          <a:effectRef idx="0">
-            <a:schemeClr val="accent1"/>
-          </a:effectRef>
-          <a:fontRef idx="minor">
-            <a:schemeClr val="lt1"/>
-          </a:fontRef>
-        </p:style>
-        <p:txBody>
-          <a:bodyPr rtlCol="0" anchor="ctr"/>
-          <a:lstStyle/>
-          <a:p>
-            <a:pPr algn="ctr"/>
-            <a:endParaRPr lang="ko-KR" altLang="en-US"/>
-          </a:p>
-        </p:txBody>
-      </p:sp>
-      <p:sp>
-        <p:nvSpPr>
-          <p:cNvPr id="51" name="타원 50">
-            <a:extLst>
-              <a:ext uri="{FF2B5EF4-FFF2-40B4-BE49-F238E27FC236}">
-                <a16:creationId xmlns:a16="http://schemas.microsoft.com/office/drawing/2014/main" id="{8A5343BB-BB22-43C4-868E-816BBFF98EF9}"/>
-              </a:ext>
-            </a:extLst>
-          </p:cNvPr>
-          <p:cNvSpPr/>
-          <p:nvPr/>
-        </p:nvSpPr>
-        <p:spPr>
-          <a:xfrm>
-            <a:off x="6586292" y="4053542"/>
-            <a:ext cx="45719" cy="45719"/>
-          </a:xfrm>
-          <a:prstGeom prst="ellipse">
-            <a:avLst/>
-          </a:prstGeom>
-          <a:solidFill>
-            <a:srgbClr val="FF0000"/>
-          </a:solidFill>
-          <a:ln>
-            <a:solidFill>
-              <a:srgbClr val="FF0000"/>
-            </a:solidFill>
-          </a:ln>
-        </p:spPr>
-        <p:style>
-          <a:lnRef idx="2">
-            <a:schemeClr val="accent1">
-              <a:shade val="50000"/>
-            </a:schemeClr>
-          </a:lnRef>
-          <a:fillRef idx="1">
-            <a:schemeClr val="accent1"/>
-          </a:fillRef>
-          <a:effectRef idx="0">
-            <a:schemeClr val="accent1"/>
-          </a:effectRef>
-          <a:fontRef idx="minor">
-            <a:schemeClr val="lt1"/>
-          </a:fontRef>
-        </p:style>
-        <p:txBody>
-          <a:bodyPr rtlCol="0" anchor="ctr"/>
-          <a:lstStyle/>
-          <a:p>
-            <a:pPr algn="ctr"/>
-            <a:endParaRPr lang="ko-KR" altLang="en-US"/>
-          </a:p>
-        </p:txBody>
-      </p:sp>
-      <p:sp>
-        <p:nvSpPr>
-          <p:cNvPr id="52" name="타원 51">
-            <a:extLst>
-              <a:ext uri="{FF2B5EF4-FFF2-40B4-BE49-F238E27FC236}">
-                <a16:creationId xmlns:a16="http://schemas.microsoft.com/office/drawing/2014/main" id="{AF00339D-3712-4674-8E92-679C112B915D}"/>
-              </a:ext>
-            </a:extLst>
-          </p:cNvPr>
-          <p:cNvSpPr/>
-          <p:nvPr/>
-        </p:nvSpPr>
-        <p:spPr>
-          <a:xfrm>
-            <a:off x="6690607" y="4177228"/>
-            <a:ext cx="45719" cy="45719"/>
-          </a:xfrm>
-          <a:prstGeom prst="ellipse">
-            <a:avLst/>
-          </a:prstGeom>
-          <a:solidFill>
-            <a:srgbClr val="FF0000"/>
-          </a:solidFill>
-          <a:ln>
-            <a:solidFill>
-              <a:srgbClr val="FF0000"/>
-            </a:solidFill>
-          </a:ln>
-        </p:spPr>
-        <p:style>
-          <a:lnRef idx="2">
-            <a:schemeClr val="accent1">
-              <a:shade val="50000"/>
-            </a:schemeClr>
-          </a:lnRef>
-          <a:fillRef idx="1">
-            <a:schemeClr val="accent1"/>
-          </a:fillRef>
-          <a:effectRef idx="0">
-            <a:schemeClr val="accent1"/>
-          </a:effectRef>
-          <a:fontRef idx="minor">
-            <a:schemeClr val="lt1"/>
-          </a:fontRef>
-        </p:style>
-        <p:txBody>
-          <a:bodyPr rtlCol="0" anchor="ctr"/>
-          <a:lstStyle/>
-          <a:p>
-            <a:pPr algn="ctr"/>
-            <a:endParaRPr lang="ko-KR" altLang="en-US"/>
-          </a:p>
-        </p:txBody>
-      </p:sp>
-      <p:sp>
-        <p:nvSpPr>
-          <p:cNvPr id="53" name="타원 52">
-            <a:extLst>
-              <a:ext uri="{FF2B5EF4-FFF2-40B4-BE49-F238E27FC236}">
-                <a16:creationId xmlns:a16="http://schemas.microsoft.com/office/drawing/2014/main" id="{8C1A30A0-0913-4013-874C-EDB737DE2D8C}"/>
-              </a:ext>
-            </a:extLst>
-          </p:cNvPr>
-          <p:cNvSpPr/>
-          <p:nvPr/>
-        </p:nvSpPr>
-        <p:spPr>
-          <a:xfrm>
-            <a:off x="6788322" y="4292882"/>
-            <a:ext cx="45719" cy="45719"/>
-          </a:xfrm>
-          <a:prstGeom prst="ellipse">
-            <a:avLst/>
-          </a:prstGeom>
-          <a:solidFill>
-            <a:srgbClr val="FF0000"/>
-          </a:solidFill>
-          <a:ln>
-            <a:solidFill>
-              <a:srgbClr val="FF0000"/>
-            </a:solidFill>
-          </a:ln>
-        </p:spPr>
-        <p:style>
-          <a:lnRef idx="2">
-            <a:schemeClr val="accent1">
-              <a:shade val="50000"/>
-            </a:schemeClr>
-          </a:lnRef>
-          <a:fillRef idx="1">
-            <a:schemeClr val="accent1"/>
-          </a:fillRef>
-          <a:effectRef idx="0">
-            <a:schemeClr val="accent1"/>
-          </a:effectRef>
-          <a:fontRef idx="minor">
-            <a:schemeClr val="lt1"/>
-          </a:fontRef>
-        </p:style>
-        <p:txBody>
-          <a:bodyPr rtlCol="0" anchor="ctr"/>
-          <a:lstStyle/>
-          <a:p>
-            <a:pPr algn="ctr"/>
-            <a:endParaRPr lang="ko-KR" altLang="en-US"/>
-          </a:p>
-        </p:txBody>
-      </p:sp>
-      <p:sp>
-        <p:nvSpPr>
-          <p:cNvPr id="54" name="타원 53">
-            <a:extLst>
-              <a:ext uri="{FF2B5EF4-FFF2-40B4-BE49-F238E27FC236}">
-                <a16:creationId xmlns:a16="http://schemas.microsoft.com/office/drawing/2014/main" id="{BB7F3ABA-15B0-43E0-AB6E-5EAC9B2F889A}"/>
-              </a:ext>
-            </a:extLst>
-          </p:cNvPr>
-          <p:cNvSpPr/>
-          <p:nvPr/>
-        </p:nvSpPr>
-        <p:spPr>
-          <a:xfrm>
-            <a:off x="6930669" y="4379351"/>
-            <a:ext cx="45719" cy="45719"/>
-          </a:xfrm>
-          <a:prstGeom prst="ellipse">
-            <a:avLst/>
-          </a:prstGeom>
-          <a:solidFill>
-            <a:srgbClr val="FF0000"/>
-          </a:solidFill>
-          <a:ln>
-            <a:solidFill>
-              <a:srgbClr val="FF0000"/>
-            </a:solidFill>
-          </a:ln>
-        </p:spPr>
-        <p:style>
-          <a:lnRef idx="2">
-            <a:schemeClr val="accent1">
-              <a:shade val="50000"/>
-            </a:schemeClr>
-          </a:lnRef>
-          <a:fillRef idx="1">
-            <a:schemeClr val="accent1"/>
-          </a:fillRef>
-          <a:effectRef idx="0">
-            <a:schemeClr val="accent1"/>
-          </a:effectRef>
-          <a:fontRef idx="minor">
-            <a:schemeClr val="lt1"/>
-          </a:fontRef>
-        </p:style>
-        <p:txBody>
-          <a:bodyPr rtlCol="0" anchor="ctr"/>
-          <a:lstStyle/>
-          <a:p>
-            <a:pPr algn="ctr"/>
-            <a:endParaRPr lang="ko-KR" altLang="en-US"/>
-          </a:p>
-        </p:txBody>
-      </p:sp>
-      <p:sp>
-        <p:nvSpPr>
-          <p:cNvPr id="55" name="타원 54">
-            <a:extLst>
-              <a:ext uri="{FF2B5EF4-FFF2-40B4-BE49-F238E27FC236}">
-                <a16:creationId xmlns:a16="http://schemas.microsoft.com/office/drawing/2014/main" id="{7A109863-A4EA-4438-8E0C-29502AA9CD9F}"/>
-              </a:ext>
-            </a:extLst>
-          </p:cNvPr>
-          <p:cNvSpPr/>
-          <p:nvPr/>
-        </p:nvSpPr>
-        <p:spPr>
-          <a:xfrm>
-            <a:off x="7176479" y="4425070"/>
-            <a:ext cx="45719" cy="45719"/>
-          </a:xfrm>
-          <a:prstGeom prst="ellipse">
-            <a:avLst/>
-          </a:prstGeom>
-          <a:solidFill>
-            <a:srgbClr val="FF0000"/>
-          </a:solidFill>
-          <a:ln>
-            <a:solidFill>
-              <a:srgbClr val="FF0000"/>
-            </a:solidFill>
-          </a:ln>
-        </p:spPr>
-        <p:style>
-          <a:lnRef idx="2">
-            <a:schemeClr val="accent1">
-              <a:shade val="50000"/>
-            </a:schemeClr>
-          </a:lnRef>
-          <a:fillRef idx="1">
-            <a:schemeClr val="accent1"/>
-          </a:fillRef>
-          <a:effectRef idx="0">
-            <a:schemeClr val="accent1"/>
-          </a:effectRef>
-          <a:fontRef idx="minor">
-            <a:schemeClr val="lt1"/>
-          </a:fontRef>
-        </p:style>
-        <p:txBody>
-          <a:bodyPr rtlCol="0" anchor="ctr"/>
-          <a:lstStyle/>
-          <a:p>
-            <a:pPr algn="ctr"/>
-            <a:endParaRPr lang="ko-KR" altLang="en-US"/>
-          </a:p>
-        </p:txBody>
-      </p:sp>
-      <p:sp>
-        <p:nvSpPr>
-          <p:cNvPr id="56" name="타원 55">
-            <a:extLst>
-              <a:ext uri="{FF2B5EF4-FFF2-40B4-BE49-F238E27FC236}">
-                <a16:creationId xmlns:a16="http://schemas.microsoft.com/office/drawing/2014/main" id="{EC43B810-C2B2-4CFF-B51B-0925977049B7}"/>
-              </a:ext>
-            </a:extLst>
-          </p:cNvPr>
-          <p:cNvSpPr/>
-          <p:nvPr/>
-        </p:nvSpPr>
-        <p:spPr>
-          <a:xfrm>
-            <a:off x="7399429" y="4379351"/>
-            <a:ext cx="45719" cy="45719"/>
-          </a:xfrm>
-          <a:prstGeom prst="ellipse">
-            <a:avLst/>
-          </a:prstGeom>
-          <a:solidFill>
-            <a:srgbClr val="FF0000"/>
-          </a:solidFill>
-          <a:ln>
-            <a:solidFill>
-              <a:srgbClr val="FF0000"/>
-            </a:solidFill>
-          </a:ln>
-        </p:spPr>
-        <p:style>
-          <a:lnRef idx="2">
-            <a:schemeClr val="accent1">
-              <a:shade val="50000"/>
-            </a:schemeClr>
-          </a:lnRef>
-          <a:fillRef idx="1">
-            <a:schemeClr val="accent1"/>
-          </a:fillRef>
-          <a:effectRef idx="0">
-            <a:schemeClr val="accent1"/>
-          </a:effectRef>
-          <a:fontRef idx="minor">
-            <a:schemeClr val="lt1"/>
-          </a:fontRef>
-        </p:style>
-        <p:txBody>
-          <a:bodyPr rtlCol="0" anchor="ctr"/>
-          <a:lstStyle/>
-          <a:p>
-            <a:pPr algn="ctr"/>
-            <a:endParaRPr lang="ko-KR" altLang="en-US"/>
-          </a:p>
-        </p:txBody>
-      </p:sp>
-      <p:sp>
-        <p:nvSpPr>
-          <p:cNvPr id="57" name="타원 56">
-            <a:extLst>
-              <a:ext uri="{FF2B5EF4-FFF2-40B4-BE49-F238E27FC236}">
-                <a16:creationId xmlns:a16="http://schemas.microsoft.com/office/drawing/2014/main" id="{6F0B8096-F3C3-4541-B110-0A1F68699608}"/>
-              </a:ext>
-            </a:extLst>
-          </p:cNvPr>
-          <p:cNvSpPr/>
-          <p:nvPr/>
-        </p:nvSpPr>
-        <p:spPr>
-          <a:xfrm>
-            <a:off x="7533974" y="4292881"/>
-            <a:ext cx="45719" cy="45719"/>
-          </a:xfrm>
-          <a:prstGeom prst="ellipse">
-            <a:avLst/>
-          </a:prstGeom>
-          <a:solidFill>
-            <a:srgbClr val="FF0000"/>
-          </a:solidFill>
-          <a:ln>
-            <a:solidFill>
-              <a:srgbClr val="FF0000"/>
-            </a:solidFill>
-          </a:ln>
-        </p:spPr>
-        <p:style>
-          <a:lnRef idx="2">
-            <a:schemeClr val="accent1">
-              <a:shade val="50000"/>
-            </a:schemeClr>
-          </a:lnRef>
-          <a:fillRef idx="1">
-            <a:schemeClr val="accent1"/>
-          </a:fillRef>
-          <a:effectRef idx="0">
-            <a:schemeClr val="accent1"/>
-          </a:effectRef>
-          <a:fontRef idx="minor">
-            <a:schemeClr val="lt1"/>
-          </a:fontRef>
-        </p:style>
-        <p:txBody>
-          <a:bodyPr rtlCol="0" anchor="ctr"/>
-          <a:lstStyle/>
-          <a:p>
-            <a:pPr algn="ctr"/>
-            <a:endParaRPr lang="ko-KR" altLang="en-US"/>
-          </a:p>
-        </p:txBody>
-      </p:sp>
-      <p:sp>
-        <p:nvSpPr>
-          <p:cNvPr id="58" name="타원 57">
-            <a:extLst>
-              <a:ext uri="{FF2B5EF4-FFF2-40B4-BE49-F238E27FC236}">
-                <a16:creationId xmlns:a16="http://schemas.microsoft.com/office/drawing/2014/main" id="{71ED6CE5-2638-455E-8FF5-DD6859A991D9}"/>
-              </a:ext>
-            </a:extLst>
-          </p:cNvPr>
-          <p:cNvSpPr/>
-          <p:nvPr/>
-        </p:nvSpPr>
-        <p:spPr>
-          <a:xfrm>
-            <a:off x="7661207" y="4177227"/>
-            <a:ext cx="45719" cy="45719"/>
-          </a:xfrm>
-          <a:prstGeom prst="ellipse">
-            <a:avLst/>
-          </a:prstGeom>
-          <a:solidFill>
-            <a:srgbClr val="FF0000"/>
-          </a:solidFill>
-          <a:ln>
-            <a:solidFill>
-              <a:srgbClr val="FF0000"/>
-            </a:solidFill>
-          </a:ln>
-        </p:spPr>
-        <p:style>
-          <a:lnRef idx="2">
-            <a:schemeClr val="accent1">
-              <a:shade val="50000"/>
-            </a:schemeClr>
-          </a:lnRef>
-          <a:fillRef idx="1">
-            <a:schemeClr val="accent1"/>
-          </a:fillRef>
-          <a:effectRef idx="0">
-            <a:schemeClr val="accent1"/>
-          </a:effectRef>
-          <a:fontRef idx="minor">
-            <a:schemeClr val="lt1"/>
-          </a:fontRef>
-        </p:style>
-        <p:txBody>
-          <a:bodyPr rtlCol="0" anchor="ctr"/>
-          <a:lstStyle/>
-          <a:p>
-            <a:pPr algn="ctr"/>
-            <a:endParaRPr lang="ko-KR" altLang="en-US"/>
-          </a:p>
-        </p:txBody>
-      </p:sp>
-      <p:sp>
-        <p:nvSpPr>
-          <p:cNvPr id="59" name="타원 58">
-            <a:extLst>
-              <a:ext uri="{FF2B5EF4-FFF2-40B4-BE49-F238E27FC236}">
-                <a16:creationId xmlns:a16="http://schemas.microsoft.com/office/drawing/2014/main" id="{F3AC6CC2-E6FA-4DAA-A251-C4693860D08F}"/>
-              </a:ext>
-            </a:extLst>
-          </p:cNvPr>
-          <p:cNvSpPr/>
-          <p:nvPr/>
-        </p:nvSpPr>
-        <p:spPr>
-          <a:xfrm>
-            <a:off x="7796829" y="4053541"/>
-            <a:ext cx="45719" cy="45719"/>
-          </a:xfrm>
-          <a:prstGeom prst="ellipse">
-            <a:avLst/>
-          </a:prstGeom>
-          <a:solidFill>
-            <a:srgbClr val="FF0000"/>
-          </a:solidFill>
-          <a:ln>
-            <a:solidFill>
-              <a:srgbClr val="FF0000"/>
-            </a:solidFill>
-          </a:ln>
-        </p:spPr>
-        <p:style>
-          <a:lnRef idx="2">
-            <a:schemeClr val="accent1">
-              <a:shade val="50000"/>
-            </a:schemeClr>
-          </a:lnRef>
-          <a:fillRef idx="1">
-            <a:schemeClr val="accent1"/>
-          </a:fillRef>
-          <a:effectRef idx="0">
-            <a:schemeClr val="accent1"/>
-          </a:effectRef>
-          <a:fontRef idx="minor">
-            <a:schemeClr val="lt1"/>
-          </a:fontRef>
-        </p:style>
-        <p:txBody>
-          <a:bodyPr rtlCol="0" anchor="ctr"/>
-          <a:lstStyle/>
-          <a:p>
-            <a:pPr algn="ctr"/>
-            <a:endParaRPr lang="ko-KR" altLang="en-US"/>
-          </a:p>
-        </p:txBody>
-      </p:sp>
-      <p:sp>
-        <p:nvSpPr>
-          <p:cNvPr id="60" name="타원 59">
-            <a:extLst>
-              <a:ext uri="{FF2B5EF4-FFF2-40B4-BE49-F238E27FC236}">
-                <a16:creationId xmlns:a16="http://schemas.microsoft.com/office/drawing/2014/main" id="{48D86D7B-9C29-4E86-B6A5-77ECCB5F824C}"/>
-              </a:ext>
-            </a:extLst>
-          </p:cNvPr>
-          <p:cNvSpPr/>
-          <p:nvPr/>
-        </p:nvSpPr>
-        <p:spPr>
-          <a:xfrm>
-            <a:off x="7842548" y="3917307"/>
-            <a:ext cx="45719" cy="45719"/>
-          </a:xfrm>
-          <a:prstGeom prst="ellipse">
-            <a:avLst/>
-          </a:prstGeom>
-          <a:solidFill>
-            <a:srgbClr val="FF0000"/>
-          </a:solidFill>
-          <a:ln>
-            <a:solidFill>
-              <a:srgbClr val="FF0000"/>
-            </a:solidFill>
-          </a:ln>
-        </p:spPr>
-        <p:style>
-          <a:lnRef idx="2">
-            <a:schemeClr val="accent1">
-              <a:shade val="50000"/>
-            </a:schemeClr>
-          </a:lnRef>
-          <a:fillRef idx="1">
-            <a:schemeClr val="accent1"/>
-          </a:fillRef>
-          <a:effectRef idx="0">
-            <a:schemeClr val="accent1"/>
-          </a:effectRef>
-          <a:fontRef idx="minor">
-            <a:schemeClr val="lt1"/>
-          </a:fontRef>
-        </p:style>
-        <p:txBody>
-          <a:bodyPr rtlCol="0" anchor="ctr"/>
-          <a:lstStyle/>
-          <a:p>
-            <a:pPr algn="ctr"/>
-            <a:endParaRPr lang="ko-KR" altLang="en-US"/>
-          </a:p>
-        </p:txBody>
-      </p:sp>
-      <p:sp>
-        <p:nvSpPr>
-          <p:cNvPr id="65" name="타원 64">
-            <a:extLst>
-              <a:ext uri="{FF2B5EF4-FFF2-40B4-BE49-F238E27FC236}">
-                <a16:creationId xmlns:a16="http://schemas.microsoft.com/office/drawing/2014/main" id="{CAEA5B50-F640-4608-8F04-70367908FE64}"/>
-              </a:ext>
-            </a:extLst>
-          </p:cNvPr>
-          <p:cNvSpPr/>
-          <p:nvPr/>
-        </p:nvSpPr>
-        <p:spPr>
-          <a:xfrm>
-            <a:off x="7865407" y="3759940"/>
-            <a:ext cx="45719" cy="45719"/>
-          </a:xfrm>
-          <a:prstGeom prst="ellipse">
-            <a:avLst/>
-          </a:prstGeom>
-          <a:solidFill>
-            <a:srgbClr val="FF0000"/>
-          </a:solidFill>
-          <a:ln>
-            <a:solidFill>
-              <a:srgbClr val="FF0000"/>
-            </a:solidFill>
-          </a:ln>
-        </p:spPr>
-        <p:style>
-          <a:lnRef idx="2">
-            <a:schemeClr val="accent1">
-              <a:shade val="50000"/>
-            </a:schemeClr>
-          </a:lnRef>
-          <a:fillRef idx="1">
-            <a:schemeClr val="accent1"/>
-          </a:fillRef>
-          <a:effectRef idx="0">
-            <a:schemeClr val="accent1"/>
-          </a:effectRef>
-          <a:fontRef idx="minor">
-            <a:schemeClr val="lt1"/>
-          </a:fontRef>
-        </p:style>
-        <p:txBody>
-          <a:bodyPr rtlCol="0" anchor="ctr"/>
-          <a:lstStyle/>
-          <a:p>
-            <a:pPr algn="ctr"/>
-            <a:endParaRPr lang="ko-KR" altLang="en-US"/>
-          </a:p>
-        </p:txBody>
-      </p:sp>
-      <p:sp>
-        <p:nvSpPr>
-          <p:cNvPr id="66" name="타원 65">
-            <a:extLst>
-              <a:ext uri="{FF2B5EF4-FFF2-40B4-BE49-F238E27FC236}">
-                <a16:creationId xmlns:a16="http://schemas.microsoft.com/office/drawing/2014/main" id="{F5A67A1C-FAE5-4225-8774-7DF6495CAAE0}"/>
-              </a:ext>
-            </a:extLst>
-          </p:cNvPr>
-          <p:cNvSpPr/>
-          <p:nvPr/>
-        </p:nvSpPr>
-        <p:spPr>
-          <a:xfrm>
-            <a:off x="7865407" y="3641424"/>
-            <a:ext cx="45719" cy="45719"/>
-          </a:xfrm>
-          <a:prstGeom prst="ellipse">
-            <a:avLst/>
-          </a:prstGeom>
-          <a:solidFill>
-            <a:srgbClr val="FF0000"/>
-          </a:solidFill>
-          <a:ln>
-            <a:solidFill>
-              <a:srgbClr val="FF0000"/>
-            </a:solidFill>
-          </a:ln>
-        </p:spPr>
-        <p:style>
-          <a:lnRef idx="2">
-            <a:schemeClr val="accent1">
-              <a:shade val="50000"/>
-            </a:schemeClr>
-          </a:lnRef>
-          <a:fillRef idx="1">
-            <a:schemeClr val="accent1"/>
-          </a:fillRef>
-          <a:effectRef idx="0">
-            <a:schemeClr val="accent1"/>
-          </a:effectRef>
-          <a:fontRef idx="minor">
-            <a:schemeClr val="lt1"/>
-          </a:fontRef>
-        </p:style>
-        <p:txBody>
-          <a:bodyPr rtlCol="0" anchor="ctr"/>
-          <a:lstStyle/>
-          <a:p>
-            <a:pPr algn="ctr"/>
-            <a:endParaRPr lang="ko-KR" altLang="en-US"/>
-          </a:p>
-        </p:txBody>
-      </p:sp>
-      <p:sp>
-        <p:nvSpPr>
-          <p:cNvPr id="67" name="타원 66">
-            <a:extLst>
-              <a:ext uri="{FF2B5EF4-FFF2-40B4-BE49-F238E27FC236}">
-                <a16:creationId xmlns:a16="http://schemas.microsoft.com/office/drawing/2014/main" id="{693551A2-01FC-4D3A-BCF9-C63DAFA9BAE9}"/>
-              </a:ext>
-            </a:extLst>
-          </p:cNvPr>
-          <p:cNvSpPr/>
-          <p:nvPr/>
-        </p:nvSpPr>
-        <p:spPr>
-          <a:xfrm>
-            <a:off x="7866915" y="3517022"/>
-            <a:ext cx="45719" cy="45719"/>
-          </a:xfrm>
-          <a:prstGeom prst="ellipse">
-            <a:avLst/>
-          </a:prstGeom>
-          <a:solidFill>
-            <a:srgbClr val="FF0000"/>
-          </a:solidFill>
-          <a:ln>
-            <a:solidFill>
-              <a:srgbClr val="FF0000"/>
-            </a:solidFill>
-          </a:ln>
-        </p:spPr>
-        <p:style>
-          <a:lnRef idx="2">
-            <a:schemeClr val="accent1">
-              <a:shade val="50000"/>
-            </a:schemeClr>
-          </a:lnRef>
-          <a:fillRef idx="1">
-            <a:schemeClr val="accent1"/>
-          </a:fillRef>
-          <a:effectRef idx="0">
-            <a:schemeClr val="accent1"/>
-          </a:effectRef>
-          <a:fontRef idx="minor">
-            <a:schemeClr val="lt1"/>
-          </a:fontRef>
-        </p:style>
-        <p:txBody>
-          <a:bodyPr rtlCol="0" anchor="ctr"/>
-          <a:lstStyle/>
-          <a:p>
-            <a:pPr algn="ctr"/>
-            <a:endParaRPr lang="ko-KR" altLang="en-US"/>
-          </a:p>
-        </p:txBody>
-      </p:sp>
-      <p:sp>
-        <p:nvSpPr>
-          <p:cNvPr id="68" name="타원 67">
-            <a:extLst>
-              <a:ext uri="{FF2B5EF4-FFF2-40B4-BE49-F238E27FC236}">
-                <a16:creationId xmlns:a16="http://schemas.microsoft.com/office/drawing/2014/main" id="{952E2490-651E-42A7-BFA8-8369129744D9}"/>
-              </a:ext>
-            </a:extLst>
-          </p:cNvPr>
-          <p:cNvSpPr/>
-          <p:nvPr/>
-        </p:nvSpPr>
-        <p:spPr>
-          <a:xfrm>
-            <a:off x="7751110" y="3518680"/>
-            <a:ext cx="45719" cy="45719"/>
-          </a:xfrm>
-          <a:prstGeom prst="ellipse">
-            <a:avLst/>
-          </a:prstGeom>
-          <a:solidFill>
-            <a:srgbClr val="FF0000"/>
-          </a:solidFill>
-          <a:ln>
-            <a:solidFill>
-              <a:srgbClr val="FF0000"/>
-            </a:solidFill>
-          </a:ln>
-        </p:spPr>
-        <p:style>
-          <a:lnRef idx="2">
-            <a:schemeClr val="accent1">
-              <a:shade val="50000"/>
-            </a:schemeClr>
-          </a:lnRef>
-          <a:fillRef idx="1">
-            <a:schemeClr val="accent1"/>
-          </a:fillRef>
-          <a:effectRef idx="0">
-            <a:schemeClr val="accent1"/>
-          </a:effectRef>
-          <a:fontRef idx="minor">
-            <a:schemeClr val="lt1"/>
-          </a:fontRef>
-        </p:style>
-        <p:txBody>
-          <a:bodyPr rtlCol="0" anchor="ctr"/>
-          <a:lstStyle/>
-          <a:p>
-            <a:pPr algn="ctr"/>
-            <a:endParaRPr lang="ko-KR" altLang="en-US"/>
-          </a:p>
-        </p:txBody>
-      </p:sp>
-      <p:sp>
-        <p:nvSpPr>
-          <p:cNvPr id="69" name="타원 68">
-            <a:extLst>
-              <a:ext uri="{FF2B5EF4-FFF2-40B4-BE49-F238E27FC236}">
-                <a16:creationId xmlns:a16="http://schemas.microsoft.com/office/drawing/2014/main" id="{06DD5739-A17E-4078-9917-8CC6FD57C996}"/>
-              </a:ext>
-            </a:extLst>
-          </p:cNvPr>
-          <p:cNvSpPr/>
-          <p:nvPr/>
-        </p:nvSpPr>
-        <p:spPr>
-          <a:xfrm>
-            <a:off x="7674799" y="3410733"/>
-            <a:ext cx="45719" cy="45719"/>
-          </a:xfrm>
-          <a:prstGeom prst="ellipse">
-            <a:avLst/>
-          </a:prstGeom>
-          <a:solidFill>
-            <a:srgbClr val="FF0000"/>
-          </a:solidFill>
-          <a:ln>
-            <a:solidFill>
-              <a:srgbClr val="FF0000"/>
-            </a:solidFill>
-          </a:ln>
-        </p:spPr>
-        <p:style>
-          <a:lnRef idx="2">
-            <a:schemeClr val="accent1">
-              <a:shade val="50000"/>
-            </a:schemeClr>
-          </a:lnRef>
-          <a:fillRef idx="1">
-            <a:schemeClr val="accent1"/>
-          </a:fillRef>
-          <a:effectRef idx="0">
-            <a:schemeClr val="accent1"/>
-          </a:effectRef>
-          <a:fontRef idx="minor">
-            <a:schemeClr val="lt1"/>
-          </a:fontRef>
-        </p:style>
-        <p:txBody>
-          <a:bodyPr rtlCol="0" anchor="ctr"/>
-          <a:lstStyle/>
-          <a:p>
-            <a:pPr algn="ctr"/>
-            <a:endParaRPr lang="ko-KR" altLang="en-US"/>
-          </a:p>
-        </p:txBody>
-      </p:sp>
-      <p:sp>
-        <p:nvSpPr>
-          <p:cNvPr id="70" name="타원 69">
-            <a:extLst>
-              <a:ext uri="{FF2B5EF4-FFF2-40B4-BE49-F238E27FC236}">
-                <a16:creationId xmlns:a16="http://schemas.microsoft.com/office/drawing/2014/main" id="{CF8DC62F-6F41-4755-9192-BE253A84B7D9}"/>
-              </a:ext>
-            </a:extLst>
-          </p:cNvPr>
-          <p:cNvSpPr/>
-          <p:nvPr/>
-        </p:nvSpPr>
-        <p:spPr>
-          <a:xfrm>
-            <a:off x="7827199" y="3563133"/>
-            <a:ext cx="45719" cy="45719"/>
-          </a:xfrm>
-          <a:prstGeom prst="ellipse">
-            <a:avLst/>
-          </a:prstGeom>
-          <a:solidFill>
-            <a:srgbClr val="FF0000"/>
-          </a:solidFill>
-          <a:ln>
-            <a:solidFill>
-              <a:srgbClr val="FF0000"/>
-            </a:solidFill>
-          </a:ln>
-        </p:spPr>
-        <p:style>
-          <a:lnRef idx="2">
-            <a:schemeClr val="accent1">
-              <a:shade val="50000"/>
-            </a:schemeClr>
-          </a:lnRef>
-          <a:fillRef idx="1">
-            <a:schemeClr val="accent1"/>
-          </a:fillRef>
-          <a:effectRef idx="0">
-            <a:schemeClr val="accent1"/>
-          </a:effectRef>
-          <a:fontRef idx="minor">
-            <a:schemeClr val="lt1"/>
-          </a:fontRef>
-        </p:style>
-        <p:txBody>
-          <a:bodyPr rtlCol="0" anchor="ctr"/>
-          <a:lstStyle/>
-          <a:p>
-            <a:pPr algn="ctr"/>
-            <a:endParaRPr lang="ko-KR" altLang="en-US"/>
-          </a:p>
-        </p:txBody>
-      </p:sp>
-      <p:sp>
-        <p:nvSpPr>
-          <p:cNvPr id="71" name="타원 70">
-            <a:extLst>
-              <a:ext uri="{FF2B5EF4-FFF2-40B4-BE49-F238E27FC236}">
-                <a16:creationId xmlns:a16="http://schemas.microsoft.com/office/drawing/2014/main" id="{45B3C361-8920-4AA1-8CC6-B23C3ABC7A7A}"/>
-              </a:ext>
-            </a:extLst>
-          </p:cNvPr>
-          <p:cNvSpPr/>
-          <p:nvPr/>
-        </p:nvSpPr>
-        <p:spPr>
-          <a:xfrm>
-            <a:off x="7579693" y="3363355"/>
-            <a:ext cx="45719" cy="45719"/>
-          </a:xfrm>
-          <a:prstGeom prst="ellipse">
-            <a:avLst/>
-          </a:prstGeom>
-          <a:solidFill>
-            <a:srgbClr val="FF0000"/>
-          </a:solidFill>
-          <a:ln>
-            <a:solidFill>
-              <a:srgbClr val="FF0000"/>
-            </a:solidFill>
-          </a:ln>
-        </p:spPr>
-        <p:style>
-          <a:lnRef idx="2">
-            <a:schemeClr val="accent1">
-              <a:shade val="50000"/>
-            </a:schemeClr>
-          </a:lnRef>
-          <a:fillRef idx="1">
-            <a:schemeClr val="accent1"/>
-          </a:fillRef>
-          <a:effectRef idx="0">
-            <a:schemeClr val="accent1"/>
-          </a:effectRef>
-          <a:fontRef idx="minor">
-            <a:schemeClr val="lt1"/>
-          </a:fontRef>
-        </p:style>
-        <p:txBody>
-          <a:bodyPr rtlCol="0" anchor="ctr"/>
-          <a:lstStyle/>
-          <a:p>
-            <a:pPr algn="ctr"/>
-            <a:endParaRPr lang="ko-KR" altLang="en-US"/>
-          </a:p>
-        </p:txBody>
-      </p:sp>
-      <p:sp>
-        <p:nvSpPr>
-          <p:cNvPr id="72" name="타원 71">
-            <a:extLst>
-              <a:ext uri="{FF2B5EF4-FFF2-40B4-BE49-F238E27FC236}">
-                <a16:creationId xmlns:a16="http://schemas.microsoft.com/office/drawing/2014/main" id="{B8DB236F-BA77-450D-AC6D-FA267C980F6B}"/>
-              </a:ext>
-            </a:extLst>
-          </p:cNvPr>
-          <p:cNvSpPr/>
-          <p:nvPr/>
-        </p:nvSpPr>
-        <p:spPr>
-          <a:xfrm>
-            <a:off x="7482082" y="3363355"/>
-            <a:ext cx="45719" cy="45719"/>
-          </a:xfrm>
-          <a:prstGeom prst="ellipse">
-            <a:avLst/>
-          </a:prstGeom>
-          <a:solidFill>
-            <a:srgbClr val="FF0000"/>
-          </a:solidFill>
-          <a:ln>
-            <a:solidFill>
-              <a:srgbClr val="FF0000"/>
-            </a:solidFill>
-          </a:ln>
-        </p:spPr>
-        <p:style>
-          <a:lnRef idx="2">
-            <a:schemeClr val="accent1">
-              <a:shade val="50000"/>
-            </a:schemeClr>
-          </a:lnRef>
-          <a:fillRef idx="1">
-            <a:schemeClr val="accent1"/>
-          </a:fillRef>
-          <a:effectRef idx="0">
-            <a:schemeClr val="accent1"/>
-          </a:effectRef>
-          <a:fontRef idx="minor">
-            <a:schemeClr val="lt1"/>
-          </a:fontRef>
-        </p:style>
-        <p:txBody>
-          <a:bodyPr rtlCol="0" anchor="ctr"/>
-          <a:lstStyle/>
-          <a:p>
-            <a:pPr algn="ctr"/>
-            <a:endParaRPr lang="ko-KR" altLang="en-US"/>
-          </a:p>
-        </p:txBody>
-      </p:sp>
-      <p:sp>
-        <p:nvSpPr>
-          <p:cNvPr id="73" name="타원 72">
-            <a:extLst>
-              <a:ext uri="{FF2B5EF4-FFF2-40B4-BE49-F238E27FC236}">
-                <a16:creationId xmlns:a16="http://schemas.microsoft.com/office/drawing/2014/main" id="{37A9D6BA-E2D3-418A-AF30-659C200F19FD}"/>
-              </a:ext>
-            </a:extLst>
-          </p:cNvPr>
-          <p:cNvSpPr/>
-          <p:nvPr/>
-        </p:nvSpPr>
-        <p:spPr>
-          <a:xfrm>
-            <a:off x="7382602" y="3363354"/>
-            <a:ext cx="45719" cy="45719"/>
-          </a:xfrm>
-          <a:prstGeom prst="ellipse">
-            <a:avLst/>
-          </a:prstGeom>
-          <a:solidFill>
-            <a:srgbClr val="FF0000"/>
-          </a:solidFill>
-          <a:ln>
-            <a:solidFill>
-              <a:srgbClr val="FF0000"/>
-            </a:solidFill>
-          </a:ln>
-        </p:spPr>
-        <p:style>
-          <a:lnRef idx="2">
-            <a:schemeClr val="accent1">
-              <a:shade val="50000"/>
-            </a:schemeClr>
-          </a:lnRef>
-          <a:fillRef idx="1">
-            <a:schemeClr val="accent1"/>
-          </a:fillRef>
-          <a:effectRef idx="0">
-            <a:schemeClr val="accent1"/>
-          </a:effectRef>
-          <a:fontRef idx="minor">
-            <a:schemeClr val="lt1"/>
-          </a:fontRef>
-        </p:style>
-        <p:txBody>
-          <a:bodyPr rtlCol="0" anchor="ctr"/>
-          <a:lstStyle/>
-          <a:p>
-            <a:pPr algn="ctr"/>
-            <a:endParaRPr lang="ko-KR" altLang="en-US"/>
-          </a:p>
-        </p:txBody>
-      </p:sp>
-      <p:sp>
-        <p:nvSpPr>
-          <p:cNvPr id="74" name="타원 73">
-            <a:extLst>
-              <a:ext uri="{FF2B5EF4-FFF2-40B4-BE49-F238E27FC236}">
-                <a16:creationId xmlns:a16="http://schemas.microsoft.com/office/drawing/2014/main" id="{AAF93E70-E206-4BF6-9731-EAA296E725CA}"/>
-              </a:ext>
-            </a:extLst>
-          </p:cNvPr>
-          <p:cNvSpPr/>
-          <p:nvPr/>
-        </p:nvSpPr>
-        <p:spPr>
-          <a:xfrm>
-            <a:off x="6839272" y="3448926"/>
-            <a:ext cx="45719" cy="45719"/>
-          </a:xfrm>
-          <a:prstGeom prst="ellipse">
-            <a:avLst/>
-          </a:prstGeom>
-          <a:solidFill>
-            <a:srgbClr val="FF0000"/>
-          </a:solidFill>
-          <a:ln>
-            <a:solidFill>
-              <a:srgbClr val="FF0000"/>
-            </a:solidFill>
-          </a:ln>
-        </p:spPr>
-        <p:style>
-          <a:lnRef idx="2">
-            <a:schemeClr val="accent1">
-              <a:shade val="50000"/>
-            </a:schemeClr>
-          </a:lnRef>
-          <a:fillRef idx="1">
-            <a:schemeClr val="accent1"/>
-          </a:fillRef>
-          <a:effectRef idx="0">
-            <a:schemeClr val="accent1"/>
-          </a:effectRef>
-          <a:fontRef idx="minor">
-            <a:schemeClr val="lt1"/>
-          </a:fontRef>
-        </p:style>
-        <p:txBody>
-          <a:bodyPr rtlCol="0" anchor="ctr"/>
-          <a:lstStyle/>
-          <a:p>
-            <a:pPr algn="ctr"/>
-            <a:endParaRPr lang="ko-KR" altLang="en-US"/>
-          </a:p>
-        </p:txBody>
-      </p:sp>
-      <p:sp>
-        <p:nvSpPr>
-          <p:cNvPr id="75" name="타원 74">
-            <a:extLst>
-              <a:ext uri="{FF2B5EF4-FFF2-40B4-BE49-F238E27FC236}">
-                <a16:creationId xmlns:a16="http://schemas.microsoft.com/office/drawing/2014/main" id="{FE446BA3-04BC-4B70-B4FF-848EC60C4522}"/>
-              </a:ext>
-            </a:extLst>
-          </p:cNvPr>
-          <p:cNvSpPr/>
-          <p:nvPr/>
-        </p:nvSpPr>
-        <p:spPr>
-          <a:xfrm>
-            <a:off x="6767611" y="3510099"/>
-            <a:ext cx="45719" cy="45719"/>
-          </a:xfrm>
-          <a:prstGeom prst="ellipse">
-            <a:avLst/>
-          </a:prstGeom>
-          <a:solidFill>
-            <a:srgbClr val="FF0000"/>
-          </a:solidFill>
-          <a:ln>
-            <a:solidFill>
-              <a:srgbClr val="FF0000"/>
-            </a:solidFill>
-          </a:ln>
-        </p:spPr>
-        <p:style>
-          <a:lnRef idx="2">
-            <a:schemeClr val="accent1">
-              <a:shade val="50000"/>
-            </a:schemeClr>
-          </a:lnRef>
-          <a:fillRef idx="1">
-            <a:schemeClr val="accent1"/>
-          </a:fillRef>
-          <a:effectRef idx="0">
-            <a:schemeClr val="accent1"/>
-          </a:effectRef>
-          <a:fontRef idx="minor">
-            <a:schemeClr val="lt1"/>
-          </a:fontRef>
-        </p:style>
-        <p:txBody>
-          <a:bodyPr rtlCol="0" anchor="ctr"/>
-          <a:lstStyle/>
-          <a:p>
-            <a:pPr algn="ctr"/>
-            <a:endParaRPr lang="ko-KR" altLang="en-US"/>
-          </a:p>
-        </p:txBody>
-      </p:sp>
-      <p:sp>
-        <p:nvSpPr>
-          <p:cNvPr id="76" name="타원 75">
-            <a:extLst>
-              <a:ext uri="{FF2B5EF4-FFF2-40B4-BE49-F238E27FC236}">
-                <a16:creationId xmlns:a16="http://schemas.microsoft.com/office/drawing/2014/main" id="{2CB480C4-4CE4-4404-8C68-2C9D460310B4}"/>
-              </a:ext>
-            </a:extLst>
-          </p:cNvPr>
-          <p:cNvSpPr/>
-          <p:nvPr/>
-        </p:nvSpPr>
-        <p:spPr>
-          <a:xfrm>
-            <a:off x="6769917" y="3595705"/>
-            <a:ext cx="45719" cy="45719"/>
-          </a:xfrm>
-          <a:prstGeom prst="ellipse">
-            <a:avLst/>
-          </a:prstGeom>
-          <a:solidFill>
-            <a:srgbClr val="FF0000"/>
-          </a:solidFill>
-          <a:ln>
-            <a:solidFill>
-              <a:srgbClr val="FF0000"/>
-            </a:solidFill>
-          </a:ln>
-        </p:spPr>
-        <p:style>
-          <a:lnRef idx="2">
-            <a:schemeClr val="accent1">
-              <a:shade val="50000"/>
-            </a:schemeClr>
-          </a:lnRef>
-          <a:fillRef idx="1">
-            <a:schemeClr val="accent1"/>
-          </a:fillRef>
-          <a:effectRef idx="0">
-            <a:schemeClr val="accent1"/>
-          </a:effectRef>
-          <a:fontRef idx="minor">
-            <a:schemeClr val="lt1"/>
-          </a:fontRef>
-        </p:style>
-        <p:txBody>
-          <a:bodyPr rtlCol="0" anchor="ctr"/>
-          <a:lstStyle/>
-          <a:p>
-            <a:pPr algn="ctr"/>
-            <a:endParaRPr lang="ko-KR" altLang="en-US"/>
-          </a:p>
-        </p:txBody>
-      </p:sp>
-      <p:sp>
-        <p:nvSpPr>
-          <p:cNvPr id="77" name="타원 76">
-            <a:extLst>
-              <a:ext uri="{FF2B5EF4-FFF2-40B4-BE49-F238E27FC236}">
-                <a16:creationId xmlns:a16="http://schemas.microsoft.com/office/drawing/2014/main" id="{4338D674-1233-4987-9E1C-E37D76466347}"/>
-              </a:ext>
-            </a:extLst>
-          </p:cNvPr>
-          <p:cNvSpPr/>
-          <p:nvPr/>
-        </p:nvSpPr>
-        <p:spPr>
-          <a:xfrm>
-            <a:off x="6855890" y="3664283"/>
-            <a:ext cx="45719" cy="45719"/>
-          </a:xfrm>
-          <a:prstGeom prst="ellipse">
-            <a:avLst/>
-          </a:prstGeom>
-          <a:solidFill>
-            <a:srgbClr val="FF0000"/>
-          </a:solidFill>
-          <a:ln>
-            <a:solidFill>
-              <a:srgbClr val="FF0000"/>
-            </a:solidFill>
-          </a:ln>
-        </p:spPr>
-        <p:style>
-          <a:lnRef idx="2">
-            <a:schemeClr val="accent1">
-              <a:shade val="50000"/>
-            </a:schemeClr>
-          </a:lnRef>
-          <a:fillRef idx="1">
-            <a:schemeClr val="accent1"/>
-          </a:fillRef>
-          <a:effectRef idx="0">
-            <a:schemeClr val="accent1"/>
-          </a:effectRef>
-          <a:fontRef idx="minor">
-            <a:schemeClr val="lt1"/>
-          </a:fontRef>
-        </p:style>
-        <p:txBody>
-          <a:bodyPr rtlCol="0" anchor="ctr"/>
-          <a:lstStyle/>
-          <a:p>
-            <a:pPr algn="ctr"/>
-            <a:endParaRPr lang="ko-KR" altLang="en-US"/>
-          </a:p>
-        </p:txBody>
-      </p:sp>
-      <p:sp>
-        <p:nvSpPr>
-          <p:cNvPr id="78" name="타원 77">
-            <a:extLst>
-              <a:ext uri="{FF2B5EF4-FFF2-40B4-BE49-F238E27FC236}">
-                <a16:creationId xmlns:a16="http://schemas.microsoft.com/office/drawing/2014/main" id="{9311B99B-3CDE-4395-8059-7C52CFCCDB09}"/>
-              </a:ext>
-            </a:extLst>
-          </p:cNvPr>
-          <p:cNvSpPr/>
-          <p:nvPr/>
-        </p:nvSpPr>
-        <p:spPr>
-          <a:xfrm>
-            <a:off x="6940684" y="3616352"/>
-            <a:ext cx="45719" cy="45719"/>
-          </a:xfrm>
-          <a:prstGeom prst="ellipse">
-            <a:avLst/>
-          </a:prstGeom>
-          <a:solidFill>
-            <a:srgbClr val="FF0000"/>
-          </a:solidFill>
-          <a:ln>
-            <a:solidFill>
-              <a:srgbClr val="FF0000"/>
-            </a:solidFill>
-          </a:ln>
-        </p:spPr>
-        <p:style>
-          <a:lnRef idx="2">
-            <a:schemeClr val="accent1">
-              <a:shade val="50000"/>
-            </a:schemeClr>
-          </a:lnRef>
-          <a:fillRef idx="1">
-            <a:schemeClr val="accent1"/>
-          </a:fillRef>
-          <a:effectRef idx="0">
-            <a:schemeClr val="accent1"/>
-          </a:effectRef>
-          <a:fontRef idx="minor">
-            <a:schemeClr val="lt1"/>
-          </a:fontRef>
-        </p:style>
-        <p:txBody>
-          <a:bodyPr rtlCol="0" anchor="ctr"/>
-          <a:lstStyle/>
-          <a:p>
-            <a:pPr algn="ctr"/>
-            <a:endParaRPr lang="ko-KR" altLang="en-US"/>
-          </a:p>
-        </p:txBody>
-      </p:sp>
-      <p:sp>
-        <p:nvSpPr>
-          <p:cNvPr id="81" name="타원 80">
-            <a:extLst>
-              <a:ext uri="{FF2B5EF4-FFF2-40B4-BE49-F238E27FC236}">
-                <a16:creationId xmlns:a16="http://schemas.microsoft.com/office/drawing/2014/main" id="{7DCC170F-992D-4C9D-9155-6C9F453CEB9C}"/>
-              </a:ext>
-            </a:extLst>
-          </p:cNvPr>
-          <p:cNvSpPr/>
-          <p:nvPr/>
-        </p:nvSpPr>
-        <p:spPr>
-          <a:xfrm>
-            <a:off x="6949714" y="3517022"/>
-            <a:ext cx="45719" cy="45719"/>
-          </a:xfrm>
-          <a:prstGeom prst="ellipse">
-            <a:avLst/>
-          </a:prstGeom>
-          <a:solidFill>
-            <a:srgbClr val="FF0000"/>
-          </a:solidFill>
-          <a:ln>
-            <a:solidFill>
-              <a:srgbClr val="FF0000"/>
-            </a:solidFill>
-          </a:ln>
-        </p:spPr>
-        <p:style>
-          <a:lnRef idx="2">
-            <a:schemeClr val="accent1">
-              <a:shade val="50000"/>
-            </a:schemeClr>
-          </a:lnRef>
-          <a:fillRef idx="1">
-            <a:schemeClr val="accent1"/>
-          </a:fillRef>
-          <a:effectRef idx="0">
-            <a:schemeClr val="accent1"/>
-          </a:effectRef>
-          <a:fontRef idx="minor">
-            <a:schemeClr val="lt1"/>
-          </a:fontRef>
-        </p:style>
-        <p:txBody>
-          <a:bodyPr rtlCol="0" anchor="ctr"/>
-          <a:lstStyle/>
-          <a:p>
-            <a:pPr algn="ctr"/>
-            <a:endParaRPr lang="ko-KR" altLang="en-US"/>
-          </a:p>
-        </p:txBody>
-      </p:sp>
-      <p:sp>
-        <p:nvSpPr>
-          <p:cNvPr id="82" name="타원 81">
-            <a:extLst>
-              <a:ext uri="{FF2B5EF4-FFF2-40B4-BE49-F238E27FC236}">
-                <a16:creationId xmlns:a16="http://schemas.microsoft.com/office/drawing/2014/main" id="{055DA1C4-755A-49F6-940B-DF4ED39AD58A}"/>
-              </a:ext>
-            </a:extLst>
-          </p:cNvPr>
-          <p:cNvSpPr/>
-          <p:nvPr/>
-        </p:nvSpPr>
-        <p:spPr>
-          <a:xfrm>
-            <a:off x="7469770" y="3442003"/>
-            <a:ext cx="45719" cy="45719"/>
-          </a:xfrm>
-          <a:prstGeom prst="ellipse">
-            <a:avLst/>
-          </a:prstGeom>
-          <a:solidFill>
-            <a:srgbClr val="FF0000"/>
-          </a:solidFill>
-          <a:ln>
-            <a:solidFill>
-              <a:srgbClr val="FF0000"/>
-            </a:solidFill>
-          </a:ln>
-        </p:spPr>
-        <p:style>
-          <a:lnRef idx="2">
-            <a:schemeClr val="accent1">
-              <a:shade val="50000"/>
-            </a:schemeClr>
-          </a:lnRef>
-          <a:fillRef idx="1">
-            <a:schemeClr val="accent1"/>
-          </a:fillRef>
-          <a:effectRef idx="0">
-            <a:schemeClr val="accent1"/>
-          </a:effectRef>
-          <a:fontRef idx="minor">
-            <a:schemeClr val="lt1"/>
-          </a:fontRef>
-        </p:style>
-        <p:txBody>
-          <a:bodyPr rtlCol="0" anchor="ctr"/>
-          <a:lstStyle/>
-          <a:p>
-            <a:pPr algn="ctr"/>
-            <a:endParaRPr lang="ko-KR" altLang="en-US"/>
-          </a:p>
-        </p:txBody>
-      </p:sp>
-      <p:sp>
-        <p:nvSpPr>
-          <p:cNvPr id="83" name="타원 82">
-            <a:extLst>
-              <a:ext uri="{FF2B5EF4-FFF2-40B4-BE49-F238E27FC236}">
-                <a16:creationId xmlns:a16="http://schemas.microsoft.com/office/drawing/2014/main" id="{8F3380D0-0E34-4F1D-ACA9-0BF1E5B0352B}"/>
-              </a:ext>
-            </a:extLst>
-          </p:cNvPr>
-          <p:cNvSpPr/>
-          <p:nvPr/>
-        </p:nvSpPr>
-        <p:spPr>
-          <a:xfrm>
-            <a:off x="7398109" y="3503176"/>
-            <a:ext cx="45719" cy="45719"/>
-          </a:xfrm>
-          <a:prstGeom prst="ellipse">
-            <a:avLst/>
-          </a:prstGeom>
-          <a:solidFill>
-            <a:srgbClr val="FF0000"/>
-          </a:solidFill>
-          <a:ln>
-            <a:solidFill>
-              <a:srgbClr val="FF0000"/>
-            </a:solidFill>
-          </a:ln>
-        </p:spPr>
-        <p:style>
-          <a:lnRef idx="2">
-            <a:schemeClr val="accent1">
-              <a:shade val="50000"/>
-            </a:schemeClr>
-          </a:lnRef>
-          <a:fillRef idx="1">
-            <a:schemeClr val="accent1"/>
-          </a:fillRef>
-          <a:effectRef idx="0">
-            <a:schemeClr val="accent1"/>
-          </a:effectRef>
-          <a:fontRef idx="minor">
-            <a:schemeClr val="lt1"/>
-          </a:fontRef>
-        </p:style>
-        <p:txBody>
-          <a:bodyPr rtlCol="0" anchor="ctr"/>
-          <a:lstStyle/>
-          <a:p>
-            <a:pPr algn="ctr"/>
-            <a:endParaRPr lang="ko-KR" altLang="en-US"/>
-          </a:p>
-        </p:txBody>
-      </p:sp>
-      <p:sp>
-        <p:nvSpPr>
-          <p:cNvPr id="84" name="타원 83">
-            <a:extLst>
-              <a:ext uri="{FF2B5EF4-FFF2-40B4-BE49-F238E27FC236}">
-                <a16:creationId xmlns:a16="http://schemas.microsoft.com/office/drawing/2014/main" id="{B5E7D336-6D5B-41B9-8908-27DC8D5C76B5}"/>
-              </a:ext>
-            </a:extLst>
-          </p:cNvPr>
-          <p:cNvSpPr/>
-          <p:nvPr/>
-        </p:nvSpPr>
-        <p:spPr>
-          <a:xfrm>
-            <a:off x="7400415" y="3588782"/>
-            <a:ext cx="45719" cy="45719"/>
-          </a:xfrm>
-          <a:prstGeom prst="ellipse">
-            <a:avLst/>
-          </a:prstGeom>
-          <a:solidFill>
-            <a:srgbClr val="FF0000"/>
-          </a:solidFill>
-          <a:ln>
-            <a:solidFill>
-              <a:srgbClr val="FF0000"/>
-            </a:solidFill>
-          </a:ln>
-        </p:spPr>
-        <p:style>
-          <a:lnRef idx="2">
-            <a:schemeClr val="accent1">
-              <a:shade val="50000"/>
-            </a:schemeClr>
-          </a:lnRef>
-          <a:fillRef idx="1">
-            <a:schemeClr val="accent1"/>
-          </a:fillRef>
-          <a:effectRef idx="0">
-            <a:schemeClr val="accent1"/>
-          </a:effectRef>
-          <a:fontRef idx="minor">
-            <a:schemeClr val="lt1"/>
-          </a:fontRef>
-        </p:style>
-        <p:txBody>
-          <a:bodyPr rtlCol="0" anchor="ctr"/>
-          <a:lstStyle/>
-          <a:p>
-            <a:pPr algn="ctr"/>
-            <a:endParaRPr lang="ko-KR" altLang="en-US"/>
-          </a:p>
-        </p:txBody>
-      </p:sp>
-      <p:sp>
-        <p:nvSpPr>
-          <p:cNvPr id="85" name="타원 84">
-            <a:extLst>
-              <a:ext uri="{FF2B5EF4-FFF2-40B4-BE49-F238E27FC236}">
-                <a16:creationId xmlns:a16="http://schemas.microsoft.com/office/drawing/2014/main" id="{7E1A608C-20B7-488D-94B4-D2E3F4A92219}"/>
-              </a:ext>
-            </a:extLst>
-          </p:cNvPr>
-          <p:cNvSpPr/>
-          <p:nvPr/>
-        </p:nvSpPr>
-        <p:spPr>
-          <a:xfrm>
-            <a:off x="7486388" y="3657360"/>
-            <a:ext cx="45719" cy="45719"/>
-          </a:xfrm>
-          <a:prstGeom prst="ellipse">
-            <a:avLst/>
-          </a:prstGeom>
-          <a:solidFill>
-            <a:srgbClr val="FF0000"/>
-          </a:solidFill>
-          <a:ln>
-            <a:solidFill>
-              <a:srgbClr val="FF0000"/>
-            </a:solidFill>
-          </a:ln>
-        </p:spPr>
-        <p:style>
-          <a:lnRef idx="2">
-            <a:schemeClr val="accent1">
-              <a:shade val="50000"/>
-            </a:schemeClr>
-          </a:lnRef>
-          <a:fillRef idx="1">
-            <a:schemeClr val="accent1"/>
-          </a:fillRef>
-          <a:effectRef idx="0">
-            <a:schemeClr val="accent1"/>
-          </a:effectRef>
-          <a:fontRef idx="minor">
-            <a:schemeClr val="lt1"/>
-          </a:fontRef>
-        </p:style>
-        <p:txBody>
-          <a:bodyPr rtlCol="0" anchor="ctr"/>
-          <a:lstStyle/>
-          <a:p>
-            <a:pPr algn="ctr"/>
-            <a:endParaRPr lang="ko-KR" altLang="en-US"/>
-          </a:p>
-        </p:txBody>
-      </p:sp>
-      <p:sp>
-        <p:nvSpPr>
-          <p:cNvPr id="86" name="타원 85">
-            <a:extLst>
-              <a:ext uri="{FF2B5EF4-FFF2-40B4-BE49-F238E27FC236}">
-                <a16:creationId xmlns:a16="http://schemas.microsoft.com/office/drawing/2014/main" id="{7F0255B2-4398-4F2F-8D9A-6B3CA298DC29}"/>
-              </a:ext>
-            </a:extLst>
-          </p:cNvPr>
-          <p:cNvSpPr/>
-          <p:nvPr/>
-        </p:nvSpPr>
-        <p:spPr>
-          <a:xfrm>
-            <a:off x="7571182" y="3609429"/>
-            <a:ext cx="45719" cy="45719"/>
-          </a:xfrm>
-          <a:prstGeom prst="ellipse">
-            <a:avLst/>
-          </a:prstGeom>
-          <a:solidFill>
-            <a:srgbClr val="FF0000"/>
-          </a:solidFill>
-          <a:ln>
-            <a:solidFill>
-              <a:srgbClr val="FF0000"/>
-            </a:solidFill>
-          </a:ln>
-        </p:spPr>
-        <p:style>
-          <a:lnRef idx="2">
-            <a:schemeClr val="accent1">
-              <a:shade val="50000"/>
-            </a:schemeClr>
-          </a:lnRef>
-          <a:fillRef idx="1">
-            <a:schemeClr val="accent1"/>
-          </a:fillRef>
-          <a:effectRef idx="0">
-            <a:schemeClr val="accent1"/>
-          </a:effectRef>
-          <a:fontRef idx="minor">
-            <a:schemeClr val="lt1"/>
-          </a:fontRef>
-        </p:style>
-        <p:txBody>
-          <a:bodyPr rtlCol="0" anchor="ctr"/>
-          <a:lstStyle/>
-          <a:p>
-            <a:pPr algn="ctr"/>
-            <a:endParaRPr lang="ko-KR" altLang="en-US"/>
-          </a:p>
-        </p:txBody>
-      </p:sp>
-      <p:sp>
-        <p:nvSpPr>
-          <p:cNvPr id="87" name="타원 86">
-            <a:extLst>
-              <a:ext uri="{FF2B5EF4-FFF2-40B4-BE49-F238E27FC236}">
-                <a16:creationId xmlns:a16="http://schemas.microsoft.com/office/drawing/2014/main" id="{4680D70F-4557-4AEF-AFD5-37B012268F48}"/>
-              </a:ext>
-            </a:extLst>
-          </p:cNvPr>
-          <p:cNvSpPr/>
-          <p:nvPr/>
-        </p:nvSpPr>
-        <p:spPr>
-          <a:xfrm>
-            <a:off x="7580212" y="3510099"/>
-            <a:ext cx="45719" cy="45719"/>
-          </a:xfrm>
-          <a:prstGeom prst="ellipse">
-            <a:avLst/>
-          </a:prstGeom>
-          <a:solidFill>
-            <a:srgbClr val="FF0000"/>
-          </a:solidFill>
-          <a:ln>
-            <a:solidFill>
-              <a:srgbClr val="FF0000"/>
-            </a:solidFill>
-          </a:ln>
-        </p:spPr>
-        <p:style>
-          <a:lnRef idx="2">
-            <a:schemeClr val="accent1">
-              <a:shade val="50000"/>
-            </a:schemeClr>
-          </a:lnRef>
-          <a:fillRef idx="1">
-            <a:schemeClr val="accent1"/>
-          </a:fillRef>
-          <a:effectRef idx="0">
-            <a:schemeClr val="accent1"/>
-          </a:effectRef>
-          <a:fontRef idx="minor">
-            <a:schemeClr val="lt1"/>
-          </a:fontRef>
-        </p:style>
-        <p:txBody>
-          <a:bodyPr rtlCol="0" anchor="ctr"/>
-          <a:lstStyle/>
-          <a:p>
-            <a:pPr algn="ctr"/>
-            <a:endParaRPr lang="ko-KR" altLang="en-US"/>
-          </a:p>
-        </p:txBody>
-      </p:sp>
-      <p:sp>
-        <p:nvSpPr>
-          <p:cNvPr id="88" name="타원 87">
-            <a:extLst>
-              <a:ext uri="{FF2B5EF4-FFF2-40B4-BE49-F238E27FC236}">
-                <a16:creationId xmlns:a16="http://schemas.microsoft.com/office/drawing/2014/main" id="{972C997D-4882-49BC-96F2-1364A5A9DEED}"/>
-              </a:ext>
-            </a:extLst>
-          </p:cNvPr>
-          <p:cNvSpPr/>
-          <p:nvPr/>
-        </p:nvSpPr>
-        <p:spPr>
-          <a:xfrm>
-            <a:off x="7548322" y="3982836"/>
-            <a:ext cx="45719" cy="45719"/>
-          </a:xfrm>
-          <a:prstGeom prst="ellipse">
-            <a:avLst/>
-          </a:prstGeom>
-          <a:solidFill>
-            <a:srgbClr val="FF0000"/>
-          </a:solidFill>
-          <a:ln>
-            <a:solidFill>
-              <a:srgbClr val="FF0000"/>
-            </a:solidFill>
-          </a:ln>
-        </p:spPr>
-        <p:style>
-          <a:lnRef idx="2">
-            <a:schemeClr val="accent1">
-              <a:shade val="50000"/>
-            </a:schemeClr>
-          </a:lnRef>
-          <a:fillRef idx="1">
-            <a:schemeClr val="accent1"/>
-          </a:fillRef>
-          <a:effectRef idx="0">
-            <a:schemeClr val="accent1"/>
-          </a:effectRef>
-          <a:fontRef idx="minor">
-            <a:schemeClr val="lt1"/>
-          </a:fontRef>
-        </p:style>
-        <p:txBody>
-          <a:bodyPr rtlCol="0" anchor="ctr"/>
-          <a:lstStyle/>
-          <a:p>
-            <a:pPr algn="ctr"/>
-            <a:endParaRPr lang="ko-KR" altLang="en-US"/>
-          </a:p>
-        </p:txBody>
-      </p:sp>
-      <p:sp>
-        <p:nvSpPr>
-          <p:cNvPr id="89" name="타원 88">
-            <a:extLst>
-              <a:ext uri="{FF2B5EF4-FFF2-40B4-BE49-F238E27FC236}">
-                <a16:creationId xmlns:a16="http://schemas.microsoft.com/office/drawing/2014/main" id="{809134D5-1A43-4C76-AD54-4062D49AAD28}"/>
-              </a:ext>
-            </a:extLst>
-          </p:cNvPr>
-          <p:cNvSpPr/>
-          <p:nvPr/>
-        </p:nvSpPr>
-        <p:spPr>
-          <a:xfrm>
-            <a:off x="7446729" y="4076400"/>
-            <a:ext cx="45719" cy="45719"/>
-          </a:xfrm>
-          <a:prstGeom prst="ellipse">
-            <a:avLst/>
-          </a:prstGeom>
-          <a:solidFill>
-            <a:srgbClr val="FF0000"/>
-          </a:solidFill>
-          <a:ln>
-            <a:solidFill>
-              <a:srgbClr val="FF0000"/>
-            </a:solidFill>
-          </a:ln>
-        </p:spPr>
-        <p:style>
-          <a:lnRef idx="2">
-            <a:schemeClr val="accent1">
-              <a:shade val="50000"/>
-            </a:schemeClr>
-          </a:lnRef>
-          <a:fillRef idx="1">
-            <a:schemeClr val="accent1"/>
-          </a:fillRef>
-          <a:effectRef idx="0">
-            <a:schemeClr val="accent1"/>
-          </a:effectRef>
-          <a:fontRef idx="minor">
-            <a:schemeClr val="lt1"/>
-          </a:fontRef>
-        </p:style>
-        <p:txBody>
-          <a:bodyPr rtlCol="0" anchor="ctr"/>
-          <a:lstStyle/>
-          <a:p>
-            <a:pPr algn="ctr"/>
-            <a:endParaRPr lang="ko-KR" altLang="en-US"/>
-          </a:p>
-        </p:txBody>
-      </p:sp>
-      <p:sp>
-        <p:nvSpPr>
-          <p:cNvPr id="90" name="타원 89">
-            <a:extLst>
-              <a:ext uri="{FF2B5EF4-FFF2-40B4-BE49-F238E27FC236}">
-                <a16:creationId xmlns:a16="http://schemas.microsoft.com/office/drawing/2014/main" id="{83F8D15D-E417-419B-B7C1-D6769144910A}"/>
-              </a:ext>
-            </a:extLst>
-          </p:cNvPr>
-          <p:cNvSpPr/>
-          <p:nvPr/>
-        </p:nvSpPr>
-        <p:spPr>
-          <a:xfrm>
-            <a:off x="7336702" y="4130017"/>
-            <a:ext cx="45719" cy="45719"/>
-          </a:xfrm>
-          <a:prstGeom prst="ellipse">
-            <a:avLst/>
-          </a:prstGeom>
-          <a:solidFill>
-            <a:srgbClr val="FF0000"/>
-          </a:solidFill>
-          <a:ln>
-            <a:solidFill>
-              <a:srgbClr val="FF0000"/>
-            </a:solidFill>
-          </a:ln>
-        </p:spPr>
-        <p:style>
-          <a:lnRef idx="2">
-            <a:schemeClr val="accent1">
-              <a:shade val="50000"/>
-            </a:schemeClr>
-          </a:lnRef>
-          <a:fillRef idx="1">
-            <a:schemeClr val="accent1"/>
-          </a:fillRef>
-          <a:effectRef idx="0">
-            <a:schemeClr val="accent1"/>
-          </a:effectRef>
-          <a:fontRef idx="minor">
-            <a:schemeClr val="lt1"/>
-          </a:fontRef>
-        </p:style>
-        <p:txBody>
-          <a:bodyPr rtlCol="0" anchor="ctr"/>
-          <a:lstStyle/>
-          <a:p>
-            <a:pPr algn="ctr"/>
-            <a:endParaRPr lang="ko-KR" altLang="en-US"/>
-          </a:p>
-        </p:txBody>
-      </p:sp>
-      <p:sp>
-        <p:nvSpPr>
-          <p:cNvPr id="91" name="타원 90">
-            <a:extLst>
-              <a:ext uri="{FF2B5EF4-FFF2-40B4-BE49-F238E27FC236}">
-                <a16:creationId xmlns:a16="http://schemas.microsoft.com/office/drawing/2014/main" id="{998F8E9C-E59F-4DFD-B6A0-33716AE240E4}"/>
-              </a:ext>
-            </a:extLst>
-          </p:cNvPr>
-          <p:cNvSpPr/>
-          <p:nvPr/>
-        </p:nvSpPr>
-        <p:spPr>
-          <a:xfrm>
-            <a:off x="7201396" y="4155344"/>
-            <a:ext cx="45719" cy="45719"/>
-          </a:xfrm>
-          <a:prstGeom prst="ellipse">
-            <a:avLst/>
-          </a:prstGeom>
-          <a:solidFill>
-            <a:srgbClr val="FF0000"/>
-          </a:solidFill>
-          <a:ln>
-            <a:solidFill>
-              <a:srgbClr val="FF0000"/>
-            </a:solidFill>
-          </a:ln>
-        </p:spPr>
-        <p:style>
-          <a:lnRef idx="2">
-            <a:schemeClr val="accent1">
-              <a:shade val="50000"/>
-            </a:schemeClr>
-          </a:lnRef>
-          <a:fillRef idx="1">
-            <a:schemeClr val="accent1"/>
-          </a:fillRef>
-          <a:effectRef idx="0">
-            <a:schemeClr val="accent1"/>
-          </a:effectRef>
-          <a:fontRef idx="minor">
-            <a:schemeClr val="lt1"/>
-          </a:fontRef>
-        </p:style>
-        <p:txBody>
-          <a:bodyPr rtlCol="0" anchor="ctr"/>
-          <a:lstStyle/>
-          <a:p>
-            <a:pPr algn="ctr"/>
-            <a:endParaRPr lang="ko-KR" altLang="en-US"/>
-          </a:p>
-        </p:txBody>
-      </p:sp>
-      <p:sp>
-        <p:nvSpPr>
-          <p:cNvPr id="92" name="타원 91">
-            <a:extLst>
-              <a:ext uri="{FF2B5EF4-FFF2-40B4-BE49-F238E27FC236}">
-                <a16:creationId xmlns:a16="http://schemas.microsoft.com/office/drawing/2014/main" id="{A3D1733F-BBAF-4F0F-B1B6-271D07420670}"/>
-              </a:ext>
-            </a:extLst>
-          </p:cNvPr>
-          <p:cNvSpPr/>
-          <p:nvPr/>
-        </p:nvSpPr>
-        <p:spPr>
-          <a:xfrm>
-            <a:off x="7067942" y="4138431"/>
-            <a:ext cx="45719" cy="45719"/>
-          </a:xfrm>
-          <a:prstGeom prst="ellipse">
-            <a:avLst/>
-          </a:prstGeom>
-          <a:solidFill>
-            <a:srgbClr val="FF0000"/>
-          </a:solidFill>
-          <a:ln>
-            <a:solidFill>
-              <a:srgbClr val="FF0000"/>
-            </a:solidFill>
-          </a:ln>
-        </p:spPr>
-        <p:style>
-          <a:lnRef idx="2">
-            <a:schemeClr val="accent1">
-              <a:shade val="50000"/>
-            </a:schemeClr>
-          </a:lnRef>
-          <a:fillRef idx="1">
-            <a:schemeClr val="accent1"/>
-          </a:fillRef>
-          <a:effectRef idx="0">
-            <a:schemeClr val="accent1"/>
-          </a:effectRef>
-          <a:fontRef idx="minor">
-            <a:schemeClr val="lt1"/>
-          </a:fontRef>
-        </p:style>
-        <p:txBody>
-          <a:bodyPr rtlCol="0" anchor="ctr"/>
-          <a:lstStyle/>
-          <a:p>
-            <a:pPr algn="ctr"/>
-            <a:endParaRPr lang="ko-KR" altLang="en-US"/>
-          </a:p>
-        </p:txBody>
-      </p:sp>
-      <p:sp>
-        <p:nvSpPr>
-          <p:cNvPr id="93" name="타원 92">
-            <a:extLst>
-              <a:ext uri="{FF2B5EF4-FFF2-40B4-BE49-F238E27FC236}">
-                <a16:creationId xmlns:a16="http://schemas.microsoft.com/office/drawing/2014/main" id="{8D79ACFF-DA8E-4890-A35E-50A59602615C}"/>
-              </a:ext>
-            </a:extLst>
-          </p:cNvPr>
-          <p:cNvSpPr/>
-          <p:nvPr/>
-        </p:nvSpPr>
-        <p:spPr>
-          <a:xfrm>
-            <a:off x="6940684" y="4084298"/>
-            <a:ext cx="45719" cy="45719"/>
-          </a:xfrm>
-          <a:prstGeom prst="ellipse">
-            <a:avLst/>
-          </a:prstGeom>
-          <a:solidFill>
-            <a:srgbClr val="FF0000"/>
-          </a:solidFill>
-          <a:ln>
-            <a:solidFill>
-              <a:srgbClr val="FF0000"/>
-            </a:solidFill>
-          </a:ln>
-        </p:spPr>
-        <p:style>
-          <a:lnRef idx="2">
-            <a:schemeClr val="accent1">
-              <a:shade val="50000"/>
-            </a:schemeClr>
-          </a:lnRef>
-          <a:fillRef idx="1">
-            <a:schemeClr val="accent1"/>
-          </a:fillRef>
-          <a:effectRef idx="0">
-            <a:schemeClr val="accent1"/>
-          </a:effectRef>
-          <a:fontRef idx="minor">
-            <a:schemeClr val="lt1"/>
-          </a:fontRef>
-        </p:style>
-        <p:txBody>
-          <a:bodyPr rtlCol="0" anchor="ctr"/>
-          <a:lstStyle/>
-          <a:p>
-            <a:pPr algn="ctr"/>
-            <a:endParaRPr lang="ko-KR" altLang="en-US"/>
-          </a:p>
-        </p:txBody>
-      </p:sp>
-      <p:sp>
-        <p:nvSpPr>
-          <p:cNvPr id="94" name="타원 93">
-            <a:extLst>
-              <a:ext uri="{FF2B5EF4-FFF2-40B4-BE49-F238E27FC236}">
-                <a16:creationId xmlns:a16="http://schemas.microsoft.com/office/drawing/2014/main" id="{071D9159-23DD-4EAC-B491-C74D5259DE00}"/>
-              </a:ext>
-            </a:extLst>
-          </p:cNvPr>
-          <p:cNvSpPr/>
-          <p:nvPr/>
-        </p:nvSpPr>
-        <p:spPr>
-          <a:xfrm>
-            <a:off x="6825529" y="4011286"/>
-            <a:ext cx="45719" cy="45719"/>
-          </a:xfrm>
-          <a:prstGeom prst="ellipse">
-            <a:avLst/>
-          </a:prstGeom>
-          <a:solidFill>
-            <a:srgbClr val="FF0000"/>
-          </a:solidFill>
-          <a:ln>
-            <a:solidFill>
-              <a:srgbClr val="FF0000"/>
-            </a:solidFill>
-          </a:ln>
-        </p:spPr>
-        <p:style>
-          <a:lnRef idx="2">
-            <a:schemeClr val="accent1">
-              <a:shade val="50000"/>
-            </a:schemeClr>
-          </a:lnRef>
-          <a:fillRef idx="1">
-            <a:schemeClr val="accent1"/>
-          </a:fillRef>
-          <a:effectRef idx="0">
-            <a:schemeClr val="accent1"/>
-          </a:effectRef>
-          <a:fontRef idx="minor">
-            <a:schemeClr val="lt1"/>
-          </a:fontRef>
-        </p:style>
-        <p:txBody>
-          <a:bodyPr rtlCol="0" anchor="ctr"/>
-          <a:lstStyle/>
-          <a:p>
-            <a:pPr algn="ctr"/>
-            <a:endParaRPr lang="ko-KR" altLang="en-US"/>
-          </a:p>
-        </p:txBody>
-      </p:sp>
-    </p:spTree>
-    <p:extLst>
-      <p:ext uri="{BB962C8B-B14F-4D97-AF65-F5344CB8AC3E}">
-        <p14:creationId xmlns:p14="http://schemas.microsoft.com/office/powerpoint/2010/main" val="896492680"/>
-      </p:ext>
-    </p:extLst>
-  </p:cSld>
-  <p:clrMapOvr>
-    <a:masterClrMapping/>
-  </p:clrMapOvr>
-</p:sld>
-</file>
-
-<file path=ppt/slides/slide6.xml><?xml version="1.0" encoding="utf-8"?>
-<p:sld xmlns:a="http://schemas.openxmlformats.org/drawingml/2006/main" xmlns:r="http://schemas.openxmlformats.org/officeDocument/2006/relationships" xmlns:p="http://schemas.openxmlformats.org/presentationml/2006/main">
-  <p:cSld>
-    <p:bg>
-      <p:bgPr>
-        <a:solidFill>
-          <a:srgbClr val="303F9F"/>
-        </a:solidFill>
-        <a:effectLst/>
-      </p:bgPr>
-    </p:bg>
-    <p:spTree>
-      <p:nvGrpSpPr>
-        <p:cNvPr id="1" name=""/>
-        <p:cNvGrpSpPr/>
-        <p:nvPr/>
-      </p:nvGrpSpPr>
-      <p:grpSpPr>
-        <a:xfrm>
-          <a:off x="0" y="0"/>
-          <a:ext cx="0" cy="0"/>
-          <a:chOff x="0" y="0"/>
-          <a:chExt cx="0" cy="0"/>
-        </a:xfrm>
-      </p:grpSpPr>
-      <p:grpSp>
-        <p:nvGrpSpPr>
-          <p:cNvPr id="12" name="그룹 11"/>
-          <p:cNvGrpSpPr/>
-          <p:nvPr/>
-        </p:nvGrpSpPr>
-        <p:grpSpPr>
-          <a:xfrm>
-            <a:off x="464457" y="391886"/>
-            <a:ext cx="11350172" cy="6466115"/>
-            <a:chOff x="464457" y="391886"/>
-            <a:chExt cx="11350172" cy="6466115"/>
-          </a:xfrm>
-        </p:grpSpPr>
-        <p:sp>
-          <p:nvSpPr>
-            <p:cNvPr id="5" name="양쪽 모서리가 둥근 사각형 4"/>
-            <p:cNvSpPr/>
-            <p:nvPr/>
-          </p:nvSpPr>
-          <p:spPr>
-            <a:xfrm>
-              <a:off x="464457" y="391886"/>
-              <a:ext cx="11350172" cy="6466114"/>
-            </a:xfrm>
-            <a:prstGeom prst="round2SameRect">
-              <a:avLst>
-                <a:gd name="adj1" fmla="val 5121"/>
-                <a:gd name="adj2" fmla="val 0"/>
-              </a:avLst>
-            </a:prstGeom>
-            <a:solidFill>
-              <a:schemeClr val="accent1">
-                <a:lumMod val="60000"/>
-                <a:lumOff val="40000"/>
-              </a:schemeClr>
-            </a:solidFill>
-            <a:ln w="22225">
-              <a:solidFill>
-                <a:schemeClr val="bg1"/>
-              </a:solidFill>
-            </a:ln>
-          </p:spPr>
-          <p:style>
-            <a:lnRef idx="2">
-              <a:schemeClr val="accent1">
-                <a:shade val="50000"/>
-              </a:schemeClr>
-            </a:lnRef>
-            <a:fillRef idx="1">
-              <a:schemeClr val="accent1"/>
-            </a:fillRef>
-            <a:effectRef idx="0">
-              <a:schemeClr val="accent1"/>
-            </a:effectRef>
-            <a:fontRef idx="minor">
-              <a:schemeClr val="lt1"/>
-            </a:fontRef>
-          </p:style>
-          <p:txBody>
-            <a:bodyPr rtlCol="0" anchor="t"/>
-            <a:lstStyle/>
-            <a:p>
-              <a:pPr lvl="2" latinLnBrk="0">
-                <a:lnSpc>
-                  <a:spcPct val="150000"/>
-                </a:lnSpc>
-                <a:defRPr/>
-              </a:pPr>
-              <a:r>
-                <a:rPr lang="en-US" altLang="ko-KR" sz="2400" b="1" i="1" kern="0" dirty="0">
-                  <a:solidFill>
-                    <a:srgbClr val="303F9F"/>
-                  </a:solidFill>
-                  <a:latin typeface="나눔스퀘어 Bold" panose="020B0600000101010101" pitchFamily="50" charset="-127"/>
-                  <a:ea typeface="나눔스퀘어 Bold" panose="020B0600000101010101" pitchFamily="50" charset="-127"/>
-                </a:rPr>
-                <a:t>Development </a:t>
-              </a:r>
-              <a:r>
-                <a:rPr lang="en-US" altLang="ko-KR" sz="2400" b="1" i="1" kern="0" dirty="0">
-                  <a:solidFill>
-                    <a:prstClr val="white"/>
-                  </a:solidFill>
-                  <a:latin typeface="나눔스퀘어 Bold" panose="020B0600000101010101" pitchFamily="50" charset="-127"/>
-                  <a:ea typeface="나눔스퀘어 Bold" panose="020B0600000101010101" pitchFamily="50" charset="-127"/>
-                </a:rPr>
-                <a:t>Method</a:t>
-              </a:r>
-            </a:p>
-            <a:p>
-              <a:pPr lvl="2" latinLnBrk="0">
-                <a:lnSpc>
-                  <a:spcPct val="150000"/>
-                </a:lnSpc>
-                <a:defRPr/>
-              </a:pPr>
-              <a:endParaRPr lang="en-US" altLang="ko-KR" sz="2400" b="1" i="1" kern="0" dirty="0">
-                <a:solidFill>
-                  <a:srgbClr val="303F9F"/>
-                </a:solidFill>
-                <a:latin typeface="나눔스퀘어 Bold" panose="020B0600000101010101" pitchFamily="50" charset="-127"/>
-                <a:ea typeface="나눔스퀘어 Bold" panose="020B0600000101010101" pitchFamily="50" charset="-127"/>
-              </a:endParaRPr>
-            </a:p>
-          </p:txBody>
-        </p:sp>
-        <p:sp>
-          <p:nvSpPr>
-            <p:cNvPr id="6" name="양쪽 모서리가 둥근 사각형 5"/>
-            <p:cNvSpPr/>
-            <p:nvPr/>
-          </p:nvSpPr>
-          <p:spPr>
-            <a:xfrm>
-              <a:off x="464457" y="1320801"/>
-              <a:ext cx="11350172" cy="5537200"/>
-            </a:xfrm>
-            <a:prstGeom prst="round2SameRect">
-              <a:avLst>
-                <a:gd name="adj1" fmla="val 6572"/>
-                <a:gd name="adj2" fmla="val 0"/>
-              </a:avLst>
-            </a:prstGeom>
-            <a:solidFill>
-              <a:schemeClr val="bg1"/>
-            </a:solidFill>
-            <a:ln w="22225">
-              <a:solidFill>
-                <a:schemeClr val="bg1"/>
-              </a:solidFill>
-            </a:ln>
-          </p:spPr>
-          <p:style>
-            <a:lnRef idx="2">
-              <a:schemeClr val="accent1">
-                <a:shade val="50000"/>
-              </a:schemeClr>
-            </a:lnRef>
-            <a:fillRef idx="1">
-              <a:schemeClr val="accent1"/>
-            </a:fillRef>
-            <a:effectRef idx="0">
-              <a:schemeClr val="accent1"/>
-            </a:effectRef>
-            <a:fontRef idx="minor">
-              <a:schemeClr val="lt1"/>
-            </a:fontRef>
-          </p:style>
-          <p:txBody>
-            <a:bodyPr rtlCol="0" anchor="ctr"/>
-            <a:lstStyle/>
-            <a:p>
-              <a:pPr algn="ctr"/>
-              <a:endParaRPr lang="ko-KR" altLang="en-US">
-                <a:solidFill>
-                  <a:prstClr val="white"/>
-                </a:solidFill>
-              </a:endParaRPr>
-            </a:p>
-          </p:txBody>
-        </p:sp>
-        <p:sp>
-          <p:nvSpPr>
-            <p:cNvPr id="7" name="자유형 6"/>
-            <p:cNvSpPr/>
-            <p:nvPr/>
-          </p:nvSpPr>
-          <p:spPr>
-            <a:xfrm>
-              <a:off x="909660" y="749801"/>
-              <a:ext cx="112689" cy="197593"/>
-            </a:xfrm>
-            <a:custGeom>
-              <a:avLst/>
-              <a:gdLst>
-                <a:gd name="connsiteX0" fmla="*/ 80683 w 89647"/>
-                <a:gd name="connsiteY0" fmla="*/ 0 h 161365"/>
-                <a:gd name="connsiteX1" fmla="*/ 0 w 89647"/>
-                <a:gd name="connsiteY1" fmla="*/ 89647 h 161365"/>
-                <a:gd name="connsiteX2" fmla="*/ 89647 w 89647"/>
-                <a:gd name="connsiteY2" fmla="*/ 161365 h 161365"/>
-                <a:gd name="connsiteX0" fmla="*/ 80683 w 89647"/>
-                <a:gd name="connsiteY0" fmla="*/ 0 h 161365"/>
-                <a:gd name="connsiteX1" fmla="*/ 0 w 89647"/>
-                <a:gd name="connsiteY1" fmla="*/ 80122 h 161365"/>
-                <a:gd name="connsiteX2" fmla="*/ 89647 w 89647"/>
-                <a:gd name="connsiteY2" fmla="*/ 161365 h 161365"/>
-                <a:gd name="connsiteX0" fmla="*/ 80683 w 89647"/>
-                <a:gd name="connsiteY0" fmla="*/ 0 h 161365"/>
-                <a:gd name="connsiteX1" fmla="*/ 0 w 89647"/>
-                <a:gd name="connsiteY1" fmla="*/ 89647 h 161365"/>
-                <a:gd name="connsiteX2" fmla="*/ 89647 w 89647"/>
-                <a:gd name="connsiteY2" fmla="*/ 161365 h 161365"/>
-                <a:gd name="connsiteX0" fmla="*/ 83064 w 92028"/>
-                <a:gd name="connsiteY0" fmla="*/ 0 h 161365"/>
-                <a:gd name="connsiteX1" fmla="*/ 0 w 92028"/>
-                <a:gd name="connsiteY1" fmla="*/ 87266 h 161365"/>
-                <a:gd name="connsiteX2" fmla="*/ 92028 w 92028"/>
-                <a:gd name="connsiteY2" fmla="*/ 161365 h 161365"/>
-              </a:gdLst>
-              <a:ahLst/>
-              <a:cxnLst>
-                <a:cxn ang="0">
-                  <a:pos x="connsiteX0" y="connsiteY0"/>
-                </a:cxn>
-                <a:cxn ang="0">
-                  <a:pos x="connsiteX1" y="connsiteY1"/>
-                </a:cxn>
-                <a:cxn ang="0">
-                  <a:pos x="connsiteX2" y="connsiteY2"/>
-                </a:cxn>
-              </a:cxnLst>
-              <a:rect l="l" t="t" r="r" b="b"/>
-              <a:pathLst>
-                <a:path w="92028" h="161365">
-                  <a:moveTo>
-                    <a:pt x="83064" y="0"/>
-                  </a:moveTo>
-                  <a:lnTo>
-                    <a:pt x="0" y="87266"/>
-                  </a:lnTo>
-                  <a:lnTo>
-                    <a:pt x="92028" y="161365"/>
-                  </a:lnTo>
-                </a:path>
-              </a:pathLst>
-            </a:custGeom>
-            <a:noFill/>
-            <a:ln w="31750" cap="rnd">
-              <a:solidFill>
-                <a:srgbClr val="303F9F"/>
-              </a:solidFill>
-            </a:ln>
-          </p:spPr>
-          <p:style>
-            <a:lnRef idx="2">
-              <a:schemeClr val="accent1">
-                <a:shade val="50000"/>
-              </a:schemeClr>
-            </a:lnRef>
-            <a:fillRef idx="1">
-              <a:schemeClr val="accent1"/>
-            </a:fillRef>
-            <a:effectRef idx="0">
-              <a:schemeClr val="accent1"/>
-            </a:effectRef>
-            <a:fontRef idx="minor">
-              <a:schemeClr val="lt1"/>
-            </a:fontRef>
-          </p:style>
-          <p:txBody>
-            <a:bodyPr rtlCol="0" anchor="ctr"/>
-            <a:lstStyle/>
-            <a:p>
-              <a:pPr algn="ctr"/>
-              <a:endParaRPr lang="ko-KR" altLang="en-US">
-                <a:solidFill>
-                  <a:prstClr val="white"/>
-                </a:solidFill>
-              </a:endParaRPr>
-            </a:p>
-          </p:txBody>
-        </p:sp>
-        <p:sp>
-          <p:nvSpPr>
-            <p:cNvPr id="8" name="타원 7"/>
-            <p:cNvSpPr/>
-            <p:nvPr/>
-          </p:nvSpPr>
-          <p:spPr>
-            <a:xfrm>
-              <a:off x="11112062" y="742754"/>
-              <a:ext cx="72000" cy="72000"/>
-            </a:xfrm>
-            <a:prstGeom prst="ellipse">
-              <a:avLst/>
-            </a:prstGeom>
-            <a:solidFill>
-              <a:srgbClr val="303F9F"/>
-            </a:solidFill>
-            <a:ln>
-              <a:noFill/>
-            </a:ln>
-          </p:spPr>
-          <p:style>
-            <a:lnRef idx="2">
-              <a:schemeClr val="accent1">
-                <a:shade val="50000"/>
-              </a:schemeClr>
-            </a:lnRef>
-            <a:fillRef idx="1">
-              <a:schemeClr val="accent1"/>
-            </a:fillRef>
-            <a:effectRef idx="0">
-              <a:schemeClr val="accent1"/>
-            </a:effectRef>
-            <a:fontRef idx="minor">
-              <a:schemeClr val="lt1"/>
-            </a:fontRef>
-          </p:style>
-          <p:txBody>
-            <a:bodyPr rtlCol="0" anchor="ctr"/>
-            <a:lstStyle/>
-            <a:p>
-              <a:pPr algn="ctr"/>
-              <a:endParaRPr lang="ko-KR" altLang="en-US">
-                <a:solidFill>
-                  <a:prstClr val="white"/>
-                </a:solidFill>
-              </a:endParaRPr>
-            </a:p>
-          </p:txBody>
-        </p:sp>
-        <p:sp>
-          <p:nvSpPr>
-            <p:cNvPr id="9" name="타원 8"/>
-            <p:cNvSpPr/>
-            <p:nvPr/>
-          </p:nvSpPr>
-          <p:spPr>
-            <a:xfrm>
-              <a:off x="11252555" y="742754"/>
-              <a:ext cx="72000" cy="72000"/>
-            </a:xfrm>
-            <a:prstGeom prst="ellipse">
-              <a:avLst/>
-            </a:prstGeom>
-            <a:solidFill>
-              <a:srgbClr val="303F9F"/>
-            </a:solidFill>
-            <a:ln>
-              <a:noFill/>
-            </a:ln>
-          </p:spPr>
-          <p:style>
-            <a:lnRef idx="2">
-              <a:schemeClr val="accent1">
-                <a:shade val="50000"/>
-              </a:schemeClr>
-            </a:lnRef>
-            <a:fillRef idx="1">
-              <a:schemeClr val="accent1"/>
-            </a:fillRef>
-            <a:effectRef idx="0">
-              <a:schemeClr val="accent1"/>
-            </a:effectRef>
-            <a:fontRef idx="minor">
-              <a:schemeClr val="lt1"/>
-            </a:fontRef>
-          </p:style>
-          <p:txBody>
-            <a:bodyPr rtlCol="0" anchor="ctr"/>
-            <a:lstStyle/>
-            <a:p>
-              <a:pPr algn="ctr"/>
-              <a:endParaRPr lang="ko-KR" altLang="en-US">
-                <a:solidFill>
-                  <a:prstClr val="white"/>
-                </a:solidFill>
-              </a:endParaRPr>
-            </a:p>
-          </p:txBody>
-        </p:sp>
-        <p:sp>
-          <p:nvSpPr>
-            <p:cNvPr id="10" name="타원 9"/>
-            <p:cNvSpPr/>
-            <p:nvPr/>
-          </p:nvSpPr>
-          <p:spPr>
-            <a:xfrm>
-              <a:off x="11112062" y="873684"/>
-              <a:ext cx="72000" cy="72000"/>
-            </a:xfrm>
-            <a:prstGeom prst="ellipse">
-              <a:avLst/>
-            </a:prstGeom>
-            <a:solidFill>
-              <a:srgbClr val="303F9F"/>
-            </a:solidFill>
-            <a:ln>
-              <a:noFill/>
-            </a:ln>
-          </p:spPr>
-          <p:style>
-            <a:lnRef idx="2">
-              <a:schemeClr val="accent1">
-                <a:shade val="50000"/>
-              </a:schemeClr>
-            </a:lnRef>
-            <a:fillRef idx="1">
-              <a:schemeClr val="accent1"/>
-            </a:fillRef>
-            <a:effectRef idx="0">
-              <a:schemeClr val="accent1"/>
-            </a:effectRef>
-            <a:fontRef idx="minor">
-              <a:schemeClr val="lt1"/>
-            </a:fontRef>
-          </p:style>
-          <p:txBody>
-            <a:bodyPr rtlCol="0" anchor="ctr"/>
-            <a:lstStyle/>
-            <a:p>
-              <a:pPr algn="ctr"/>
-              <a:endParaRPr lang="ko-KR" altLang="en-US">
-                <a:solidFill>
-                  <a:prstClr val="white"/>
-                </a:solidFill>
-              </a:endParaRPr>
-            </a:p>
-          </p:txBody>
-        </p:sp>
-        <p:sp>
-          <p:nvSpPr>
-            <p:cNvPr id="11" name="타원 10"/>
-            <p:cNvSpPr/>
-            <p:nvPr/>
-          </p:nvSpPr>
-          <p:spPr>
-            <a:xfrm>
-              <a:off x="11252555" y="873684"/>
-              <a:ext cx="72000" cy="72000"/>
-            </a:xfrm>
-            <a:prstGeom prst="ellipse">
-              <a:avLst/>
-            </a:prstGeom>
-            <a:solidFill>
-              <a:srgbClr val="303F9F"/>
-            </a:solidFill>
-            <a:ln>
-              <a:noFill/>
-            </a:ln>
-          </p:spPr>
-          <p:style>
-            <a:lnRef idx="2">
-              <a:schemeClr val="accent1">
-                <a:shade val="50000"/>
-              </a:schemeClr>
-            </a:lnRef>
-            <a:fillRef idx="1">
-              <a:schemeClr val="accent1"/>
-            </a:fillRef>
-            <a:effectRef idx="0">
-              <a:schemeClr val="accent1"/>
-            </a:effectRef>
-            <a:fontRef idx="minor">
-              <a:schemeClr val="lt1"/>
-            </a:fontRef>
-          </p:style>
-          <p:txBody>
-            <a:bodyPr rtlCol="0" anchor="ctr"/>
-            <a:lstStyle/>
-            <a:p>
-              <a:pPr algn="ctr"/>
-              <a:endParaRPr lang="ko-KR" altLang="en-US">
-                <a:solidFill>
-                  <a:prstClr val="white"/>
-                </a:solidFill>
-              </a:endParaRPr>
-            </a:p>
-          </p:txBody>
-        </p:sp>
-      </p:grpSp>
-      <p:cxnSp>
-        <p:nvCxnSpPr>
-          <p:cNvPr id="45" name="직선 연결선 44"/>
-          <p:cNvCxnSpPr/>
-          <p:nvPr/>
-        </p:nvCxnSpPr>
-        <p:spPr>
-          <a:xfrm>
-            <a:off x="8882743" y="1320801"/>
-            <a:ext cx="0" cy="5537199"/>
-          </a:xfrm>
-          <a:prstGeom prst="line">
-            <a:avLst/>
-          </a:prstGeom>
-          <a:ln w="12700">
-            <a:solidFill>
-              <a:schemeClr val="tx1"/>
-            </a:solidFill>
-          </a:ln>
-        </p:spPr>
-        <p:style>
-          <a:lnRef idx="1">
-            <a:schemeClr val="accent1"/>
-          </a:lnRef>
-          <a:fillRef idx="0">
-            <a:schemeClr val="accent1"/>
-          </a:fillRef>
-          <a:effectRef idx="0">
-            <a:schemeClr val="accent1"/>
-          </a:effectRef>
-          <a:fontRef idx="minor">
-            <a:schemeClr val="tx1"/>
-          </a:fontRef>
-        </p:style>
-      </p:cxnSp>
-      <p:sp>
-        <p:nvSpPr>
-          <p:cNvPr id="79" name="TextBox 78"/>
-          <p:cNvSpPr txBox="1"/>
-          <p:nvPr/>
-        </p:nvSpPr>
-        <p:spPr>
-          <a:xfrm>
-            <a:off x="9026557" y="1689986"/>
             <a:ext cx="2787791" cy="1815882"/>
           </a:xfrm>
           <a:prstGeom prst="rect">
@@ -11245,7 +11994,7 @@
 </p:sld>
 </file>
 
-<file path=ppt/slides/slide7.xml><?xml version="1.0" encoding="utf-8"?>
+<file path=ppt/slides/slide8.xml><?xml version="1.0" encoding="utf-8"?>
 <p:sld xmlns:a="http://schemas.openxmlformats.org/drawingml/2006/main" xmlns:r="http://schemas.openxmlformats.org/officeDocument/2006/relationships" xmlns:p="http://schemas.openxmlformats.org/presentationml/2006/main">
   <p:cSld>
     <p:bg>
@@ -12387,7 +13136,7 @@
 </p:sld>
 </file>
 
-<file path=ppt/slides/slide8.xml><?xml version="1.0" encoding="utf-8"?>
+<file path=ppt/slides/slide9.xml><?xml version="1.0" encoding="utf-8"?>
 <p:sld xmlns:a="http://schemas.openxmlformats.org/drawingml/2006/main" xmlns:r="http://schemas.openxmlformats.org/officeDocument/2006/relationships" xmlns:p="http://schemas.openxmlformats.org/presentationml/2006/main">
   <p:cSld>
     <p:bg>
@@ -12960,7 +13709,7 @@
                 <a:latin typeface="나눔스퀘어 Bold" panose="020B0600000101010101" pitchFamily="50" charset="-127"/>
                 <a:ea typeface="나눔스퀘어 Bold" panose="020B0600000101010101" pitchFamily="50" charset="-127"/>
               </a:rPr>
-              <a:t> 연결된 모터가 작동되어 출입문이 열림</a:t>
+              <a:t> 연결된 모터를 작동시켜 출입문 개방</a:t>
             </a:r>
             <a:endParaRPr lang="en-US" altLang="ko-KR" sz="1600" dirty="0">
               <a:latin typeface="나눔스퀘어 Bold" panose="020B0600000101010101" pitchFamily="50" charset="-127"/>
